--- a/module_4/03-presentation/Vlasov_DV_dst-26_SQL_module_04_flight-profitability.pptx
+++ b/module_4/03-presentation/Vlasov_DV_dst-26_SQL_module_04_flight-profitability.pptx
@@ -7,28 +7,29 @@
     <p:sldMasterId id="2147483674" r:id="rId4"/>
     <p:sldMasterId id="2147483687" r:id="rId5"/>
     <p:sldMasterId id="2147483700" r:id="rId6"/>
+    <p:sldMasterId id="2147483713" r:id="rId7"/>
   </p:sldMasterIdLst>
   <p:sldIdLst>
-    <p:sldId id="256" r:id="rId7"/>
-    <p:sldId id="257" r:id="rId8"/>
-    <p:sldId id="258" r:id="rId9"/>
-    <p:sldId id="259" r:id="rId10"/>
-    <p:sldId id="260" r:id="rId11"/>
-    <p:sldId id="261" r:id="rId12"/>
-    <p:sldId id="262" r:id="rId13"/>
-    <p:sldId id="263" r:id="rId14"/>
-    <p:sldId id="264" r:id="rId15"/>
-    <p:sldId id="265" r:id="rId16"/>
-    <p:sldId id="266" r:id="rId17"/>
-    <p:sldId id="267" r:id="rId18"/>
-    <p:sldId id="268" r:id="rId19"/>
-    <p:sldId id="269" r:id="rId20"/>
-    <p:sldId id="270" r:id="rId21"/>
-    <p:sldId id="271" r:id="rId22"/>
-    <p:sldId id="272" r:id="rId23"/>
-    <p:sldId id="273" r:id="rId24"/>
-    <p:sldId id="274" r:id="rId25"/>
-    <p:sldId id="275" r:id="rId26"/>
+    <p:sldId id="256" r:id="rId8"/>
+    <p:sldId id="257" r:id="rId9"/>
+    <p:sldId id="258" r:id="rId10"/>
+    <p:sldId id="259" r:id="rId11"/>
+    <p:sldId id="260" r:id="rId12"/>
+    <p:sldId id="261" r:id="rId13"/>
+    <p:sldId id="262" r:id="rId14"/>
+    <p:sldId id="263" r:id="rId15"/>
+    <p:sldId id="264" r:id="rId16"/>
+    <p:sldId id="265" r:id="rId17"/>
+    <p:sldId id="266" r:id="rId18"/>
+    <p:sldId id="267" r:id="rId19"/>
+    <p:sldId id="268" r:id="rId20"/>
+    <p:sldId id="269" r:id="rId21"/>
+    <p:sldId id="270" r:id="rId22"/>
+    <p:sldId id="271" r:id="rId23"/>
+    <p:sldId id="272" r:id="rId24"/>
+    <p:sldId id="273" r:id="rId25"/>
+    <p:sldId id="274" r:id="rId26"/>
+    <p:sldId id="275" r:id="rId27"/>
   </p:sldIdLst>
   <p:sldSz cx="10080625" cy="5670550"/>
   <p:notesSz cx="7772400" cy="10058400"/>
@@ -87,7 +88,7 @@
         <p:spPr>
           <a:xfrm>
             <a:off x="540000" y="90000"/>
-            <a:ext cx="8999640" cy="989640"/>
+            <a:ext cx="8999280" cy="989280"/>
           </a:xfrm>
           <a:prstGeom prst="rect">
             <a:avLst/>
@@ -118,7 +119,7 @@
         <p:spPr>
           <a:xfrm>
             <a:off x="540000" y="1440000"/>
-            <a:ext cx="8999640" cy="1674000"/>
+            <a:ext cx="8999280" cy="1673640"/>
           </a:xfrm>
           <a:prstGeom prst="rect">
             <a:avLst/>
@@ -147,8 +148,8 @@
         </p:nvSpPr>
         <p:spPr>
           <a:xfrm>
-            <a:off x="540000" y="3273480"/>
-            <a:ext cx="8999640" cy="1674000"/>
+            <a:off x="540000" y="3273120"/>
+            <a:ext cx="8999280" cy="1673640"/>
           </a:xfrm>
           <a:prstGeom prst="rect">
             <a:avLst/>
@@ -200,7 +201,7 @@
         <p:spPr>
           <a:xfrm>
             <a:off x="540000" y="90000"/>
-            <a:ext cx="8999640" cy="989640"/>
+            <a:ext cx="8999280" cy="989280"/>
           </a:xfrm>
           <a:prstGeom prst="rect">
             <a:avLst/>
@@ -231,7 +232,7 @@
         <p:spPr>
           <a:xfrm>
             <a:off x="540000" y="1440000"/>
-            <a:ext cx="4391640" cy="1674000"/>
+            <a:ext cx="4391640" cy="1673640"/>
           </a:xfrm>
           <a:prstGeom prst="rect">
             <a:avLst/>
@@ -261,7 +262,7 @@
         <p:spPr>
           <a:xfrm>
             <a:off x="5151600" y="1440000"/>
-            <a:ext cx="4391640" cy="1674000"/>
+            <a:ext cx="4391640" cy="1673640"/>
           </a:xfrm>
           <a:prstGeom prst="rect">
             <a:avLst/>
@@ -290,8 +291,8 @@
         </p:nvSpPr>
         <p:spPr>
           <a:xfrm>
-            <a:off x="540000" y="3273480"/>
-            <a:ext cx="4391640" cy="1674000"/>
+            <a:off x="540000" y="3273120"/>
+            <a:ext cx="4391640" cy="1673640"/>
           </a:xfrm>
           <a:prstGeom prst="rect">
             <a:avLst/>
@@ -320,8 +321,8 @@
         </p:nvSpPr>
         <p:spPr>
           <a:xfrm>
-            <a:off x="5151600" y="3273480"/>
-            <a:ext cx="4391640" cy="1674000"/>
+            <a:off x="5151600" y="3273120"/>
+            <a:ext cx="4391640" cy="1673640"/>
           </a:xfrm>
           <a:prstGeom prst="rect">
             <a:avLst/>
@@ -373,7 +374,7 @@
         <p:spPr>
           <a:xfrm>
             <a:off x="540000" y="90000"/>
-            <a:ext cx="8999640" cy="989640"/>
+            <a:ext cx="8999280" cy="989280"/>
           </a:xfrm>
           <a:prstGeom prst="rect">
             <a:avLst/>
@@ -404,7 +405,7 @@
         <p:spPr>
           <a:xfrm>
             <a:off x="540000" y="1440000"/>
-            <a:ext cx="2897640" cy="1674000"/>
+            <a:ext cx="2897640" cy="1673640"/>
           </a:xfrm>
           <a:prstGeom prst="rect">
             <a:avLst/>
@@ -434,7 +435,7 @@
         <p:spPr>
           <a:xfrm>
             <a:off x="3583080" y="1440000"/>
-            <a:ext cx="2897640" cy="1674000"/>
+            <a:ext cx="2897640" cy="1673640"/>
           </a:xfrm>
           <a:prstGeom prst="rect">
             <a:avLst/>
@@ -464,7 +465,7 @@
         <p:spPr>
           <a:xfrm>
             <a:off x="6625800" y="1440000"/>
-            <a:ext cx="2897640" cy="1674000"/>
+            <a:ext cx="2897640" cy="1673640"/>
           </a:xfrm>
           <a:prstGeom prst="rect">
             <a:avLst/>
@@ -493,8 +494,8 @@
         </p:nvSpPr>
         <p:spPr>
           <a:xfrm>
-            <a:off x="540000" y="3273480"/>
-            <a:ext cx="2897640" cy="1674000"/>
+            <a:off x="540000" y="3273120"/>
+            <a:ext cx="2897640" cy="1673640"/>
           </a:xfrm>
           <a:prstGeom prst="rect">
             <a:avLst/>
@@ -523,8 +524,8 @@
         </p:nvSpPr>
         <p:spPr>
           <a:xfrm>
-            <a:off x="3583080" y="3273480"/>
-            <a:ext cx="2897640" cy="1674000"/>
+            <a:off x="3583080" y="3273120"/>
+            <a:ext cx="2897640" cy="1673640"/>
           </a:xfrm>
           <a:prstGeom prst="rect">
             <a:avLst/>
@@ -553,8 +554,8 @@
         </p:nvSpPr>
         <p:spPr>
           <a:xfrm>
-            <a:off x="6625800" y="3273480"/>
-            <a:ext cx="2897640" cy="1674000"/>
+            <a:off x="6625800" y="3273120"/>
+            <a:ext cx="2897640" cy="1673640"/>
           </a:xfrm>
           <a:prstGeom prst="rect">
             <a:avLst/>
@@ -628,7 +629,7 @@
         <p:spPr>
           <a:xfrm>
             <a:off x="540000" y="90000"/>
-            <a:ext cx="8999640" cy="989640"/>
+            <a:ext cx="8999280" cy="989280"/>
           </a:xfrm>
           <a:prstGeom prst="rect">
             <a:avLst/>
@@ -659,7 +660,7 @@
         <p:spPr>
           <a:xfrm>
             <a:off x="540000" y="1440000"/>
-            <a:ext cx="8999640" cy="3509640"/>
+            <a:ext cx="8999280" cy="3509280"/>
           </a:xfrm>
           <a:prstGeom prst="rect">
             <a:avLst/>
@@ -712,7 +713,7 @@
         <p:spPr>
           <a:xfrm>
             <a:off x="540000" y="90000"/>
-            <a:ext cx="8999640" cy="989640"/>
+            <a:ext cx="8999280" cy="989280"/>
           </a:xfrm>
           <a:prstGeom prst="rect">
             <a:avLst/>
@@ -743,7 +744,7 @@
         <p:spPr>
           <a:xfrm>
             <a:off x="540000" y="1440000"/>
-            <a:ext cx="8999640" cy="3509640"/>
+            <a:ext cx="8999280" cy="3509280"/>
           </a:xfrm>
           <a:prstGeom prst="rect">
             <a:avLst/>
@@ -795,7 +796,7 @@
         <p:spPr>
           <a:xfrm>
             <a:off x="540000" y="90000"/>
-            <a:ext cx="8999640" cy="989640"/>
+            <a:ext cx="8999280" cy="989280"/>
           </a:xfrm>
           <a:prstGeom prst="rect">
             <a:avLst/>
@@ -826,7 +827,7 @@
         <p:spPr>
           <a:xfrm>
             <a:off x="540000" y="1440000"/>
-            <a:ext cx="4391640" cy="3509640"/>
+            <a:ext cx="4391640" cy="3509280"/>
           </a:xfrm>
           <a:prstGeom prst="rect">
             <a:avLst/>
@@ -856,7 +857,7 @@
         <p:spPr>
           <a:xfrm>
             <a:off x="5151600" y="1440000"/>
-            <a:ext cx="4391640" cy="3509640"/>
+            <a:ext cx="4391640" cy="3509280"/>
           </a:xfrm>
           <a:prstGeom prst="rect">
             <a:avLst/>
@@ -908,7 +909,7 @@
         <p:spPr>
           <a:xfrm>
             <a:off x="540000" y="90000"/>
-            <a:ext cx="8999640" cy="989640"/>
+            <a:ext cx="8999280" cy="989280"/>
           </a:xfrm>
           <a:prstGeom prst="rect">
             <a:avLst/>
@@ -961,7 +962,7 @@
         <p:spPr>
           <a:xfrm>
             <a:off x="540000" y="90000"/>
-            <a:ext cx="8999640" cy="4588560"/>
+            <a:ext cx="8999280" cy="4587120"/>
           </a:xfrm>
           <a:prstGeom prst="rect">
             <a:avLst/>
@@ -1014,7 +1015,7 @@
         <p:spPr>
           <a:xfrm>
             <a:off x="540000" y="90000"/>
-            <a:ext cx="8999640" cy="989640"/>
+            <a:ext cx="8999280" cy="989280"/>
           </a:xfrm>
           <a:prstGeom prst="rect">
             <a:avLst/>
@@ -1045,7 +1046,7 @@
         <p:spPr>
           <a:xfrm>
             <a:off x="540000" y="1440000"/>
-            <a:ext cx="4391640" cy="1674000"/>
+            <a:ext cx="4391640" cy="1673640"/>
           </a:xfrm>
           <a:prstGeom prst="rect">
             <a:avLst/>
@@ -1075,7 +1076,7 @@
         <p:spPr>
           <a:xfrm>
             <a:off x="5151600" y="1440000"/>
-            <a:ext cx="4391640" cy="3509640"/>
+            <a:ext cx="4391640" cy="3509280"/>
           </a:xfrm>
           <a:prstGeom prst="rect">
             <a:avLst/>
@@ -1104,8 +1105,8 @@
         </p:nvSpPr>
         <p:spPr>
           <a:xfrm>
-            <a:off x="540000" y="3273480"/>
-            <a:ext cx="4391640" cy="1674000"/>
+            <a:off x="540000" y="3273120"/>
+            <a:ext cx="4391640" cy="1673640"/>
           </a:xfrm>
           <a:prstGeom prst="rect">
             <a:avLst/>
@@ -1157,7 +1158,7 @@
         <p:spPr>
           <a:xfrm>
             <a:off x="540000" y="90000"/>
-            <a:ext cx="8999640" cy="989640"/>
+            <a:ext cx="8999280" cy="989280"/>
           </a:xfrm>
           <a:prstGeom prst="rect">
             <a:avLst/>
@@ -1188,7 +1189,7 @@
         <p:spPr>
           <a:xfrm>
             <a:off x="540000" y="1440000"/>
-            <a:ext cx="8999640" cy="3509640"/>
+            <a:ext cx="8999280" cy="3509280"/>
           </a:xfrm>
           <a:prstGeom prst="rect">
             <a:avLst/>
@@ -1241,7 +1242,7 @@
         <p:spPr>
           <a:xfrm>
             <a:off x="540000" y="90000"/>
-            <a:ext cx="8999640" cy="989640"/>
+            <a:ext cx="8999280" cy="989280"/>
           </a:xfrm>
           <a:prstGeom prst="rect">
             <a:avLst/>
@@ -1272,7 +1273,7 @@
         <p:spPr>
           <a:xfrm>
             <a:off x="540000" y="1440000"/>
-            <a:ext cx="4391640" cy="3509640"/>
+            <a:ext cx="4391640" cy="3509280"/>
           </a:xfrm>
           <a:prstGeom prst="rect">
             <a:avLst/>
@@ -1302,7 +1303,7 @@
         <p:spPr>
           <a:xfrm>
             <a:off x="5151600" y="1440000"/>
-            <a:ext cx="4391640" cy="1674000"/>
+            <a:ext cx="4391640" cy="1673640"/>
           </a:xfrm>
           <a:prstGeom prst="rect">
             <a:avLst/>
@@ -1331,8 +1332,8 @@
         </p:nvSpPr>
         <p:spPr>
           <a:xfrm>
-            <a:off x="5151600" y="3273480"/>
-            <a:ext cx="4391640" cy="1674000"/>
+            <a:off x="5151600" y="3273120"/>
+            <a:ext cx="4391640" cy="1673640"/>
           </a:xfrm>
           <a:prstGeom prst="rect">
             <a:avLst/>
@@ -1384,7 +1385,7 @@
         <p:spPr>
           <a:xfrm>
             <a:off x="540000" y="90000"/>
-            <a:ext cx="8999640" cy="989640"/>
+            <a:ext cx="8999280" cy="989280"/>
           </a:xfrm>
           <a:prstGeom prst="rect">
             <a:avLst/>
@@ -1415,7 +1416,7 @@
         <p:spPr>
           <a:xfrm>
             <a:off x="540000" y="1440000"/>
-            <a:ext cx="4391640" cy="1674000"/>
+            <a:ext cx="4391640" cy="1673640"/>
           </a:xfrm>
           <a:prstGeom prst="rect">
             <a:avLst/>
@@ -1445,7 +1446,7 @@
         <p:spPr>
           <a:xfrm>
             <a:off x="5151600" y="1440000"/>
-            <a:ext cx="4391640" cy="1674000"/>
+            <a:ext cx="4391640" cy="1673640"/>
           </a:xfrm>
           <a:prstGeom prst="rect">
             <a:avLst/>
@@ -1474,8 +1475,8 @@
         </p:nvSpPr>
         <p:spPr>
           <a:xfrm>
-            <a:off x="540000" y="3273480"/>
-            <a:ext cx="8999640" cy="1674000"/>
+            <a:off x="540000" y="3273120"/>
+            <a:ext cx="8999280" cy="1673640"/>
           </a:xfrm>
           <a:prstGeom prst="rect">
             <a:avLst/>
@@ -1527,7 +1528,7 @@
         <p:spPr>
           <a:xfrm>
             <a:off x="540000" y="90000"/>
-            <a:ext cx="8999640" cy="989640"/>
+            <a:ext cx="8999280" cy="989280"/>
           </a:xfrm>
           <a:prstGeom prst="rect">
             <a:avLst/>
@@ -1558,7 +1559,7 @@
         <p:spPr>
           <a:xfrm>
             <a:off x="540000" y="1440000"/>
-            <a:ext cx="8999640" cy="1674000"/>
+            <a:ext cx="8999280" cy="1673640"/>
           </a:xfrm>
           <a:prstGeom prst="rect">
             <a:avLst/>
@@ -1587,8 +1588,8 @@
         </p:nvSpPr>
         <p:spPr>
           <a:xfrm>
-            <a:off x="540000" y="3273480"/>
-            <a:ext cx="8999640" cy="1674000"/>
+            <a:off x="540000" y="3273120"/>
+            <a:ext cx="8999280" cy="1673640"/>
           </a:xfrm>
           <a:prstGeom prst="rect">
             <a:avLst/>
@@ -1640,7 +1641,7 @@
         <p:spPr>
           <a:xfrm>
             <a:off x="540000" y="90000"/>
-            <a:ext cx="8999640" cy="989640"/>
+            <a:ext cx="8999280" cy="989280"/>
           </a:xfrm>
           <a:prstGeom prst="rect">
             <a:avLst/>
@@ -1671,7 +1672,7 @@
         <p:spPr>
           <a:xfrm>
             <a:off x="540000" y="1440000"/>
-            <a:ext cx="4391640" cy="1674000"/>
+            <a:ext cx="4391640" cy="1673640"/>
           </a:xfrm>
           <a:prstGeom prst="rect">
             <a:avLst/>
@@ -1701,7 +1702,7 @@
         <p:spPr>
           <a:xfrm>
             <a:off x="5151600" y="1440000"/>
-            <a:ext cx="4391640" cy="1674000"/>
+            <a:ext cx="4391640" cy="1673640"/>
           </a:xfrm>
           <a:prstGeom prst="rect">
             <a:avLst/>
@@ -1730,8 +1731,8 @@
         </p:nvSpPr>
         <p:spPr>
           <a:xfrm>
-            <a:off x="540000" y="3273480"/>
-            <a:ext cx="4391640" cy="1674000"/>
+            <a:off x="540000" y="3273120"/>
+            <a:ext cx="4391640" cy="1673640"/>
           </a:xfrm>
           <a:prstGeom prst="rect">
             <a:avLst/>
@@ -1760,8 +1761,8 @@
         </p:nvSpPr>
         <p:spPr>
           <a:xfrm>
-            <a:off x="5151600" y="3273480"/>
-            <a:ext cx="4391640" cy="1674000"/>
+            <a:off x="5151600" y="3273120"/>
+            <a:ext cx="4391640" cy="1673640"/>
           </a:xfrm>
           <a:prstGeom prst="rect">
             <a:avLst/>
@@ -1813,7 +1814,7 @@
         <p:spPr>
           <a:xfrm>
             <a:off x="540000" y="90000"/>
-            <a:ext cx="8999640" cy="989640"/>
+            <a:ext cx="8999280" cy="989280"/>
           </a:xfrm>
           <a:prstGeom prst="rect">
             <a:avLst/>
@@ -1844,7 +1845,7 @@
         <p:spPr>
           <a:xfrm>
             <a:off x="540000" y="1440000"/>
-            <a:ext cx="2897640" cy="1674000"/>
+            <a:ext cx="2897640" cy="1673640"/>
           </a:xfrm>
           <a:prstGeom prst="rect">
             <a:avLst/>
@@ -1874,7 +1875,7 @@
         <p:spPr>
           <a:xfrm>
             <a:off x="3583080" y="1440000"/>
-            <a:ext cx="2897640" cy="1674000"/>
+            <a:ext cx="2897640" cy="1673640"/>
           </a:xfrm>
           <a:prstGeom prst="rect">
             <a:avLst/>
@@ -1904,7 +1905,7 @@
         <p:spPr>
           <a:xfrm>
             <a:off x="6625800" y="1440000"/>
-            <a:ext cx="2897640" cy="1674000"/>
+            <a:ext cx="2897640" cy="1673640"/>
           </a:xfrm>
           <a:prstGeom prst="rect">
             <a:avLst/>
@@ -1933,8 +1934,8 @@
         </p:nvSpPr>
         <p:spPr>
           <a:xfrm>
-            <a:off x="540000" y="3273480"/>
-            <a:ext cx="2897640" cy="1674000"/>
+            <a:off x="540000" y="3273120"/>
+            <a:ext cx="2897640" cy="1673640"/>
           </a:xfrm>
           <a:prstGeom prst="rect">
             <a:avLst/>
@@ -1963,8 +1964,8 @@
         </p:nvSpPr>
         <p:spPr>
           <a:xfrm>
-            <a:off x="3583080" y="3273480"/>
-            <a:ext cx="2897640" cy="1674000"/>
+            <a:off x="3583080" y="3273120"/>
+            <a:ext cx="2897640" cy="1673640"/>
           </a:xfrm>
           <a:prstGeom prst="rect">
             <a:avLst/>
@@ -1993,8 +1994,8 @@
         </p:nvSpPr>
         <p:spPr>
           <a:xfrm>
-            <a:off x="6625800" y="3273480"/>
-            <a:ext cx="2897640" cy="1674000"/>
+            <a:off x="6625800" y="3273120"/>
+            <a:ext cx="2897640" cy="1673640"/>
           </a:xfrm>
           <a:prstGeom prst="rect">
             <a:avLst/>
@@ -2068,7 +2069,7 @@
         <p:spPr>
           <a:xfrm>
             <a:off x="540000" y="90000"/>
-            <a:ext cx="8999640" cy="989640"/>
+            <a:ext cx="8999280" cy="989280"/>
           </a:xfrm>
           <a:prstGeom prst="rect">
             <a:avLst/>
@@ -2099,7 +2100,7 @@
         <p:spPr>
           <a:xfrm>
             <a:off x="540000" y="1440000"/>
-            <a:ext cx="8999640" cy="3509640"/>
+            <a:ext cx="8999280" cy="3509280"/>
           </a:xfrm>
           <a:prstGeom prst="rect">
             <a:avLst/>
@@ -2152,7 +2153,7 @@
         <p:spPr>
           <a:xfrm>
             <a:off x="540000" y="90000"/>
-            <a:ext cx="8999640" cy="989640"/>
+            <a:ext cx="8999280" cy="989280"/>
           </a:xfrm>
           <a:prstGeom prst="rect">
             <a:avLst/>
@@ -2183,7 +2184,7 @@
         <p:spPr>
           <a:xfrm>
             <a:off x="540000" y="1440000"/>
-            <a:ext cx="8999640" cy="3509640"/>
+            <a:ext cx="8999280" cy="3509280"/>
           </a:xfrm>
           <a:prstGeom prst="rect">
             <a:avLst/>
@@ -2235,7 +2236,7 @@
         <p:spPr>
           <a:xfrm>
             <a:off x="540000" y="90000"/>
-            <a:ext cx="8999640" cy="989640"/>
+            <a:ext cx="8999280" cy="989280"/>
           </a:xfrm>
           <a:prstGeom prst="rect">
             <a:avLst/>
@@ -2266,7 +2267,7 @@
         <p:spPr>
           <a:xfrm>
             <a:off x="540000" y="1440000"/>
-            <a:ext cx="4391640" cy="3509640"/>
+            <a:ext cx="4391640" cy="3509280"/>
           </a:xfrm>
           <a:prstGeom prst="rect">
             <a:avLst/>
@@ -2296,7 +2297,7 @@
         <p:spPr>
           <a:xfrm>
             <a:off x="5151600" y="1440000"/>
-            <a:ext cx="4391640" cy="3509640"/>
+            <a:ext cx="4391640" cy="3509280"/>
           </a:xfrm>
           <a:prstGeom prst="rect">
             <a:avLst/>
@@ -2348,7 +2349,7 @@
         <p:spPr>
           <a:xfrm>
             <a:off x="540000" y="90000"/>
-            <a:ext cx="8999640" cy="989640"/>
+            <a:ext cx="8999280" cy="989280"/>
           </a:xfrm>
           <a:prstGeom prst="rect">
             <a:avLst/>
@@ -2401,7 +2402,7 @@
         <p:spPr>
           <a:xfrm>
             <a:off x="540000" y="90000"/>
-            <a:ext cx="8999640" cy="989640"/>
+            <a:ext cx="8999280" cy="989280"/>
           </a:xfrm>
           <a:prstGeom prst="rect">
             <a:avLst/>
@@ -2432,7 +2433,7 @@
         <p:spPr>
           <a:xfrm>
             <a:off x="540000" y="1440000"/>
-            <a:ext cx="8999640" cy="3509640"/>
+            <a:ext cx="8999280" cy="3509280"/>
           </a:xfrm>
           <a:prstGeom prst="rect">
             <a:avLst/>
@@ -2484,7 +2485,7 @@
         <p:spPr>
           <a:xfrm>
             <a:off x="540000" y="90000"/>
-            <a:ext cx="8999640" cy="4588560"/>
+            <a:ext cx="8999280" cy="4587120"/>
           </a:xfrm>
           <a:prstGeom prst="rect">
             <a:avLst/>
@@ -2537,7 +2538,7 @@
         <p:spPr>
           <a:xfrm>
             <a:off x="540000" y="90000"/>
-            <a:ext cx="8999640" cy="989640"/>
+            <a:ext cx="8999280" cy="989280"/>
           </a:xfrm>
           <a:prstGeom prst="rect">
             <a:avLst/>
@@ -2568,7 +2569,7 @@
         <p:spPr>
           <a:xfrm>
             <a:off x="540000" y="1440000"/>
-            <a:ext cx="4391640" cy="1674000"/>
+            <a:ext cx="4391640" cy="1673640"/>
           </a:xfrm>
           <a:prstGeom prst="rect">
             <a:avLst/>
@@ -2598,7 +2599,7 @@
         <p:spPr>
           <a:xfrm>
             <a:off x="5151600" y="1440000"/>
-            <a:ext cx="4391640" cy="3509640"/>
+            <a:ext cx="4391640" cy="3509280"/>
           </a:xfrm>
           <a:prstGeom prst="rect">
             <a:avLst/>
@@ -2627,8 +2628,8 @@
         </p:nvSpPr>
         <p:spPr>
           <a:xfrm>
-            <a:off x="540000" y="3273480"/>
-            <a:ext cx="4391640" cy="1674000"/>
+            <a:off x="540000" y="3273120"/>
+            <a:ext cx="4391640" cy="1673640"/>
           </a:xfrm>
           <a:prstGeom prst="rect">
             <a:avLst/>
@@ -2680,7 +2681,7 @@
         <p:spPr>
           <a:xfrm>
             <a:off x="540000" y="90000"/>
-            <a:ext cx="8999640" cy="989640"/>
+            <a:ext cx="8999280" cy="989280"/>
           </a:xfrm>
           <a:prstGeom prst="rect">
             <a:avLst/>
@@ -2711,7 +2712,7 @@
         <p:spPr>
           <a:xfrm>
             <a:off x="540000" y="1440000"/>
-            <a:ext cx="4391640" cy="3509640"/>
+            <a:ext cx="4391640" cy="3509280"/>
           </a:xfrm>
           <a:prstGeom prst="rect">
             <a:avLst/>
@@ -2741,7 +2742,7 @@
         <p:spPr>
           <a:xfrm>
             <a:off x="5151600" y="1440000"/>
-            <a:ext cx="4391640" cy="1674000"/>
+            <a:ext cx="4391640" cy="1673640"/>
           </a:xfrm>
           <a:prstGeom prst="rect">
             <a:avLst/>
@@ -2770,8 +2771,8 @@
         </p:nvSpPr>
         <p:spPr>
           <a:xfrm>
-            <a:off x="5151600" y="3273480"/>
-            <a:ext cx="4391640" cy="1674000"/>
+            <a:off x="5151600" y="3273120"/>
+            <a:ext cx="4391640" cy="1673640"/>
           </a:xfrm>
           <a:prstGeom prst="rect">
             <a:avLst/>
@@ -2823,7 +2824,7 @@
         <p:spPr>
           <a:xfrm>
             <a:off x="540000" y="90000"/>
-            <a:ext cx="8999640" cy="989640"/>
+            <a:ext cx="8999280" cy="989280"/>
           </a:xfrm>
           <a:prstGeom prst="rect">
             <a:avLst/>
@@ -2854,7 +2855,7 @@
         <p:spPr>
           <a:xfrm>
             <a:off x="540000" y="1440000"/>
-            <a:ext cx="4391640" cy="1674000"/>
+            <a:ext cx="4391640" cy="1673640"/>
           </a:xfrm>
           <a:prstGeom prst="rect">
             <a:avLst/>
@@ -2884,7 +2885,7 @@
         <p:spPr>
           <a:xfrm>
             <a:off x="5151600" y="1440000"/>
-            <a:ext cx="4391640" cy="1674000"/>
+            <a:ext cx="4391640" cy="1673640"/>
           </a:xfrm>
           <a:prstGeom prst="rect">
             <a:avLst/>
@@ -2913,8 +2914,8 @@
         </p:nvSpPr>
         <p:spPr>
           <a:xfrm>
-            <a:off x="540000" y="3273480"/>
-            <a:ext cx="8999640" cy="1674000"/>
+            <a:off x="540000" y="3273120"/>
+            <a:ext cx="8999280" cy="1673640"/>
           </a:xfrm>
           <a:prstGeom prst="rect">
             <a:avLst/>
@@ -2966,7 +2967,7 @@
         <p:spPr>
           <a:xfrm>
             <a:off x="540000" y="90000"/>
-            <a:ext cx="8999640" cy="989640"/>
+            <a:ext cx="8999280" cy="989280"/>
           </a:xfrm>
           <a:prstGeom prst="rect">
             <a:avLst/>
@@ -2997,7 +2998,7 @@
         <p:spPr>
           <a:xfrm>
             <a:off x="540000" y="1440000"/>
-            <a:ext cx="8999640" cy="1674000"/>
+            <a:ext cx="8999280" cy="1673640"/>
           </a:xfrm>
           <a:prstGeom prst="rect">
             <a:avLst/>
@@ -3026,8 +3027,8 @@
         </p:nvSpPr>
         <p:spPr>
           <a:xfrm>
-            <a:off x="540000" y="3273480"/>
-            <a:ext cx="8999640" cy="1674000"/>
+            <a:off x="540000" y="3273120"/>
+            <a:ext cx="8999280" cy="1673640"/>
           </a:xfrm>
           <a:prstGeom prst="rect">
             <a:avLst/>
@@ -3079,7 +3080,7 @@
         <p:spPr>
           <a:xfrm>
             <a:off x="540000" y="90000"/>
-            <a:ext cx="8999640" cy="989640"/>
+            <a:ext cx="8999280" cy="989280"/>
           </a:xfrm>
           <a:prstGeom prst="rect">
             <a:avLst/>
@@ -3110,7 +3111,7 @@
         <p:spPr>
           <a:xfrm>
             <a:off x="540000" y="1440000"/>
-            <a:ext cx="4391640" cy="1674000"/>
+            <a:ext cx="4391640" cy="1673640"/>
           </a:xfrm>
           <a:prstGeom prst="rect">
             <a:avLst/>
@@ -3140,7 +3141,7 @@
         <p:spPr>
           <a:xfrm>
             <a:off x="5151600" y="1440000"/>
-            <a:ext cx="4391640" cy="1674000"/>
+            <a:ext cx="4391640" cy="1673640"/>
           </a:xfrm>
           <a:prstGeom prst="rect">
             <a:avLst/>
@@ -3169,8 +3170,8 @@
         </p:nvSpPr>
         <p:spPr>
           <a:xfrm>
-            <a:off x="540000" y="3273480"/>
-            <a:ext cx="4391640" cy="1674000"/>
+            <a:off x="540000" y="3273120"/>
+            <a:ext cx="4391640" cy="1673640"/>
           </a:xfrm>
           <a:prstGeom prst="rect">
             <a:avLst/>
@@ -3199,8 +3200,8 @@
         </p:nvSpPr>
         <p:spPr>
           <a:xfrm>
-            <a:off x="5151600" y="3273480"/>
-            <a:ext cx="4391640" cy="1674000"/>
+            <a:off x="5151600" y="3273120"/>
+            <a:ext cx="4391640" cy="1673640"/>
           </a:xfrm>
           <a:prstGeom prst="rect">
             <a:avLst/>
@@ -3252,7 +3253,7 @@
         <p:spPr>
           <a:xfrm>
             <a:off x="540000" y="90000"/>
-            <a:ext cx="8999640" cy="989640"/>
+            <a:ext cx="8999280" cy="989280"/>
           </a:xfrm>
           <a:prstGeom prst="rect">
             <a:avLst/>
@@ -3283,7 +3284,7 @@
         <p:spPr>
           <a:xfrm>
             <a:off x="540000" y="1440000"/>
-            <a:ext cx="2897640" cy="1674000"/>
+            <a:ext cx="2897640" cy="1673640"/>
           </a:xfrm>
           <a:prstGeom prst="rect">
             <a:avLst/>
@@ -3313,7 +3314,7 @@
         <p:spPr>
           <a:xfrm>
             <a:off x="3583080" y="1440000"/>
-            <a:ext cx="2897640" cy="1674000"/>
+            <a:ext cx="2897640" cy="1673640"/>
           </a:xfrm>
           <a:prstGeom prst="rect">
             <a:avLst/>
@@ -3343,7 +3344,7 @@
         <p:spPr>
           <a:xfrm>
             <a:off x="6625800" y="1440000"/>
-            <a:ext cx="2897640" cy="1674000"/>
+            <a:ext cx="2897640" cy="1673640"/>
           </a:xfrm>
           <a:prstGeom prst="rect">
             <a:avLst/>
@@ -3372,8 +3373,8 @@
         </p:nvSpPr>
         <p:spPr>
           <a:xfrm>
-            <a:off x="540000" y="3273480"/>
-            <a:ext cx="2897640" cy="1674000"/>
+            <a:off x="540000" y="3273120"/>
+            <a:ext cx="2897640" cy="1673640"/>
           </a:xfrm>
           <a:prstGeom prst="rect">
             <a:avLst/>
@@ -3402,8 +3403,8 @@
         </p:nvSpPr>
         <p:spPr>
           <a:xfrm>
-            <a:off x="3583080" y="3273480"/>
-            <a:ext cx="2897640" cy="1674000"/>
+            <a:off x="3583080" y="3273120"/>
+            <a:ext cx="2897640" cy="1673640"/>
           </a:xfrm>
           <a:prstGeom prst="rect">
             <a:avLst/>
@@ -3432,8 +3433,8 @@
         </p:nvSpPr>
         <p:spPr>
           <a:xfrm>
-            <a:off x="6625800" y="3273480"/>
-            <a:ext cx="2897640" cy="1674000"/>
+            <a:off x="6625800" y="3273120"/>
+            <a:ext cx="2897640" cy="1673640"/>
           </a:xfrm>
           <a:prstGeom prst="rect">
             <a:avLst/>
@@ -3507,7 +3508,7 @@
         <p:spPr>
           <a:xfrm>
             <a:off x="540000" y="90000"/>
-            <a:ext cx="8999640" cy="989640"/>
+            <a:ext cx="8999280" cy="989280"/>
           </a:xfrm>
           <a:prstGeom prst="rect">
             <a:avLst/>
@@ -3538,7 +3539,7 @@
         <p:spPr>
           <a:xfrm>
             <a:off x="540000" y="1440000"/>
-            <a:ext cx="8999640" cy="3509640"/>
+            <a:ext cx="8999280" cy="3509280"/>
           </a:xfrm>
           <a:prstGeom prst="rect">
             <a:avLst/>
@@ -3591,7 +3592,7 @@
         <p:spPr>
           <a:xfrm>
             <a:off x="540000" y="90000"/>
-            <a:ext cx="8999640" cy="989640"/>
+            <a:ext cx="8999280" cy="989280"/>
           </a:xfrm>
           <a:prstGeom prst="rect">
             <a:avLst/>
@@ -3622,7 +3623,7 @@
         <p:spPr>
           <a:xfrm>
             <a:off x="540000" y="1440000"/>
-            <a:ext cx="8999640" cy="3509640"/>
+            <a:ext cx="8999280" cy="3509280"/>
           </a:xfrm>
           <a:prstGeom prst="rect">
             <a:avLst/>
@@ -3674,7 +3675,7 @@
         <p:spPr>
           <a:xfrm>
             <a:off x="540000" y="90000"/>
-            <a:ext cx="8999640" cy="989640"/>
+            <a:ext cx="8999280" cy="989280"/>
           </a:xfrm>
           <a:prstGeom prst="rect">
             <a:avLst/>
@@ -3705,7 +3706,7 @@
         <p:spPr>
           <a:xfrm>
             <a:off x="540000" y="1440000"/>
-            <a:ext cx="4391640" cy="3509640"/>
+            <a:ext cx="4391640" cy="3509280"/>
           </a:xfrm>
           <a:prstGeom prst="rect">
             <a:avLst/>
@@ -3735,7 +3736,7 @@
         <p:spPr>
           <a:xfrm>
             <a:off x="5151600" y="1440000"/>
-            <a:ext cx="4391640" cy="3509640"/>
+            <a:ext cx="4391640" cy="3509280"/>
           </a:xfrm>
           <a:prstGeom prst="rect">
             <a:avLst/>
@@ -3787,7 +3788,7 @@
         <p:spPr>
           <a:xfrm>
             <a:off x="540000" y="90000"/>
-            <a:ext cx="8999640" cy="989640"/>
+            <a:ext cx="8999280" cy="989280"/>
           </a:xfrm>
           <a:prstGeom prst="rect">
             <a:avLst/>
@@ -3818,7 +3819,7 @@
         <p:spPr>
           <a:xfrm>
             <a:off x="540000" y="1440000"/>
-            <a:ext cx="4391640" cy="3509640"/>
+            <a:ext cx="4391640" cy="3509280"/>
           </a:xfrm>
           <a:prstGeom prst="rect">
             <a:avLst/>
@@ -3848,7 +3849,7 @@
         <p:spPr>
           <a:xfrm>
             <a:off x="5151600" y="1440000"/>
-            <a:ext cx="4391640" cy="3509640"/>
+            <a:ext cx="4391640" cy="3509280"/>
           </a:xfrm>
           <a:prstGeom prst="rect">
             <a:avLst/>
@@ -3900,7 +3901,7 @@
         <p:spPr>
           <a:xfrm>
             <a:off x="540000" y="90000"/>
-            <a:ext cx="8999640" cy="989640"/>
+            <a:ext cx="8999280" cy="989280"/>
           </a:xfrm>
           <a:prstGeom prst="rect">
             <a:avLst/>
@@ -3953,7 +3954,7 @@
         <p:spPr>
           <a:xfrm>
             <a:off x="540000" y="90000"/>
-            <a:ext cx="8999640" cy="4588560"/>
+            <a:ext cx="8999280" cy="4587120"/>
           </a:xfrm>
           <a:prstGeom prst="rect">
             <a:avLst/>
@@ -4006,7 +4007,7 @@
         <p:spPr>
           <a:xfrm>
             <a:off x="540000" y="90000"/>
-            <a:ext cx="8999640" cy="989640"/>
+            <a:ext cx="8999280" cy="989280"/>
           </a:xfrm>
           <a:prstGeom prst="rect">
             <a:avLst/>
@@ -4037,7 +4038,7 @@
         <p:spPr>
           <a:xfrm>
             <a:off x="540000" y="1440000"/>
-            <a:ext cx="4391640" cy="1674000"/>
+            <a:ext cx="4391640" cy="1673640"/>
           </a:xfrm>
           <a:prstGeom prst="rect">
             <a:avLst/>
@@ -4067,7 +4068,7 @@
         <p:spPr>
           <a:xfrm>
             <a:off x="5151600" y="1440000"/>
-            <a:ext cx="4391640" cy="3509640"/>
+            <a:ext cx="4391640" cy="3509280"/>
           </a:xfrm>
           <a:prstGeom prst="rect">
             <a:avLst/>
@@ -4096,8 +4097,8 @@
         </p:nvSpPr>
         <p:spPr>
           <a:xfrm>
-            <a:off x="540000" y="3273480"/>
-            <a:ext cx="4391640" cy="1674000"/>
+            <a:off x="540000" y="3273120"/>
+            <a:ext cx="4391640" cy="1673640"/>
           </a:xfrm>
           <a:prstGeom prst="rect">
             <a:avLst/>
@@ -4149,7 +4150,7 @@
         <p:spPr>
           <a:xfrm>
             <a:off x="540000" y="90000"/>
-            <a:ext cx="8999640" cy="989640"/>
+            <a:ext cx="8999280" cy="989280"/>
           </a:xfrm>
           <a:prstGeom prst="rect">
             <a:avLst/>
@@ -4180,7 +4181,7 @@
         <p:spPr>
           <a:xfrm>
             <a:off x="540000" y="1440000"/>
-            <a:ext cx="4391640" cy="3509640"/>
+            <a:ext cx="4391640" cy="3509280"/>
           </a:xfrm>
           <a:prstGeom prst="rect">
             <a:avLst/>
@@ -4210,7 +4211,7 @@
         <p:spPr>
           <a:xfrm>
             <a:off x="5151600" y="1440000"/>
-            <a:ext cx="4391640" cy="1674000"/>
+            <a:ext cx="4391640" cy="1673640"/>
           </a:xfrm>
           <a:prstGeom prst="rect">
             <a:avLst/>
@@ -4239,8 +4240,8 @@
         </p:nvSpPr>
         <p:spPr>
           <a:xfrm>
-            <a:off x="5151600" y="3273480"/>
-            <a:ext cx="4391640" cy="1674000"/>
+            <a:off x="5151600" y="3273120"/>
+            <a:ext cx="4391640" cy="1673640"/>
           </a:xfrm>
           <a:prstGeom prst="rect">
             <a:avLst/>
@@ -4292,7 +4293,7 @@
         <p:spPr>
           <a:xfrm>
             <a:off x="540000" y="90000"/>
-            <a:ext cx="8999640" cy="989640"/>
+            <a:ext cx="8999280" cy="989280"/>
           </a:xfrm>
           <a:prstGeom prst="rect">
             <a:avLst/>
@@ -4323,7 +4324,7 @@
         <p:spPr>
           <a:xfrm>
             <a:off x="540000" y="1440000"/>
-            <a:ext cx="4391640" cy="1674000"/>
+            <a:ext cx="4391640" cy="1673640"/>
           </a:xfrm>
           <a:prstGeom prst="rect">
             <a:avLst/>
@@ -4353,7 +4354,7 @@
         <p:spPr>
           <a:xfrm>
             <a:off x="5151600" y="1440000"/>
-            <a:ext cx="4391640" cy="1674000"/>
+            <a:ext cx="4391640" cy="1673640"/>
           </a:xfrm>
           <a:prstGeom prst="rect">
             <a:avLst/>
@@ -4382,8 +4383,8 @@
         </p:nvSpPr>
         <p:spPr>
           <a:xfrm>
-            <a:off x="540000" y="3273480"/>
-            <a:ext cx="8999640" cy="1674000"/>
+            <a:off x="540000" y="3273120"/>
+            <a:ext cx="8999280" cy="1673640"/>
           </a:xfrm>
           <a:prstGeom prst="rect">
             <a:avLst/>
@@ -4435,7 +4436,7 @@
         <p:spPr>
           <a:xfrm>
             <a:off x="540000" y="90000"/>
-            <a:ext cx="8999640" cy="989640"/>
+            <a:ext cx="8999280" cy="989280"/>
           </a:xfrm>
           <a:prstGeom prst="rect">
             <a:avLst/>
@@ -4466,7 +4467,7 @@
         <p:spPr>
           <a:xfrm>
             <a:off x="540000" y="1440000"/>
-            <a:ext cx="8999640" cy="1674000"/>
+            <a:ext cx="8999280" cy="1673640"/>
           </a:xfrm>
           <a:prstGeom prst="rect">
             <a:avLst/>
@@ -4495,8 +4496,8 @@
         </p:nvSpPr>
         <p:spPr>
           <a:xfrm>
-            <a:off x="540000" y="3273480"/>
-            <a:ext cx="8999640" cy="1674000"/>
+            <a:off x="540000" y="3273120"/>
+            <a:ext cx="8999280" cy="1673640"/>
           </a:xfrm>
           <a:prstGeom prst="rect">
             <a:avLst/>
@@ -4548,7 +4549,7 @@
         <p:spPr>
           <a:xfrm>
             <a:off x="540000" y="90000"/>
-            <a:ext cx="8999640" cy="989640"/>
+            <a:ext cx="8999280" cy="989280"/>
           </a:xfrm>
           <a:prstGeom prst="rect">
             <a:avLst/>
@@ -4579,7 +4580,7 @@
         <p:spPr>
           <a:xfrm>
             <a:off x="540000" y="1440000"/>
-            <a:ext cx="4391640" cy="1674000"/>
+            <a:ext cx="4391640" cy="1673640"/>
           </a:xfrm>
           <a:prstGeom prst="rect">
             <a:avLst/>
@@ -4609,7 +4610,7 @@
         <p:spPr>
           <a:xfrm>
             <a:off x="5151600" y="1440000"/>
-            <a:ext cx="4391640" cy="1674000"/>
+            <a:ext cx="4391640" cy="1673640"/>
           </a:xfrm>
           <a:prstGeom prst="rect">
             <a:avLst/>
@@ -4638,8 +4639,8 @@
         </p:nvSpPr>
         <p:spPr>
           <a:xfrm>
-            <a:off x="540000" y="3273480"/>
-            <a:ext cx="4391640" cy="1674000"/>
+            <a:off x="540000" y="3273120"/>
+            <a:ext cx="4391640" cy="1673640"/>
           </a:xfrm>
           <a:prstGeom prst="rect">
             <a:avLst/>
@@ -4668,8 +4669,8 @@
         </p:nvSpPr>
         <p:spPr>
           <a:xfrm>
-            <a:off x="5151600" y="3273480"/>
-            <a:ext cx="4391640" cy="1674000"/>
+            <a:off x="5151600" y="3273120"/>
+            <a:ext cx="4391640" cy="1673640"/>
           </a:xfrm>
           <a:prstGeom prst="rect">
             <a:avLst/>
@@ -4721,7 +4722,7 @@
         <p:spPr>
           <a:xfrm>
             <a:off x="540000" y="90000"/>
-            <a:ext cx="8999640" cy="989640"/>
+            <a:ext cx="8999280" cy="989280"/>
           </a:xfrm>
           <a:prstGeom prst="rect">
             <a:avLst/>
@@ -4752,7 +4753,7 @@
         <p:spPr>
           <a:xfrm>
             <a:off x="540000" y="1440000"/>
-            <a:ext cx="2897640" cy="1674000"/>
+            <a:ext cx="2897640" cy="1673640"/>
           </a:xfrm>
           <a:prstGeom prst="rect">
             <a:avLst/>
@@ -4782,7 +4783,7 @@
         <p:spPr>
           <a:xfrm>
             <a:off x="3583080" y="1440000"/>
-            <a:ext cx="2897640" cy="1674000"/>
+            <a:ext cx="2897640" cy="1673640"/>
           </a:xfrm>
           <a:prstGeom prst="rect">
             <a:avLst/>
@@ -4812,7 +4813,7 @@
         <p:spPr>
           <a:xfrm>
             <a:off x="6625800" y="1440000"/>
-            <a:ext cx="2897640" cy="1674000"/>
+            <a:ext cx="2897640" cy="1673640"/>
           </a:xfrm>
           <a:prstGeom prst="rect">
             <a:avLst/>
@@ -4841,8 +4842,8 @@
         </p:nvSpPr>
         <p:spPr>
           <a:xfrm>
-            <a:off x="540000" y="3273480"/>
-            <a:ext cx="2897640" cy="1674000"/>
+            <a:off x="540000" y="3273120"/>
+            <a:ext cx="2897640" cy="1673640"/>
           </a:xfrm>
           <a:prstGeom prst="rect">
             <a:avLst/>
@@ -4871,8 +4872,8 @@
         </p:nvSpPr>
         <p:spPr>
           <a:xfrm>
-            <a:off x="3583080" y="3273480"/>
-            <a:ext cx="2897640" cy="1674000"/>
+            <a:off x="3583080" y="3273120"/>
+            <a:ext cx="2897640" cy="1673640"/>
           </a:xfrm>
           <a:prstGeom prst="rect">
             <a:avLst/>
@@ -4901,8 +4902,8 @@
         </p:nvSpPr>
         <p:spPr>
           <a:xfrm>
-            <a:off x="6625800" y="3273480"/>
-            <a:ext cx="2897640" cy="1674000"/>
+            <a:off x="6625800" y="3273120"/>
+            <a:ext cx="2897640" cy="1673640"/>
           </a:xfrm>
           <a:prstGeom prst="rect">
             <a:avLst/>
@@ -4976,7 +4977,7 @@
         <p:spPr>
           <a:xfrm>
             <a:off x="540000" y="90000"/>
-            <a:ext cx="8999640" cy="989640"/>
+            <a:ext cx="8999280" cy="989280"/>
           </a:xfrm>
           <a:prstGeom prst="rect">
             <a:avLst/>
@@ -5029,7 +5030,7 @@
         <p:spPr>
           <a:xfrm>
             <a:off x="540000" y="90000"/>
-            <a:ext cx="8999640" cy="989640"/>
+            <a:ext cx="8999280" cy="989280"/>
           </a:xfrm>
           <a:prstGeom prst="rect">
             <a:avLst/>
@@ -5060,7 +5061,7 @@
         <p:spPr>
           <a:xfrm>
             <a:off x="540000" y="1440000"/>
-            <a:ext cx="8999640" cy="3509640"/>
+            <a:ext cx="8999280" cy="3509280"/>
           </a:xfrm>
           <a:prstGeom prst="rect">
             <a:avLst/>
@@ -5113,7 +5114,7 @@
         <p:spPr>
           <a:xfrm>
             <a:off x="540000" y="90000"/>
-            <a:ext cx="8999640" cy="989640"/>
+            <a:ext cx="8999280" cy="989280"/>
           </a:xfrm>
           <a:prstGeom prst="rect">
             <a:avLst/>
@@ -5144,7 +5145,7 @@
         <p:spPr>
           <a:xfrm>
             <a:off x="540000" y="1440000"/>
-            <a:ext cx="8999640" cy="3509640"/>
+            <a:ext cx="8999280" cy="3509280"/>
           </a:xfrm>
           <a:prstGeom prst="rect">
             <a:avLst/>
@@ -5196,7 +5197,7 @@
         <p:spPr>
           <a:xfrm>
             <a:off x="540000" y="90000"/>
-            <a:ext cx="8999640" cy="989640"/>
+            <a:ext cx="8999280" cy="989280"/>
           </a:xfrm>
           <a:prstGeom prst="rect">
             <a:avLst/>
@@ -5227,7 +5228,7 @@
         <p:spPr>
           <a:xfrm>
             <a:off x="540000" y="1440000"/>
-            <a:ext cx="4391640" cy="3509640"/>
+            <a:ext cx="4391640" cy="3509280"/>
           </a:xfrm>
           <a:prstGeom prst="rect">
             <a:avLst/>
@@ -5257,7 +5258,7 @@
         <p:spPr>
           <a:xfrm>
             <a:off x="5151600" y="1440000"/>
-            <a:ext cx="4391640" cy="3509640"/>
+            <a:ext cx="4391640" cy="3509280"/>
           </a:xfrm>
           <a:prstGeom prst="rect">
             <a:avLst/>
@@ -5309,7 +5310,7 @@
         <p:spPr>
           <a:xfrm>
             <a:off x="540000" y="90000"/>
-            <a:ext cx="8999640" cy="989640"/>
+            <a:ext cx="8999280" cy="989280"/>
           </a:xfrm>
           <a:prstGeom prst="rect">
             <a:avLst/>
@@ -5362,7 +5363,7 @@
         <p:spPr>
           <a:xfrm>
             <a:off x="540000" y="90000"/>
-            <a:ext cx="8999640" cy="4588560"/>
+            <a:ext cx="8999280" cy="4587120"/>
           </a:xfrm>
           <a:prstGeom prst="rect">
             <a:avLst/>
@@ -5415,7 +5416,7 @@
         <p:spPr>
           <a:xfrm>
             <a:off x="540000" y="90000"/>
-            <a:ext cx="8999640" cy="989640"/>
+            <a:ext cx="8999280" cy="989280"/>
           </a:xfrm>
           <a:prstGeom prst="rect">
             <a:avLst/>
@@ -5446,7 +5447,7 @@
         <p:spPr>
           <a:xfrm>
             <a:off x="540000" y="1440000"/>
-            <a:ext cx="4391640" cy="1674000"/>
+            <a:ext cx="4391640" cy="1673640"/>
           </a:xfrm>
           <a:prstGeom prst="rect">
             <a:avLst/>
@@ -5476,7 +5477,7 @@
         <p:spPr>
           <a:xfrm>
             <a:off x="5151600" y="1440000"/>
-            <a:ext cx="4391640" cy="3509640"/>
+            <a:ext cx="4391640" cy="3509280"/>
           </a:xfrm>
           <a:prstGeom prst="rect">
             <a:avLst/>
@@ -5505,8 +5506,8 @@
         </p:nvSpPr>
         <p:spPr>
           <a:xfrm>
-            <a:off x="540000" y="3273480"/>
-            <a:ext cx="4391640" cy="1674000"/>
+            <a:off x="540000" y="3273120"/>
+            <a:ext cx="4391640" cy="1673640"/>
           </a:xfrm>
           <a:prstGeom prst="rect">
             <a:avLst/>
@@ -5558,7 +5559,7 @@
         <p:spPr>
           <a:xfrm>
             <a:off x="540000" y="90000"/>
-            <a:ext cx="8999640" cy="989640"/>
+            <a:ext cx="8999280" cy="989280"/>
           </a:xfrm>
           <a:prstGeom prst="rect">
             <a:avLst/>
@@ -5589,7 +5590,7 @@
         <p:spPr>
           <a:xfrm>
             <a:off x="540000" y="1440000"/>
-            <a:ext cx="4391640" cy="3509640"/>
+            <a:ext cx="4391640" cy="3509280"/>
           </a:xfrm>
           <a:prstGeom prst="rect">
             <a:avLst/>
@@ -5619,7 +5620,7 @@
         <p:spPr>
           <a:xfrm>
             <a:off x="5151600" y="1440000"/>
-            <a:ext cx="4391640" cy="1674000"/>
+            <a:ext cx="4391640" cy="1673640"/>
           </a:xfrm>
           <a:prstGeom prst="rect">
             <a:avLst/>
@@ -5648,8 +5649,8 @@
         </p:nvSpPr>
         <p:spPr>
           <a:xfrm>
-            <a:off x="5151600" y="3273480"/>
-            <a:ext cx="4391640" cy="1674000"/>
+            <a:off x="5151600" y="3273120"/>
+            <a:ext cx="4391640" cy="1673640"/>
           </a:xfrm>
           <a:prstGeom prst="rect">
             <a:avLst/>
@@ -5701,7 +5702,7 @@
         <p:spPr>
           <a:xfrm>
             <a:off x="540000" y="90000"/>
-            <a:ext cx="8999640" cy="989640"/>
+            <a:ext cx="8999280" cy="989280"/>
           </a:xfrm>
           <a:prstGeom prst="rect">
             <a:avLst/>
@@ -5732,7 +5733,7 @@
         <p:spPr>
           <a:xfrm>
             <a:off x="540000" y="1440000"/>
-            <a:ext cx="4391640" cy="1674000"/>
+            <a:ext cx="4391640" cy="1673640"/>
           </a:xfrm>
           <a:prstGeom prst="rect">
             <a:avLst/>
@@ -5762,7 +5763,7 @@
         <p:spPr>
           <a:xfrm>
             <a:off x="5151600" y="1440000"/>
-            <a:ext cx="4391640" cy="1674000"/>
+            <a:ext cx="4391640" cy="1673640"/>
           </a:xfrm>
           <a:prstGeom prst="rect">
             <a:avLst/>
@@ -5791,8 +5792,8 @@
         </p:nvSpPr>
         <p:spPr>
           <a:xfrm>
-            <a:off x="540000" y="3273480"/>
-            <a:ext cx="8999640" cy="1674000"/>
+            <a:off x="540000" y="3273120"/>
+            <a:ext cx="8999280" cy="1673640"/>
           </a:xfrm>
           <a:prstGeom prst="rect">
             <a:avLst/>
@@ -5844,7 +5845,7 @@
         <p:spPr>
           <a:xfrm>
             <a:off x="540000" y="90000"/>
-            <a:ext cx="8999640" cy="989640"/>
+            <a:ext cx="8999280" cy="989280"/>
           </a:xfrm>
           <a:prstGeom prst="rect">
             <a:avLst/>
@@ -5875,7 +5876,7 @@
         <p:spPr>
           <a:xfrm>
             <a:off x="540000" y="1440000"/>
-            <a:ext cx="8999640" cy="1674000"/>
+            <a:ext cx="8999280" cy="1673640"/>
           </a:xfrm>
           <a:prstGeom prst="rect">
             <a:avLst/>
@@ -5904,8 +5905,8 @@
         </p:nvSpPr>
         <p:spPr>
           <a:xfrm>
-            <a:off x="540000" y="3273480"/>
-            <a:ext cx="8999640" cy="1674000"/>
+            <a:off x="540000" y="3273120"/>
+            <a:ext cx="8999280" cy="1673640"/>
           </a:xfrm>
           <a:prstGeom prst="rect">
             <a:avLst/>
@@ -5957,7 +5958,7 @@
         <p:spPr>
           <a:xfrm>
             <a:off x="540000" y="90000"/>
-            <a:ext cx="8999640" cy="989640"/>
+            <a:ext cx="8999280" cy="989280"/>
           </a:xfrm>
           <a:prstGeom prst="rect">
             <a:avLst/>
@@ -5988,7 +5989,7 @@
         <p:spPr>
           <a:xfrm>
             <a:off x="540000" y="1440000"/>
-            <a:ext cx="4391640" cy="1674000"/>
+            <a:ext cx="4391640" cy="1673640"/>
           </a:xfrm>
           <a:prstGeom prst="rect">
             <a:avLst/>
@@ -6018,7 +6019,7 @@
         <p:spPr>
           <a:xfrm>
             <a:off x="5151600" y="1440000"/>
-            <a:ext cx="4391640" cy="1674000"/>
+            <a:ext cx="4391640" cy="1673640"/>
           </a:xfrm>
           <a:prstGeom prst="rect">
             <a:avLst/>
@@ -6047,8 +6048,8 @@
         </p:nvSpPr>
         <p:spPr>
           <a:xfrm>
-            <a:off x="540000" y="3273480"/>
-            <a:ext cx="4391640" cy="1674000"/>
+            <a:off x="540000" y="3273120"/>
+            <a:ext cx="4391640" cy="1673640"/>
           </a:xfrm>
           <a:prstGeom prst="rect">
             <a:avLst/>
@@ -6077,8 +6078,8 @@
         </p:nvSpPr>
         <p:spPr>
           <a:xfrm>
-            <a:off x="5151600" y="3273480"/>
-            <a:ext cx="4391640" cy="1674000"/>
+            <a:off x="5151600" y="3273120"/>
+            <a:ext cx="4391640" cy="1673640"/>
           </a:xfrm>
           <a:prstGeom prst="rect">
             <a:avLst/>
@@ -6130,7 +6131,7 @@
         <p:spPr>
           <a:xfrm>
             <a:off x="540000" y="90000"/>
-            <a:ext cx="8999640" cy="4588560"/>
+            <a:ext cx="8999280" cy="4587120"/>
           </a:xfrm>
           <a:prstGeom prst="rect">
             <a:avLst/>
@@ -6183,7 +6184,7 @@
         <p:spPr>
           <a:xfrm>
             <a:off x="540000" y="90000"/>
-            <a:ext cx="8999640" cy="989640"/>
+            <a:ext cx="8999280" cy="989280"/>
           </a:xfrm>
           <a:prstGeom prst="rect">
             <a:avLst/>
@@ -6214,7 +6215,7 @@
         <p:spPr>
           <a:xfrm>
             <a:off x="540000" y="1440000"/>
-            <a:ext cx="2897640" cy="1674000"/>
+            <a:ext cx="2897640" cy="1673640"/>
           </a:xfrm>
           <a:prstGeom prst="rect">
             <a:avLst/>
@@ -6244,7 +6245,7 @@
         <p:spPr>
           <a:xfrm>
             <a:off x="3583080" y="1440000"/>
-            <a:ext cx="2897640" cy="1674000"/>
+            <a:ext cx="2897640" cy="1673640"/>
           </a:xfrm>
           <a:prstGeom prst="rect">
             <a:avLst/>
@@ -6274,7 +6275,7 @@
         <p:spPr>
           <a:xfrm>
             <a:off x="6625800" y="1440000"/>
-            <a:ext cx="2897640" cy="1674000"/>
+            <a:ext cx="2897640" cy="1673640"/>
           </a:xfrm>
           <a:prstGeom prst="rect">
             <a:avLst/>
@@ -6303,8 +6304,8 @@
         </p:nvSpPr>
         <p:spPr>
           <a:xfrm>
-            <a:off x="540000" y="3273480"/>
-            <a:ext cx="2897640" cy="1674000"/>
+            <a:off x="540000" y="3273120"/>
+            <a:ext cx="2897640" cy="1673640"/>
           </a:xfrm>
           <a:prstGeom prst="rect">
             <a:avLst/>
@@ -6333,8 +6334,8 @@
         </p:nvSpPr>
         <p:spPr>
           <a:xfrm>
-            <a:off x="3583080" y="3273480"/>
-            <a:ext cx="2897640" cy="1674000"/>
+            <a:off x="3583080" y="3273120"/>
+            <a:ext cx="2897640" cy="1673640"/>
           </a:xfrm>
           <a:prstGeom prst="rect">
             <a:avLst/>
@@ -6363,8 +6364,845 @@
         </p:nvSpPr>
         <p:spPr>
           <a:xfrm>
-            <a:off x="6625800" y="3273480"/>
-            <a:ext cx="2897640" cy="1674000"/>
+            <a:off x="6625800" y="3273120"/>
+            <a:ext cx="2897640" cy="1673640"/>
+          </a:xfrm>
+          <a:prstGeom prst="rect">
+            <a:avLst/>
+          </a:prstGeom>
+        </p:spPr>
+        <p:txBody>
+          <a:bodyPr lIns="0" rIns="0" tIns="0" bIns="0">
+            <a:normAutofit/>
+          </a:bodyPr>
+          <a:p>
+            <a:endParaRPr b="0" lang="en-US" sz="3200" spc="-1" strike="noStrike">
+              <a:latin typeface="Arial"/>
+            </a:endParaRPr>
+          </a:p>
+        </p:txBody>
+      </p:sp>
+    </p:spTree>
+  </p:cSld>
+</p:sldLayout>
+</file>
+
+<file path=ppt/slideLayouts/slideLayout61.xml><?xml version="1.0" encoding="utf-8"?>
+<p:sldLayout xmlns:a="http://schemas.openxmlformats.org/drawingml/2006/main" xmlns:p="http://schemas.openxmlformats.org/presentationml/2006/main" xmlns:r="http://schemas.openxmlformats.org/officeDocument/2006/relationships" xmlns:p14="http://schemas.microsoft.com/office/powerpoint/2010/main" xmlns:p15="http://schemas.microsoft.com/office/powerpoint/2012/main" xmlns:mc="http://schemas.openxmlformats.org/markup-compatibility/2006" type="blank" preserve="1">
+  <p:cSld name="Blank Slide">
+    <p:spTree>
+      <p:nvGrpSpPr>
+        <p:cNvPr id="1" name=""/>
+        <p:cNvGrpSpPr/>
+        <p:nvPr/>
+      </p:nvGrpSpPr>
+      <p:grpSpPr>
+        <a:xfrm>
+          <a:off x="0" y="0"/>
+          <a:ext cx="0" cy="0"/>
+          <a:chOff x="0" y="0"/>
+          <a:chExt cx="0" cy="0"/>
+        </a:xfrm>
+      </p:grpSpPr>
+    </p:spTree>
+  </p:cSld>
+</p:sldLayout>
+</file>
+
+<file path=ppt/slideLayouts/slideLayout62.xml><?xml version="1.0" encoding="utf-8"?>
+<p:sldLayout xmlns:a="http://schemas.openxmlformats.org/drawingml/2006/main" xmlns:p="http://schemas.openxmlformats.org/presentationml/2006/main" xmlns:r="http://schemas.openxmlformats.org/officeDocument/2006/relationships" xmlns:p14="http://schemas.microsoft.com/office/powerpoint/2010/main" xmlns:p15="http://schemas.microsoft.com/office/powerpoint/2012/main" xmlns:mc="http://schemas.openxmlformats.org/markup-compatibility/2006" type="tx" preserve="1">
+  <p:cSld name="Title Slide">
+    <p:spTree>
+      <p:nvGrpSpPr>
+        <p:cNvPr id="1" name=""/>
+        <p:cNvGrpSpPr/>
+        <p:nvPr/>
+      </p:nvGrpSpPr>
+      <p:grpSpPr>
+        <a:xfrm>
+          <a:off x="0" y="0"/>
+          <a:ext cx="0" cy="0"/>
+          <a:chOff x="0" y="0"/>
+          <a:chExt cx="0" cy="0"/>
+        </a:xfrm>
+      </p:grpSpPr>
+      <p:sp>
+        <p:nvSpPr>
+          <p:cNvPr id="201" name="PlaceHolder 1"/>
+          <p:cNvSpPr>
+            <a:spLocks noGrp="1"/>
+          </p:cNvSpPr>
+          <p:nvPr>
+            <p:ph type="title"/>
+          </p:nvPr>
+        </p:nvSpPr>
+        <p:spPr>
+          <a:xfrm>
+            <a:off x="540000" y="90000"/>
+            <a:ext cx="8999280" cy="989280"/>
+          </a:xfrm>
+          <a:prstGeom prst="rect">
+            <a:avLst/>
+          </a:prstGeom>
+        </p:spPr>
+        <p:txBody>
+          <a:bodyPr lIns="0" rIns="0" tIns="0" bIns="0" anchor="ctr">
+            <a:noAutofit/>
+          </a:bodyPr>
+          <a:p>
+            <a:pPr algn="ctr"/>
+            <a:endParaRPr b="0" lang="en-US" sz="4400" spc="-1" strike="noStrike">
+              <a:latin typeface="Arial"/>
+            </a:endParaRPr>
+          </a:p>
+        </p:txBody>
+      </p:sp>
+      <p:sp>
+        <p:nvSpPr>
+          <p:cNvPr id="202" name="PlaceHolder 2"/>
+          <p:cNvSpPr>
+            <a:spLocks noGrp="1"/>
+          </p:cNvSpPr>
+          <p:nvPr>
+            <p:ph type="subTitle"/>
+          </p:nvPr>
+        </p:nvSpPr>
+        <p:spPr>
+          <a:xfrm>
+            <a:off x="540000" y="1440000"/>
+            <a:ext cx="8999280" cy="3509280"/>
+          </a:xfrm>
+          <a:prstGeom prst="rect">
+            <a:avLst/>
+          </a:prstGeom>
+        </p:spPr>
+        <p:txBody>
+          <a:bodyPr lIns="0" rIns="0" tIns="0" bIns="0" anchor="ctr">
+            <a:noAutofit/>
+          </a:bodyPr>
+          <a:p>
+            <a:pPr algn="ctr"/>
+            <a:endParaRPr b="0" lang="en-US" sz="3200" spc="-1" strike="noStrike">
+              <a:latin typeface="Arial"/>
+            </a:endParaRPr>
+          </a:p>
+        </p:txBody>
+      </p:sp>
+    </p:spTree>
+  </p:cSld>
+</p:sldLayout>
+</file>
+
+<file path=ppt/slideLayouts/slideLayout63.xml><?xml version="1.0" encoding="utf-8"?>
+<p:sldLayout xmlns:a="http://schemas.openxmlformats.org/drawingml/2006/main" xmlns:p="http://schemas.openxmlformats.org/presentationml/2006/main" xmlns:r="http://schemas.openxmlformats.org/officeDocument/2006/relationships" xmlns:p14="http://schemas.microsoft.com/office/powerpoint/2010/main" xmlns:p15="http://schemas.microsoft.com/office/powerpoint/2012/main" xmlns:mc="http://schemas.openxmlformats.org/markup-compatibility/2006" type="obj" preserve="1">
+  <p:cSld name="Title, Content">
+    <p:spTree>
+      <p:nvGrpSpPr>
+        <p:cNvPr id="1" name=""/>
+        <p:cNvGrpSpPr/>
+        <p:nvPr/>
+      </p:nvGrpSpPr>
+      <p:grpSpPr>
+        <a:xfrm>
+          <a:off x="0" y="0"/>
+          <a:ext cx="0" cy="0"/>
+          <a:chOff x="0" y="0"/>
+          <a:chExt cx="0" cy="0"/>
+        </a:xfrm>
+      </p:grpSpPr>
+      <p:sp>
+        <p:nvSpPr>
+          <p:cNvPr id="203" name="PlaceHolder 1"/>
+          <p:cNvSpPr>
+            <a:spLocks noGrp="1"/>
+          </p:cNvSpPr>
+          <p:nvPr>
+            <p:ph type="title"/>
+          </p:nvPr>
+        </p:nvSpPr>
+        <p:spPr>
+          <a:xfrm>
+            <a:off x="540000" y="90000"/>
+            <a:ext cx="8999280" cy="989280"/>
+          </a:xfrm>
+          <a:prstGeom prst="rect">
+            <a:avLst/>
+          </a:prstGeom>
+        </p:spPr>
+        <p:txBody>
+          <a:bodyPr lIns="0" rIns="0" tIns="0" bIns="0" anchor="ctr">
+            <a:noAutofit/>
+          </a:bodyPr>
+          <a:p>
+            <a:pPr algn="ctr"/>
+            <a:endParaRPr b="0" lang="en-US" sz="4400" spc="-1" strike="noStrike">
+              <a:latin typeface="Arial"/>
+            </a:endParaRPr>
+          </a:p>
+        </p:txBody>
+      </p:sp>
+      <p:sp>
+        <p:nvSpPr>
+          <p:cNvPr id="204" name="PlaceHolder 2"/>
+          <p:cNvSpPr>
+            <a:spLocks noGrp="1"/>
+          </p:cNvSpPr>
+          <p:nvPr>
+            <p:ph type="body"/>
+          </p:nvPr>
+        </p:nvSpPr>
+        <p:spPr>
+          <a:xfrm>
+            <a:off x="540000" y="1440000"/>
+            <a:ext cx="8999280" cy="3509280"/>
+          </a:xfrm>
+          <a:prstGeom prst="rect">
+            <a:avLst/>
+          </a:prstGeom>
+        </p:spPr>
+        <p:txBody>
+          <a:bodyPr lIns="0" rIns="0" tIns="0" bIns="0">
+            <a:normAutofit/>
+          </a:bodyPr>
+          <a:p>
+            <a:endParaRPr b="0" lang="en-US" sz="3200" spc="-1" strike="noStrike">
+              <a:latin typeface="Arial"/>
+            </a:endParaRPr>
+          </a:p>
+        </p:txBody>
+      </p:sp>
+    </p:spTree>
+  </p:cSld>
+</p:sldLayout>
+</file>
+
+<file path=ppt/slideLayouts/slideLayout64.xml><?xml version="1.0" encoding="utf-8"?>
+<p:sldLayout xmlns:a="http://schemas.openxmlformats.org/drawingml/2006/main" xmlns:p="http://schemas.openxmlformats.org/presentationml/2006/main" xmlns:r="http://schemas.openxmlformats.org/officeDocument/2006/relationships" xmlns:p14="http://schemas.microsoft.com/office/powerpoint/2010/main" xmlns:p15="http://schemas.microsoft.com/office/powerpoint/2012/main" xmlns:mc="http://schemas.openxmlformats.org/markup-compatibility/2006" type="twoObj" preserve="1">
+  <p:cSld name="Title, 2 Content">
+    <p:spTree>
+      <p:nvGrpSpPr>
+        <p:cNvPr id="1" name=""/>
+        <p:cNvGrpSpPr/>
+        <p:nvPr/>
+      </p:nvGrpSpPr>
+      <p:grpSpPr>
+        <a:xfrm>
+          <a:off x="0" y="0"/>
+          <a:ext cx="0" cy="0"/>
+          <a:chOff x="0" y="0"/>
+          <a:chExt cx="0" cy="0"/>
+        </a:xfrm>
+      </p:grpSpPr>
+      <p:sp>
+        <p:nvSpPr>
+          <p:cNvPr id="205" name="PlaceHolder 1"/>
+          <p:cNvSpPr>
+            <a:spLocks noGrp="1"/>
+          </p:cNvSpPr>
+          <p:nvPr>
+            <p:ph type="title"/>
+          </p:nvPr>
+        </p:nvSpPr>
+        <p:spPr>
+          <a:xfrm>
+            <a:off x="540000" y="90000"/>
+            <a:ext cx="8999280" cy="989280"/>
+          </a:xfrm>
+          <a:prstGeom prst="rect">
+            <a:avLst/>
+          </a:prstGeom>
+        </p:spPr>
+        <p:txBody>
+          <a:bodyPr lIns="0" rIns="0" tIns="0" bIns="0" anchor="ctr">
+            <a:noAutofit/>
+          </a:bodyPr>
+          <a:p>
+            <a:pPr algn="ctr"/>
+            <a:endParaRPr b="0" lang="en-US" sz="4400" spc="-1" strike="noStrike">
+              <a:latin typeface="Arial"/>
+            </a:endParaRPr>
+          </a:p>
+        </p:txBody>
+      </p:sp>
+      <p:sp>
+        <p:nvSpPr>
+          <p:cNvPr id="206" name="PlaceHolder 2"/>
+          <p:cNvSpPr>
+            <a:spLocks noGrp="1"/>
+          </p:cNvSpPr>
+          <p:nvPr>
+            <p:ph type="body"/>
+          </p:nvPr>
+        </p:nvSpPr>
+        <p:spPr>
+          <a:xfrm>
+            <a:off x="540000" y="1440000"/>
+            <a:ext cx="4391640" cy="3509280"/>
+          </a:xfrm>
+          <a:prstGeom prst="rect">
+            <a:avLst/>
+          </a:prstGeom>
+        </p:spPr>
+        <p:txBody>
+          <a:bodyPr lIns="0" rIns="0" tIns="0" bIns="0">
+            <a:normAutofit/>
+          </a:bodyPr>
+          <a:p>
+            <a:endParaRPr b="0" lang="en-US" sz="3200" spc="-1" strike="noStrike">
+              <a:latin typeface="Arial"/>
+            </a:endParaRPr>
+          </a:p>
+        </p:txBody>
+      </p:sp>
+      <p:sp>
+        <p:nvSpPr>
+          <p:cNvPr id="207" name="PlaceHolder 3"/>
+          <p:cNvSpPr>
+            <a:spLocks noGrp="1"/>
+          </p:cNvSpPr>
+          <p:nvPr>
+            <p:ph type="body"/>
+          </p:nvPr>
+        </p:nvSpPr>
+        <p:spPr>
+          <a:xfrm>
+            <a:off x="5151600" y="1440000"/>
+            <a:ext cx="4391640" cy="3509280"/>
+          </a:xfrm>
+          <a:prstGeom prst="rect">
+            <a:avLst/>
+          </a:prstGeom>
+        </p:spPr>
+        <p:txBody>
+          <a:bodyPr lIns="0" rIns="0" tIns="0" bIns="0">
+            <a:normAutofit/>
+          </a:bodyPr>
+          <a:p>
+            <a:endParaRPr b="0" lang="en-US" sz="3200" spc="-1" strike="noStrike">
+              <a:latin typeface="Arial"/>
+            </a:endParaRPr>
+          </a:p>
+        </p:txBody>
+      </p:sp>
+    </p:spTree>
+  </p:cSld>
+</p:sldLayout>
+</file>
+
+<file path=ppt/slideLayouts/slideLayout65.xml><?xml version="1.0" encoding="utf-8"?>
+<p:sldLayout xmlns:a="http://schemas.openxmlformats.org/drawingml/2006/main" xmlns:p="http://schemas.openxmlformats.org/presentationml/2006/main" xmlns:r="http://schemas.openxmlformats.org/officeDocument/2006/relationships" xmlns:p14="http://schemas.microsoft.com/office/powerpoint/2010/main" xmlns:p15="http://schemas.microsoft.com/office/powerpoint/2012/main" xmlns:mc="http://schemas.openxmlformats.org/markup-compatibility/2006" type="titleOnly" preserve="1">
+  <p:cSld name="Title Only">
+    <p:spTree>
+      <p:nvGrpSpPr>
+        <p:cNvPr id="1" name=""/>
+        <p:cNvGrpSpPr/>
+        <p:nvPr/>
+      </p:nvGrpSpPr>
+      <p:grpSpPr>
+        <a:xfrm>
+          <a:off x="0" y="0"/>
+          <a:ext cx="0" cy="0"/>
+          <a:chOff x="0" y="0"/>
+          <a:chExt cx="0" cy="0"/>
+        </a:xfrm>
+      </p:grpSpPr>
+      <p:sp>
+        <p:nvSpPr>
+          <p:cNvPr id="208" name="PlaceHolder 1"/>
+          <p:cNvSpPr>
+            <a:spLocks noGrp="1"/>
+          </p:cNvSpPr>
+          <p:nvPr>
+            <p:ph type="title"/>
+          </p:nvPr>
+        </p:nvSpPr>
+        <p:spPr>
+          <a:xfrm>
+            <a:off x="540000" y="90000"/>
+            <a:ext cx="8999280" cy="989280"/>
+          </a:xfrm>
+          <a:prstGeom prst="rect">
+            <a:avLst/>
+          </a:prstGeom>
+        </p:spPr>
+        <p:txBody>
+          <a:bodyPr lIns="0" rIns="0" tIns="0" bIns="0" anchor="ctr">
+            <a:noAutofit/>
+          </a:bodyPr>
+          <a:p>
+            <a:pPr algn="ctr"/>
+            <a:endParaRPr b="0" lang="en-US" sz="4400" spc="-1" strike="noStrike">
+              <a:latin typeface="Arial"/>
+            </a:endParaRPr>
+          </a:p>
+        </p:txBody>
+      </p:sp>
+    </p:spTree>
+  </p:cSld>
+</p:sldLayout>
+</file>
+
+<file path=ppt/slideLayouts/slideLayout66.xml><?xml version="1.0" encoding="utf-8"?>
+<p:sldLayout xmlns:a="http://schemas.openxmlformats.org/drawingml/2006/main" xmlns:p="http://schemas.openxmlformats.org/presentationml/2006/main" xmlns:r="http://schemas.openxmlformats.org/officeDocument/2006/relationships" xmlns:p14="http://schemas.microsoft.com/office/powerpoint/2010/main" xmlns:p15="http://schemas.microsoft.com/office/powerpoint/2012/main" xmlns:mc="http://schemas.openxmlformats.org/markup-compatibility/2006" type="objOnly" preserve="1">
+  <p:cSld name="Centered Text">
+    <p:spTree>
+      <p:nvGrpSpPr>
+        <p:cNvPr id="1" name=""/>
+        <p:cNvGrpSpPr/>
+        <p:nvPr/>
+      </p:nvGrpSpPr>
+      <p:grpSpPr>
+        <a:xfrm>
+          <a:off x="0" y="0"/>
+          <a:ext cx="0" cy="0"/>
+          <a:chOff x="0" y="0"/>
+          <a:chExt cx="0" cy="0"/>
+        </a:xfrm>
+      </p:grpSpPr>
+      <p:sp>
+        <p:nvSpPr>
+          <p:cNvPr id="209" name="PlaceHolder 1"/>
+          <p:cNvSpPr>
+            <a:spLocks noGrp="1"/>
+          </p:cNvSpPr>
+          <p:nvPr>
+            <p:ph type="subTitle"/>
+          </p:nvPr>
+        </p:nvSpPr>
+        <p:spPr>
+          <a:xfrm>
+            <a:off x="540000" y="90000"/>
+            <a:ext cx="8999280" cy="4587120"/>
+          </a:xfrm>
+          <a:prstGeom prst="rect">
+            <a:avLst/>
+          </a:prstGeom>
+        </p:spPr>
+        <p:txBody>
+          <a:bodyPr lIns="0" rIns="0" tIns="0" bIns="0" anchor="ctr">
+            <a:noAutofit/>
+          </a:bodyPr>
+          <a:p>
+            <a:pPr algn="ctr"/>
+            <a:endParaRPr b="0" lang="en-US" sz="3200" spc="-1" strike="noStrike">
+              <a:latin typeface="Arial"/>
+            </a:endParaRPr>
+          </a:p>
+        </p:txBody>
+      </p:sp>
+    </p:spTree>
+  </p:cSld>
+</p:sldLayout>
+</file>
+
+<file path=ppt/slideLayouts/slideLayout67.xml><?xml version="1.0" encoding="utf-8"?>
+<p:sldLayout xmlns:a="http://schemas.openxmlformats.org/drawingml/2006/main" xmlns:p="http://schemas.openxmlformats.org/presentationml/2006/main" xmlns:r="http://schemas.openxmlformats.org/officeDocument/2006/relationships" xmlns:p14="http://schemas.microsoft.com/office/powerpoint/2010/main" xmlns:p15="http://schemas.microsoft.com/office/powerpoint/2012/main" xmlns:mc="http://schemas.openxmlformats.org/markup-compatibility/2006" type="twoObjAndObj" preserve="1">
+  <p:cSld name="Title, 2 Content and Content">
+    <p:spTree>
+      <p:nvGrpSpPr>
+        <p:cNvPr id="1" name=""/>
+        <p:cNvGrpSpPr/>
+        <p:nvPr/>
+      </p:nvGrpSpPr>
+      <p:grpSpPr>
+        <a:xfrm>
+          <a:off x="0" y="0"/>
+          <a:ext cx="0" cy="0"/>
+          <a:chOff x="0" y="0"/>
+          <a:chExt cx="0" cy="0"/>
+        </a:xfrm>
+      </p:grpSpPr>
+      <p:sp>
+        <p:nvSpPr>
+          <p:cNvPr id="210" name="PlaceHolder 1"/>
+          <p:cNvSpPr>
+            <a:spLocks noGrp="1"/>
+          </p:cNvSpPr>
+          <p:nvPr>
+            <p:ph type="title"/>
+          </p:nvPr>
+        </p:nvSpPr>
+        <p:spPr>
+          <a:xfrm>
+            <a:off x="540000" y="90000"/>
+            <a:ext cx="8999280" cy="989280"/>
+          </a:xfrm>
+          <a:prstGeom prst="rect">
+            <a:avLst/>
+          </a:prstGeom>
+        </p:spPr>
+        <p:txBody>
+          <a:bodyPr lIns="0" rIns="0" tIns="0" bIns="0" anchor="ctr">
+            <a:noAutofit/>
+          </a:bodyPr>
+          <a:p>
+            <a:pPr algn="ctr"/>
+            <a:endParaRPr b="0" lang="en-US" sz="4400" spc="-1" strike="noStrike">
+              <a:latin typeface="Arial"/>
+            </a:endParaRPr>
+          </a:p>
+        </p:txBody>
+      </p:sp>
+      <p:sp>
+        <p:nvSpPr>
+          <p:cNvPr id="211" name="PlaceHolder 2"/>
+          <p:cNvSpPr>
+            <a:spLocks noGrp="1"/>
+          </p:cNvSpPr>
+          <p:nvPr>
+            <p:ph type="body"/>
+          </p:nvPr>
+        </p:nvSpPr>
+        <p:spPr>
+          <a:xfrm>
+            <a:off x="540000" y="1440000"/>
+            <a:ext cx="4391640" cy="1673640"/>
+          </a:xfrm>
+          <a:prstGeom prst="rect">
+            <a:avLst/>
+          </a:prstGeom>
+        </p:spPr>
+        <p:txBody>
+          <a:bodyPr lIns="0" rIns="0" tIns="0" bIns="0">
+            <a:normAutofit/>
+          </a:bodyPr>
+          <a:p>
+            <a:endParaRPr b="0" lang="en-US" sz="3200" spc="-1" strike="noStrike">
+              <a:latin typeface="Arial"/>
+            </a:endParaRPr>
+          </a:p>
+        </p:txBody>
+      </p:sp>
+      <p:sp>
+        <p:nvSpPr>
+          <p:cNvPr id="212" name="PlaceHolder 3"/>
+          <p:cNvSpPr>
+            <a:spLocks noGrp="1"/>
+          </p:cNvSpPr>
+          <p:nvPr>
+            <p:ph type="body"/>
+          </p:nvPr>
+        </p:nvSpPr>
+        <p:spPr>
+          <a:xfrm>
+            <a:off x="5151600" y="1440000"/>
+            <a:ext cx="4391640" cy="3509280"/>
+          </a:xfrm>
+          <a:prstGeom prst="rect">
+            <a:avLst/>
+          </a:prstGeom>
+        </p:spPr>
+        <p:txBody>
+          <a:bodyPr lIns="0" rIns="0" tIns="0" bIns="0">
+            <a:normAutofit/>
+          </a:bodyPr>
+          <a:p>
+            <a:endParaRPr b="0" lang="en-US" sz="3200" spc="-1" strike="noStrike">
+              <a:latin typeface="Arial"/>
+            </a:endParaRPr>
+          </a:p>
+        </p:txBody>
+      </p:sp>
+      <p:sp>
+        <p:nvSpPr>
+          <p:cNvPr id="213" name="PlaceHolder 4"/>
+          <p:cNvSpPr>
+            <a:spLocks noGrp="1"/>
+          </p:cNvSpPr>
+          <p:nvPr>
+            <p:ph type="body"/>
+          </p:nvPr>
+        </p:nvSpPr>
+        <p:spPr>
+          <a:xfrm>
+            <a:off x="540000" y="3273120"/>
+            <a:ext cx="4391640" cy="1673640"/>
+          </a:xfrm>
+          <a:prstGeom prst="rect">
+            <a:avLst/>
+          </a:prstGeom>
+        </p:spPr>
+        <p:txBody>
+          <a:bodyPr lIns="0" rIns="0" tIns="0" bIns="0">
+            <a:normAutofit/>
+          </a:bodyPr>
+          <a:p>
+            <a:endParaRPr b="0" lang="en-US" sz="3200" spc="-1" strike="noStrike">
+              <a:latin typeface="Arial"/>
+            </a:endParaRPr>
+          </a:p>
+        </p:txBody>
+      </p:sp>
+    </p:spTree>
+  </p:cSld>
+</p:sldLayout>
+</file>
+
+<file path=ppt/slideLayouts/slideLayout68.xml><?xml version="1.0" encoding="utf-8"?>
+<p:sldLayout xmlns:a="http://schemas.openxmlformats.org/drawingml/2006/main" xmlns:p="http://schemas.openxmlformats.org/presentationml/2006/main" xmlns:r="http://schemas.openxmlformats.org/officeDocument/2006/relationships" xmlns:p14="http://schemas.microsoft.com/office/powerpoint/2010/main" xmlns:p15="http://schemas.microsoft.com/office/powerpoint/2012/main" xmlns:mc="http://schemas.openxmlformats.org/markup-compatibility/2006" type="objAndTwoObj" preserve="1">
+  <p:cSld name="Title Content and 2 Content">
+    <p:spTree>
+      <p:nvGrpSpPr>
+        <p:cNvPr id="1" name=""/>
+        <p:cNvGrpSpPr/>
+        <p:nvPr/>
+      </p:nvGrpSpPr>
+      <p:grpSpPr>
+        <a:xfrm>
+          <a:off x="0" y="0"/>
+          <a:ext cx="0" cy="0"/>
+          <a:chOff x="0" y="0"/>
+          <a:chExt cx="0" cy="0"/>
+        </a:xfrm>
+      </p:grpSpPr>
+      <p:sp>
+        <p:nvSpPr>
+          <p:cNvPr id="214" name="PlaceHolder 1"/>
+          <p:cNvSpPr>
+            <a:spLocks noGrp="1"/>
+          </p:cNvSpPr>
+          <p:nvPr>
+            <p:ph type="title"/>
+          </p:nvPr>
+        </p:nvSpPr>
+        <p:spPr>
+          <a:xfrm>
+            <a:off x="540000" y="90000"/>
+            <a:ext cx="8999280" cy="989280"/>
+          </a:xfrm>
+          <a:prstGeom prst="rect">
+            <a:avLst/>
+          </a:prstGeom>
+        </p:spPr>
+        <p:txBody>
+          <a:bodyPr lIns="0" rIns="0" tIns="0" bIns="0" anchor="ctr">
+            <a:noAutofit/>
+          </a:bodyPr>
+          <a:p>
+            <a:pPr algn="ctr"/>
+            <a:endParaRPr b="0" lang="en-US" sz="4400" spc="-1" strike="noStrike">
+              <a:latin typeface="Arial"/>
+            </a:endParaRPr>
+          </a:p>
+        </p:txBody>
+      </p:sp>
+      <p:sp>
+        <p:nvSpPr>
+          <p:cNvPr id="215" name="PlaceHolder 2"/>
+          <p:cNvSpPr>
+            <a:spLocks noGrp="1"/>
+          </p:cNvSpPr>
+          <p:nvPr>
+            <p:ph type="body"/>
+          </p:nvPr>
+        </p:nvSpPr>
+        <p:spPr>
+          <a:xfrm>
+            <a:off x="540000" y="1440000"/>
+            <a:ext cx="4391640" cy="3509280"/>
+          </a:xfrm>
+          <a:prstGeom prst="rect">
+            <a:avLst/>
+          </a:prstGeom>
+        </p:spPr>
+        <p:txBody>
+          <a:bodyPr lIns="0" rIns="0" tIns="0" bIns="0">
+            <a:normAutofit/>
+          </a:bodyPr>
+          <a:p>
+            <a:endParaRPr b="0" lang="en-US" sz="3200" spc="-1" strike="noStrike">
+              <a:latin typeface="Arial"/>
+            </a:endParaRPr>
+          </a:p>
+        </p:txBody>
+      </p:sp>
+      <p:sp>
+        <p:nvSpPr>
+          <p:cNvPr id="216" name="PlaceHolder 3"/>
+          <p:cNvSpPr>
+            <a:spLocks noGrp="1"/>
+          </p:cNvSpPr>
+          <p:nvPr>
+            <p:ph type="body"/>
+          </p:nvPr>
+        </p:nvSpPr>
+        <p:spPr>
+          <a:xfrm>
+            <a:off x="5151600" y="1440000"/>
+            <a:ext cx="4391640" cy="1673640"/>
+          </a:xfrm>
+          <a:prstGeom prst="rect">
+            <a:avLst/>
+          </a:prstGeom>
+        </p:spPr>
+        <p:txBody>
+          <a:bodyPr lIns="0" rIns="0" tIns="0" bIns="0">
+            <a:normAutofit/>
+          </a:bodyPr>
+          <a:p>
+            <a:endParaRPr b="0" lang="en-US" sz="3200" spc="-1" strike="noStrike">
+              <a:latin typeface="Arial"/>
+            </a:endParaRPr>
+          </a:p>
+        </p:txBody>
+      </p:sp>
+      <p:sp>
+        <p:nvSpPr>
+          <p:cNvPr id="217" name="PlaceHolder 4"/>
+          <p:cNvSpPr>
+            <a:spLocks noGrp="1"/>
+          </p:cNvSpPr>
+          <p:nvPr>
+            <p:ph type="body"/>
+          </p:nvPr>
+        </p:nvSpPr>
+        <p:spPr>
+          <a:xfrm>
+            <a:off x="5151600" y="3273120"/>
+            <a:ext cx="4391640" cy="1673640"/>
+          </a:xfrm>
+          <a:prstGeom prst="rect">
+            <a:avLst/>
+          </a:prstGeom>
+        </p:spPr>
+        <p:txBody>
+          <a:bodyPr lIns="0" rIns="0" tIns="0" bIns="0">
+            <a:normAutofit/>
+          </a:bodyPr>
+          <a:p>
+            <a:endParaRPr b="0" lang="en-US" sz="3200" spc="-1" strike="noStrike">
+              <a:latin typeface="Arial"/>
+            </a:endParaRPr>
+          </a:p>
+        </p:txBody>
+      </p:sp>
+    </p:spTree>
+  </p:cSld>
+</p:sldLayout>
+</file>
+
+<file path=ppt/slideLayouts/slideLayout69.xml><?xml version="1.0" encoding="utf-8"?>
+<p:sldLayout xmlns:a="http://schemas.openxmlformats.org/drawingml/2006/main" xmlns:p="http://schemas.openxmlformats.org/presentationml/2006/main" xmlns:r="http://schemas.openxmlformats.org/officeDocument/2006/relationships" xmlns:p14="http://schemas.microsoft.com/office/powerpoint/2010/main" xmlns:p15="http://schemas.microsoft.com/office/powerpoint/2012/main" xmlns:mc="http://schemas.openxmlformats.org/markup-compatibility/2006" type="twoObjOverTx" preserve="1">
+  <p:cSld name="Title, 2 Content over Content">
+    <p:spTree>
+      <p:nvGrpSpPr>
+        <p:cNvPr id="1" name=""/>
+        <p:cNvGrpSpPr/>
+        <p:nvPr/>
+      </p:nvGrpSpPr>
+      <p:grpSpPr>
+        <a:xfrm>
+          <a:off x="0" y="0"/>
+          <a:ext cx="0" cy="0"/>
+          <a:chOff x="0" y="0"/>
+          <a:chExt cx="0" cy="0"/>
+        </a:xfrm>
+      </p:grpSpPr>
+      <p:sp>
+        <p:nvSpPr>
+          <p:cNvPr id="218" name="PlaceHolder 1"/>
+          <p:cNvSpPr>
+            <a:spLocks noGrp="1"/>
+          </p:cNvSpPr>
+          <p:nvPr>
+            <p:ph type="title"/>
+          </p:nvPr>
+        </p:nvSpPr>
+        <p:spPr>
+          <a:xfrm>
+            <a:off x="540000" y="90000"/>
+            <a:ext cx="8999280" cy="989280"/>
+          </a:xfrm>
+          <a:prstGeom prst="rect">
+            <a:avLst/>
+          </a:prstGeom>
+        </p:spPr>
+        <p:txBody>
+          <a:bodyPr lIns="0" rIns="0" tIns="0" bIns="0" anchor="ctr">
+            <a:noAutofit/>
+          </a:bodyPr>
+          <a:p>
+            <a:pPr algn="ctr"/>
+            <a:endParaRPr b="0" lang="en-US" sz="4400" spc="-1" strike="noStrike">
+              <a:latin typeface="Arial"/>
+            </a:endParaRPr>
+          </a:p>
+        </p:txBody>
+      </p:sp>
+      <p:sp>
+        <p:nvSpPr>
+          <p:cNvPr id="219" name="PlaceHolder 2"/>
+          <p:cNvSpPr>
+            <a:spLocks noGrp="1"/>
+          </p:cNvSpPr>
+          <p:nvPr>
+            <p:ph type="body"/>
+          </p:nvPr>
+        </p:nvSpPr>
+        <p:spPr>
+          <a:xfrm>
+            <a:off x="540000" y="1440000"/>
+            <a:ext cx="4391640" cy="1673640"/>
+          </a:xfrm>
+          <a:prstGeom prst="rect">
+            <a:avLst/>
+          </a:prstGeom>
+        </p:spPr>
+        <p:txBody>
+          <a:bodyPr lIns="0" rIns="0" tIns="0" bIns="0">
+            <a:normAutofit/>
+          </a:bodyPr>
+          <a:p>
+            <a:endParaRPr b="0" lang="en-US" sz="3200" spc="-1" strike="noStrike">
+              <a:latin typeface="Arial"/>
+            </a:endParaRPr>
+          </a:p>
+        </p:txBody>
+      </p:sp>
+      <p:sp>
+        <p:nvSpPr>
+          <p:cNvPr id="220" name="PlaceHolder 3"/>
+          <p:cNvSpPr>
+            <a:spLocks noGrp="1"/>
+          </p:cNvSpPr>
+          <p:nvPr>
+            <p:ph type="body"/>
+          </p:nvPr>
+        </p:nvSpPr>
+        <p:spPr>
+          <a:xfrm>
+            <a:off x="5151600" y="1440000"/>
+            <a:ext cx="4391640" cy="1673640"/>
+          </a:xfrm>
+          <a:prstGeom prst="rect">
+            <a:avLst/>
+          </a:prstGeom>
+        </p:spPr>
+        <p:txBody>
+          <a:bodyPr lIns="0" rIns="0" tIns="0" bIns="0">
+            <a:normAutofit/>
+          </a:bodyPr>
+          <a:p>
+            <a:endParaRPr b="0" lang="en-US" sz="3200" spc="-1" strike="noStrike">
+              <a:latin typeface="Arial"/>
+            </a:endParaRPr>
+          </a:p>
+        </p:txBody>
+      </p:sp>
+      <p:sp>
+        <p:nvSpPr>
+          <p:cNvPr id="221" name="PlaceHolder 4"/>
+          <p:cNvSpPr>
+            <a:spLocks noGrp="1"/>
+          </p:cNvSpPr>
+          <p:nvPr>
+            <p:ph type="body"/>
+          </p:nvPr>
+        </p:nvSpPr>
+        <p:spPr>
+          <a:xfrm>
+            <a:off x="540000" y="3273120"/>
+            <a:ext cx="8999280" cy="1673640"/>
           </a:xfrm>
           <a:prstGeom prst="rect">
             <a:avLst/>
@@ -6416,7 +7254,7 @@
         <p:spPr>
           <a:xfrm>
             <a:off x="540000" y="90000"/>
-            <a:ext cx="8999640" cy="989640"/>
+            <a:ext cx="8999280" cy="989280"/>
           </a:xfrm>
           <a:prstGeom prst="rect">
             <a:avLst/>
@@ -6447,7 +7285,7 @@
         <p:spPr>
           <a:xfrm>
             <a:off x="540000" y="1440000"/>
-            <a:ext cx="4391640" cy="1674000"/>
+            <a:ext cx="4391640" cy="1673640"/>
           </a:xfrm>
           <a:prstGeom prst="rect">
             <a:avLst/>
@@ -6477,7 +7315,7 @@
         <p:spPr>
           <a:xfrm>
             <a:off x="5151600" y="1440000"/>
-            <a:ext cx="4391640" cy="3509640"/>
+            <a:ext cx="4391640" cy="3509280"/>
           </a:xfrm>
           <a:prstGeom prst="rect">
             <a:avLst/>
@@ -6506,8 +7344,527 @@
         </p:nvSpPr>
         <p:spPr>
           <a:xfrm>
-            <a:off x="540000" y="3273480"/>
-            <a:ext cx="4391640" cy="1674000"/>
+            <a:off x="540000" y="3273120"/>
+            <a:ext cx="4391640" cy="1673640"/>
+          </a:xfrm>
+          <a:prstGeom prst="rect">
+            <a:avLst/>
+          </a:prstGeom>
+        </p:spPr>
+        <p:txBody>
+          <a:bodyPr lIns="0" rIns="0" tIns="0" bIns="0">
+            <a:normAutofit/>
+          </a:bodyPr>
+          <a:p>
+            <a:endParaRPr b="0" lang="en-US" sz="3200" spc="-1" strike="noStrike">
+              <a:latin typeface="Arial"/>
+            </a:endParaRPr>
+          </a:p>
+        </p:txBody>
+      </p:sp>
+    </p:spTree>
+  </p:cSld>
+</p:sldLayout>
+</file>
+
+<file path=ppt/slideLayouts/slideLayout70.xml><?xml version="1.0" encoding="utf-8"?>
+<p:sldLayout xmlns:a="http://schemas.openxmlformats.org/drawingml/2006/main" xmlns:p="http://schemas.openxmlformats.org/presentationml/2006/main" xmlns:r="http://schemas.openxmlformats.org/officeDocument/2006/relationships" xmlns:p14="http://schemas.microsoft.com/office/powerpoint/2010/main" xmlns:p15="http://schemas.microsoft.com/office/powerpoint/2012/main" xmlns:mc="http://schemas.openxmlformats.org/markup-compatibility/2006" type="objOverTx" preserve="1">
+  <p:cSld name="Title, Content over Content">
+    <p:spTree>
+      <p:nvGrpSpPr>
+        <p:cNvPr id="1" name=""/>
+        <p:cNvGrpSpPr/>
+        <p:nvPr/>
+      </p:nvGrpSpPr>
+      <p:grpSpPr>
+        <a:xfrm>
+          <a:off x="0" y="0"/>
+          <a:ext cx="0" cy="0"/>
+          <a:chOff x="0" y="0"/>
+          <a:chExt cx="0" cy="0"/>
+        </a:xfrm>
+      </p:grpSpPr>
+      <p:sp>
+        <p:nvSpPr>
+          <p:cNvPr id="222" name="PlaceHolder 1"/>
+          <p:cNvSpPr>
+            <a:spLocks noGrp="1"/>
+          </p:cNvSpPr>
+          <p:nvPr>
+            <p:ph type="title"/>
+          </p:nvPr>
+        </p:nvSpPr>
+        <p:spPr>
+          <a:xfrm>
+            <a:off x="540000" y="90000"/>
+            <a:ext cx="8999280" cy="989280"/>
+          </a:xfrm>
+          <a:prstGeom prst="rect">
+            <a:avLst/>
+          </a:prstGeom>
+        </p:spPr>
+        <p:txBody>
+          <a:bodyPr lIns="0" rIns="0" tIns="0" bIns="0" anchor="ctr">
+            <a:noAutofit/>
+          </a:bodyPr>
+          <a:p>
+            <a:pPr algn="ctr"/>
+            <a:endParaRPr b="0" lang="en-US" sz="4400" spc="-1" strike="noStrike">
+              <a:latin typeface="Arial"/>
+            </a:endParaRPr>
+          </a:p>
+        </p:txBody>
+      </p:sp>
+      <p:sp>
+        <p:nvSpPr>
+          <p:cNvPr id="223" name="PlaceHolder 2"/>
+          <p:cNvSpPr>
+            <a:spLocks noGrp="1"/>
+          </p:cNvSpPr>
+          <p:nvPr>
+            <p:ph type="body"/>
+          </p:nvPr>
+        </p:nvSpPr>
+        <p:spPr>
+          <a:xfrm>
+            <a:off x="540000" y="1440000"/>
+            <a:ext cx="8999280" cy="1673640"/>
+          </a:xfrm>
+          <a:prstGeom prst="rect">
+            <a:avLst/>
+          </a:prstGeom>
+        </p:spPr>
+        <p:txBody>
+          <a:bodyPr lIns="0" rIns="0" tIns="0" bIns="0">
+            <a:normAutofit/>
+          </a:bodyPr>
+          <a:p>
+            <a:endParaRPr b="0" lang="en-US" sz="3200" spc="-1" strike="noStrike">
+              <a:latin typeface="Arial"/>
+            </a:endParaRPr>
+          </a:p>
+        </p:txBody>
+      </p:sp>
+      <p:sp>
+        <p:nvSpPr>
+          <p:cNvPr id="224" name="PlaceHolder 3"/>
+          <p:cNvSpPr>
+            <a:spLocks noGrp="1"/>
+          </p:cNvSpPr>
+          <p:nvPr>
+            <p:ph type="body"/>
+          </p:nvPr>
+        </p:nvSpPr>
+        <p:spPr>
+          <a:xfrm>
+            <a:off x="540000" y="3273120"/>
+            <a:ext cx="8999280" cy="1673640"/>
+          </a:xfrm>
+          <a:prstGeom prst="rect">
+            <a:avLst/>
+          </a:prstGeom>
+        </p:spPr>
+        <p:txBody>
+          <a:bodyPr lIns="0" rIns="0" tIns="0" bIns="0">
+            <a:normAutofit/>
+          </a:bodyPr>
+          <a:p>
+            <a:endParaRPr b="0" lang="en-US" sz="3200" spc="-1" strike="noStrike">
+              <a:latin typeface="Arial"/>
+            </a:endParaRPr>
+          </a:p>
+        </p:txBody>
+      </p:sp>
+    </p:spTree>
+  </p:cSld>
+</p:sldLayout>
+</file>
+
+<file path=ppt/slideLayouts/slideLayout71.xml><?xml version="1.0" encoding="utf-8"?>
+<p:sldLayout xmlns:a="http://schemas.openxmlformats.org/drawingml/2006/main" xmlns:p="http://schemas.openxmlformats.org/presentationml/2006/main" xmlns:r="http://schemas.openxmlformats.org/officeDocument/2006/relationships" xmlns:p14="http://schemas.microsoft.com/office/powerpoint/2010/main" xmlns:p15="http://schemas.microsoft.com/office/powerpoint/2012/main" xmlns:mc="http://schemas.openxmlformats.org/markup-compatibility/2006" type="fourObj" preserve="1">
+  <p:cSld name="Title, 4 Content">
+    <p:spTree>
+      <p:nvGrpSpPr>
+        <p:cNvPr id="1" name=""/>
+        <p:cNvGrpSpPr/>
+        <p:nvPr/>
+      </p:nvGrpSpPr>
+      <p:grpSpPr>
+        <a:xfrm>
+          <a:off x="0" y="0"/>
+          <a:ext cx="0" cy="0"/>
+          <a:chOff x="0" y="0"/>
+          <a:chExt cx="0" cy="0"/>
+        </a:xfrm>
+      </p:grpSpPr>
+      <p:sp>
+        <p:nvSpPr>
+          <p:cNvPr id="225" name="PlaceHolder 1"/>
+          <p:cNvSpPr>
+            <a:spLocks noGrp="1"/>
+          </p:cNvSpPr>
+          <p:nvPr>
+            <p:ph type="title"/>
+          </p:nvPr>
+        </p:nvSpPr>
+        <p:spPr>
+          <a:xfrm>
+            <a:off x="540000" y="90000"/>
+            <a:ext cx="8999280" cy="989280"/>
+          </a:xfrm>
+          <a:prstGeom prst="rect">
+            <a:avLst/>
+          </a:prstGeom>
+        </p:spPr>
+        <p:txBody>
+          <a:bodyPr lIns="0" rIns="0" tIns="0" bIns="0" anchor="ctr">
+            <a:noAutofit/>
+          </a:bodyPr>
+          <a:p>
+            <a:pPr algn="ctr"/>
+            <a:endParaRPr b="0" lang="en-US" sz="4400" spc="-1" strike="noStrike">
+              <a:latin typeface="Arial"/>
+            </a:endParaRPr>
+          </a:p>
+        </p:txBody>
+      </p:sp>
+      <p:sp>
+        <p:nvSpPr>
+          <p:cNvPr id="226" name="PlaceHolder 2"/>
+          <p:cNvSpPr>
+            <a:spLocks noGrp="1"/>
+          </p:cNvSpPr>
+          <p:nvPr>
+            <p:ph type="body"/>
+          </p:nvPr>
+        </p:nvSpPr>
+        <p:spPr>
+          <a:xfrm>
+            <a:off x="540000" y="1440000"/>
+            <a:ext cx="4391640" cy="1673640"/>
+          </a:xfrm>
+          <a:prstGeom prst="rect">
+            <a:avLst/>
+          </a:prstGeom>
+        </p:spPr>
+        <p:txBody>
+          <a:bodyPr lIns="0" rIns="0" tIns="0" bIns="0">
+            <a:normAutofit/>
+          </a:bodyPr>
+          <a:p>
+            <a:endParaRPr b="0" lang="en-US" sz="3200" spc="-1" strike="noStrike">
+              <a:latin typeface="Arial"/>
+            </a:endParaRPr>
+          </a:p>
+        </p:txBody>
+      </p:sp>
+      <p:sp>
+        <p:nvSpPr>
+          <p:cNvPr id="227" name="PlaceHolder 3"/>
+          <p:cNvSpPr>
+            <a:spLocks noGrp="1"/>
+          </p:cNvSpPr>
+          <p:nvPr>
+            <p:ph type="body"/>
+          </p:nvPr>
+        </p:nvSpPr>
+        <p:spPr>
+          <a:xfrm>
+            <a:off x="5151600" y="1440000"/>
+            <a:ext cx="4391640" cy="1673640"/>
+          </a:xfrm>
+          <a:prstGeom prst="rect">
+            <a:avLst/>
+          </a:prstGeom>
+        </p:spPr>
+        <p:txBody>
+          <a:bodyPr lIns="0" rIns="0" tIns="0" bIns="0">
+            <a:normAutofit/>
+          </a:bodyPr>
+          <a:p>
+            <a:endParaRPr b="0" lang="en-US" sz="3200" spc="-1" strike="noStrike">
+              <a:latin typeface="Arial"/>
+            </a:endParaRPr>
+          </a:p>
+        </p:txBody>
+      </p:sp>
+      <p:sp>
+        <p:nvSpPr>
+          <p:cNvPr id="228" name="PlaceHolder 4"/>
+          <p:cNvSpPr>
+            <a:spLocks noGrp="1"/>
+          </p:cNvSpPr>
+          <p:nvPr>
+            <p:ph type="body"/>
+          </p:nvPr>
+        </p:nvSpPr>
+        <p:spPr>
+          <a:xfrm>
+            <a:off x="540000" y="3273120"/>
+            <a:ext cx="4391640" cy="1673640"/>
+          </a:xfrm>
+          <a:prstGeom prst="rect">
+            <a:avLst/>
+          </a:prstGeom>
+        </p:spPr>
+        <p:txBody>
+          <a:bodyPr lIns="0" rIns="0" tIns="0" bIns="0">
+            <a:normAutofit/>
+          </a:bodyPr>
+          <a:p>
+            <a:endParaRPr b="0" lang="en-US" sz="3200" spc="-1" strike="noStrike">
+              <a:latin typeface="Arial"/>
+            </a:endParaRPr>
+          </a:p>
+        </p:txBody>
+      </p:sp>
+      <p:sp>
+        <p:nvSpPr>
+          <p:cNvPr id="229" name="PlaceHolder 5"/>
+          <p:cNvSpPr>
+            <a:spLocks noGrp="1"/>
+          </p:cNvSpPr>
+          <p:nvPr>
+            <p:ph type="body"/>
+          </p:nvPr>
+        </p:nvSpPr>
+        <p:spPr>
+          <a:xfrm>
+            <a:off x="5151600" y="3273120"/>
+            <a:ext cx="4391640" cy="1673640"/>
+          </a:xfrm>
+          <a:prstGeom prst="rect">
+            <a:avLst/>
+          </a:prstGeom>
+        </p:spPr>
+        <p:txBody>
+          <a:bodyPr lIns="0" rIns="0" tIns="0" bIns="0">
+            <a:normAutofit/>
+          </a:bodyPr>
+          <a:p>
+            <a:endParaRPr b="0" lang="en-US" sz="3200" spc="-1" strike="noStrike">
+              <a:latin typeface="Arial"/>
+            </a:endParaRPr>
+          </a:p>
+        </p:txBody>
+      </p:sp>
+    </p:spTree>
+  </p:cSld>
+</p:sldLayout>
+</file>
+
+<file path=ppt/slideLayouts/slideLayout72.xml><?xml version="1.0" encoding="utf-8"?>
+<p:sldLayout xmlns:a="http://schemas.openxmlformats.org/drawingml/2006/main" xmlns:p="http://schemas.openxmlformats.org/presentationml/2006/main" xmlns:r="http://schemas.openxmlformats.org/officeDocument/2006/relationships" xmlns:p14="http://schemas.microsoft.com/office/powerpoint/2010/main" xmlns:p15="http://schemas.microsoft.com/office/powerpoint/2012/main" xmlns:mc="http://schemas.openxmlformats.org/markup-compatibility/2006" type="blank" preserve="1">
+  <p:cSld name="Title, 6 Content">
+    <p:spTree>
+      <p:nvGrpSpPr>
+        <p:cNvPr id="1" name=""/>
+        <p:cNvGrpSpPr/>
+        <p:nvPr/>
+      </p:nvGrpSpPr>
+      <p:grpSpPr>
+        <a:xfrm>
+          <a:off x="0" y="0"/>
+          <a:ext cx="0" cy="0"/>
+          <a:chOff x="0" y="0"/>
+          <a:chExt cx="0" cy="0"/>
+        </a:xfrm>
+      </p:grpSpPr>
+      <p:sp>
+        <p:nvSpPr>
+          <p:cNvPr id="230" name="PlaceHolder 1"/>
+          <p:cNvSpPr>
+            <a:spLocks noGrp="1"/>
+          </p:cNvSpPr>
+          <p:nvPr>
+            <p:ph type="title"/>
+          </p:nvPr>
+        </p:nvSpPr>
+        <p:spPr>
+          <a:xfrm>
+            <a:off x="540000" y="90000"/>
+            <a:ext cx="8999280" cy="989280"/>
+          </a:xfrm>
+          <a:prstGeom prst="rect">
+            <a:avLst/>
+          </a:prstGeom>
+        </p:spPr>
+        <p:txBody>
+          <a:bodyPr lIns="0" rIns="0" tIns="0" bIns="0" anchor="ctr">
+            <a:noAutofit/>
+          </a:bodyPr>
+          <a:p>
+            <a:pPr algn="ctr"/>
+            <a:endParaRPr b="0" lang="en-US" sz="4400" spc="-1" strike="noStrike">
+              <a:latin typeface="Arial"/>
+            </a:endParaRPr>
+          </a:p>
+        </p:txBody>
+      </p:sp>
+      <p:sp>
+        <p:nvSpPr>
+          <p:cNvPr id="231" name="PlaceHolder 2"/>
+          <p:cNvSpPr>
+            <a:spLocks noGrp="1"/>
+          </p:cNvSpPr>
+          <p:nvPr>
+            <p:ph type="body"/>
+          </p:nvPr>
+        </p:nvSpPr>
+        <p:spPr>
+          <a:xfrm>
+            <a:off x="540000" y="1440000"/>
+            <a:ext cx="2897640" cy="1673640"/>
+          </a:xfrm>
+          <a:prstGeom prst="rect">
+            <a:avLst/>
+          </a:prstGeom>
+        </p:spPr>
+        <p:txBody>
+          <a:bodyPr lIns="0" rIns="0" tIns="0" bIns="0">
+            <a:normAutofit/>
+          </a:bodyPr>
+          <a:p>
+            <a:endParaRPr b="0" lang="en-US" sz="3200" spc="-1" strike="noStrike">
+              <a:latin typeface="Arial"/>
+            </a:endParaRPr>
+          </a:p>
+        </p:txBody>
+      </p:sp>
+      <p:sp>
+        <p:nvSpPr>
+          <p:cNvPr id="232" name="PlaceHolder 3"/>
+          <p:cNvSpPr>
+            <a:spLocks noGrp="1"/>
+          </p:cNvSpPr>
+          <p:nvPr>
+            <p:ph type="body"/>
+          </p:nvPr>
+        </p:nvSpPr>
+        <p:spPr>
+          <a:xfrm>
+            <a:off x="3583080" y="1440000"/>
+            <a:ext cx="2897640" cy="1673640"/>
+          </a:xfrm>
+          <a:prstGeom prst="rect">
+            <a:avLst/>
+          </a:prstGeom>
+        </p:spPr>
+        <p:txBody>
+          <a:bodyPr lIns="0" rIns="0" tIns="0" bIns="0">
+            <a:normAutofit/>
+          </a:bodyPr>
+          <a:p>
+            <a:endParaRPr b="0" lang="en-US" sz="3200" spc="-1" strike="noStrike">
+              <a:latin typeface="Arial"/>
+            </a:endParaRPr>
+          </a:p>
+        </p:txBody>
+      </p:sp>
+      <p:sp>
+        <p:nvSpPr>
+          <p:cNvPr id="233" name="PlaceHolder 4"/>
+          <p:cNvSpPr>
+            <a:spLocks noGrp="1"/>
+          </p:cNvSpPr>
+          <p:nvPr>
+            <p:ph type="body"/>
+          </p:nvPr>
+        </p:nvSpPr>
+        <p:spPr>
+          <a:xfrm>
+            <a:off x="6625800" y="1440000"/>
+            <a:ext cx="2897640" cy="1673640"/>
+          </a:xfrm>
+          <a:prstGeom prst="rect">
+            <a:avLst/>
+          </a:prstGeom>
+        </p:spPr>
+        <p:txBody>
+          <a:bodyPr lIns="0" rIns="0" tIns="0" bIns="0">
+            <a:normAutofit/>
+          </a:bodyPr>
+          <a:p>
+            <a:endParaRPr b="0" lang="en-US" sz="3200" spc="-1" strike="noStrike">
+              <a:latin typeface="Arial"/>
+            </a:endParaRPr>
+          </a:p>
+        </p:txBody>
+      </p:sp>
+      <p:sp>
+        <p:nvSpPr>
+          <p:cNvPr id="234" name="PlaceHolder 5"/>
+          <p:cNvSpPr>
+            <a:spLocks noGrp="1"/>
+          </p:cNvSpPr>
+          <p:nvPr>
+            <p:ph type="body"/>
+          </p:nvPr>
+        </p:nvSpPr>
+        <p:spPr>
+          <a:xfrm>
+            <a:off x="540000" y="3273120"/>
+            <a:ext cx="2897640" cy="1673640"/>
+          </a:xfrm>
+          <a:prstGeom prst="rect">
+            <a:avLst/>
+          </a:prstGeom>
+        </p:spPr>
+        <p:txBody>
+          <a:bodyPr lIns="0" rIns="0" tIns="0" bIns="0">
+            <a:normAutofit/>
+          </a:bodyPr>
+          <a:p>
+            <a:endParaRPr b="0" lang="en-US" sz="3200" spc="-1" strike="noStrike">
+              <a:latin typeface="Arial"/>
+            </a:endParaRPr>
+          </a:p>
+        </p:txBody>
+      </p:sp>
+      <p:sp>
+        <p:nvSpPr>
+          <p:cNvPr id="235" name="PlaceHolder 6"/>
+          <p:cNvSpPr>
+            <a:spLocks noGrp="1"/>
+          </p:cNvSpPr>
+          <p:nvPr>
+            <p:ph type="body"/>
+          </p:nvPr>
+        </p:nvSpPr>
+        <p:spPr>
+          <a:xfrm>
+            <a:off x="3583080" y="3273120"/>
+            <a:ext cx="2897640" cy="1673640"/>
+          </a:xfrm>
+          <a:prstGeom prst="rect">
+            <a:avLst/>
+          </a:prstGeom>
+        </p:spPr>
+        <p:txBody>
+          <a:bodyPr lIns="0" rIns="0" tIns="0" bIns="0">
+            <a:normAutofit/>
+          </a:bodyPr>
+          <a:p>
+            <a:endParaRPr b="0" lang="en-US" sz="3200" spc="-1" strike="noStrike">
+              <a:latin typeface="Arial"/>
+            </a:endParaRPr>
+          </a:p>
+        </p:txBody>
+      </p:sp>
+      <p:sp>
+        <p:nvSpPr>
+          <p:cNvPr id="236" name="PlaceHolder 7"/>
+          <p:cNvSpPr>
+            <a:spLocks noGrp="1"/>
+          </p:cNvSpPr>
+          <p:nvPr>
+            <p:ph type="body"/>
+          </p:nvPr>
+        </p:nvSpPr>
+        <p:spPr>
+          <a:xfrm>
+            <a:off x="6625800" y="3273120"/>
+            <a:ext cx="2897640" cy="1673640"/>
           </a:xfrm>
           <a:prstGeom prst="rect">
             <a:avLst/>
@@ -6559,7 +7916,7 @@
         <p:spPr>
           <a:xfrm>
             <a:off x="540000" y="90000"/>
-            <a:ext cx="8999640" cy="989640"/>
+            <a:ext cx="8999280" cy="989280"/>
           </a:xfrm>
           <a:prstGeom prst="rect">
             <a:avLst/>
@@ -6590,7 +7947,7 @@
         <p:spPr>
           <a:xfrm>
             <a:off x="540000" y="1440000"/>
-            <a:ext cx="4391640" cy="3509640"/>
+            <a:ext cx="4391640" cy="3509280"/>
           </a:xfrm>
           <a:prstGeom prst="rect">
             <a:avLst/>
@@ -6620,7 +7977,7 @@
         <p:spPr>
           <a:xfrm>
             <a:off x="5151600" y="1440000"/>
-            <a:ext cx="4391640" cy="1674000"/>
+            <a:ext cx="4391640" cy="1673640"/>
           </a:xfrm>
           <a:prstGeom prst="rect">
             <a:avLst/>
@@ -6649,8 +8006,8 @@
         </p:nvSpPr>
         <p:spPr>
           <a:xfrm>
-            <a:off x="5151600" y="3273480"/>
-            <a:ext cx="4391640" cy="1674000"/>
+            <a:off x="5151600" y="3273120"/>
+            <a:ext cx="4391640" cy="1673640"/>
           </a:xfrm>
           <a:prstGeom prst="rect">
             <a:avLst/>
@@ -6702,7 +8059,7 @@
         <p:spPr>
           <a:xfrm>
             <a:off x="540000" y="90000"/>
-            <a:ext cx="8999640" cy="989640"/>
+            <a:ext cx="8999280" cy="989280"/>
           </a:xfrm>
           <a:prstGeom prst="rect">
             <a:avLst/>
@@ -6733,7 +8090,7 @@
         <p:spPr>
           <a:xfrm>
             <a:off x="540000" y="1440000"/>
-            <a:ext cx="4391640" cy="1674000"/>
+            <a:ext cx="4391640" cy="1673640"/>
           </a:xfrm>
           <a:prstGeom prst="rect">
             <a:avLst/>
@@ -6763,7 +8120,7 @@
         <p:spPr>
           <a:xfrm>
             <a:off x="5151600" y="1440000"/>
-            <a:ext cx="4391640" cy="1674000"/>
+            <a:ext cx="4391640" cy="1673640"/>
           </a:xfrm>
           <a:prstGeom prst="rect">
             <a:avLst/>
@@ -6792,8 +8149,8 @@
         </p:nvSpPr>
         <p:spPr>
           <a:xfrm>
-            <a:off x="540000" y="3273480"/>
-            <a:ext cx="8999640" cy="1674000"/>
+            <a:off x="540000" y="3273120"/>
+            <a:ext cx="8999280" cy="1673640"/>
           </a:xfrm>
           <a:prstGeom prst="rect">
             <a:avLst/>
@@ -6841,7 +8198,7 @@
         <p:spPr>
           <a:xfrm>
             <a:off x="0" y="3780000"/>
-            <a:ext cx="10079640" cy="1889640"/>
+            <a:ext cx="10079280" cy="1889280"/>
           </a:xfrm>
           <a:prstGeom prst="rect">
             <a:avLst/>
@@ -6883,22 +8240,34 @@
         <p:spPr>
           <a:xfrm>
             <a:off x="540000" y="90000"/>
-            <a:ext cx="8999640" cy="989640"/>
-          </a:xfrm>
-          <a:prstGeom prst="rect">
-            <a:avLst/>
-          </a:prstGeom>
-        </p:spPr>
-        <p:txBody>
-          <a:bodyPr lIns="0" rIns="0" tIns="0" bIns="0" anchor="b">
-            <a:normAutofit/>
+            <a:ext cx="8999280" cy="989280"/>
+          </a:xfrm>
+          <a:prstGeom prst="rect">
+            <a:avLst/>
+          </a:prstGeom>
+        </p:spPr>
+        <p:txBody>
+          <a:bodyPr lIns="0" rIns="0" tIns="0" bIns="0" anchor="ctr">
+            <a:noAutofit/>
           </a:bodyPr>
           <a:p>
             <a:r>
               <a:rPr b="0" lang="en-US" sz="1800" spc="-1" strike="noStrike">
                 <a:latin typeface="Arial"/>
               </a:rPr>
-              <a:t>Click to edit the title text format</a:t>
+              <a:t>Click to edit </a:t>
+            </a:r>
+            <a:r>
+              <a:rPr b="0" lang="en-US" sz="1800" spc="-1" strike="noStrike">
+                <a:latin typeface="Arial"/>
+              </a:rPr>
+              <a:t>the title text </a:t>
+            </a:r>
+            <a:r>
+              <a:rPr b="0" lang="en-US" sz="1800" spc="-1" strike="noStrike">
+                <a:latin typeface="Arial"/>
+              </a:rPr>
+              <a:t>format</a:t>
             </a:r>
             <a:endParaRPr b="0" lang="en-US" sz="1800" spc="-1" strike="noStrike">
               <a:latin typeface="Arial"/>
@@ -6918,8 +8287,8 @@
         </p:nvSpPr>
         <p:spPr>
           <a:xfrm>
-            <a:off x="504000" y="1326600"/>
-            <a:ext cx="9072000" cy="3288600"/>
+            <a:off x="540000" y="1440000"/>
+            <a:ext cx="8999280" cy="3509280"/>
           </a:xfrm>
           <a:prstGeom prst="rect">
             <a:avLst/>
@@ -6942,12 +8311,12 @@
               <a:buChar char=""/>
             </a:pPr>
             <a:r>
-              <a:rPr b="0" lang="en-US" sz="3200" spc="-1" strike="noStrike">
+              <a:rPr b="0" lang="en-US" sz="1800" spc="-1" strike="noStrike">
                 <a:latin typeface="Arial"/>
               </a:rPr>
               <a:t>Click to edit the outline text format</a:t>
             </a:r>
-            <a:endParaRPr b="0" lang="en-US" sz="3200" spc="-1" strike="noStrike">
+            <a:endParaRPr b="0" lang="en-US" sz="1800" spc="-1" strike="noStrike">
               <a:latin typeface="Arial"/>
             </a:endParaRPr>
           </a:p>
@@ -6964,12 +8333,12 @@
               <a:buChar char=""/>
             </a:pPr>
             <a:r>
-              <a:rPr b="0" lang="en-US" sz="2800" spc="-1" strike="noStrike">
+              <a:rPr b="0" lang="en-US" sz="1800" spc="-1" strike="noStrike">
                 <a:latin typeface="Arial"/>
               </a:rPr>
               <a:t>Second Outline Level</a:t>
             </a:r>
-            <a:endParaRPr b="0" lang="en-US" sz="2800" spc="-1" strike="noStrike">
+            <a:endParaRPr b="0" lang="en-US" sz="1800" spc="-1" strike="noStrike">
               <a:latin typeface="Arial"/>
             </a:endParaRPr>
           </a:p>
@@ -6986,12 +8355,12 @@
               <a:buChar char=""/>
             </a:pPr>
             <a:r>
-              <a:rPr b="0" lang="en-US" sz="2400" spc="-1" strike="noStrike">
+              <a:rPr b="0" lang="en-US" sz="1800" spc="-1" strike="noStrike">
                 <a:latin typeface="Arial"/>
               </a:rPr>
               <a:t>Third Outline Level</a:t>
             </a:r>
-            <a:endParaRPr b="0" lang="en-US" sz="2400" spc="-1" strike="noStrike">
+            <a:endParaRPr b="0" lang="en-US" sz="1800" spc="-1" strike="noStrike">
               <a:latin typeface="Arial"/>
             </a:endParaRPr>
           </a:p>
@@ -7008,12 +8377,12 @@
               <a:buChar char=""/>
             </a:pPr>
             <a:r>
-              <a:rPr b="0" lang="en-US" sz="2000" spc="-1" strike="noStrike">
+              <a:rPr b="0" lang="en-US" sz="1800" spc="-1" strike="noStrike">
                 <a:latin typeface="Arial"/>
               </a:rPr>
               <a:t>Fourth Outline Level</a:t>
             </a:r>
-            <a:endParaRPr b="0" lang="en-US" sz="2000" spc="-1" strike="noStrike">
+            <a:endParaRPr b="0" lang="en-US" sz="1800" spc="-1" strike="noStrike">
               <a:latin typeface="Arial"/>
             </a:endParaRPr>
           </a:p>
@@ -7030,12 +8399,12 @@
               <a:buChar char=""/>
             </a:pPr>
             <a:r>
-              <a:rPr b="0" lang="en-US" sz="2000" spc="-1" strike="noStrike">
+              <a:rPr b="0" lang="en-US" sz="1800" spc="-1" strike="noStrike">
                 <a:latin typeface="Arial"/>
               </a:rPr>
               <a:t>Fifth Outline Level</a:t>
             </a:r>
-            <a:endParaRPr b="0" lang="en-US" sz="2000" spc="-1" strike="noStrike">
+            <a:endParaRPr b="0" lang="en-US" sz="1800" spc="-1" strike="noStrike">
               <a:latin typeface="Arial"/>
             </a:endParaRPr>
           </a:p>
@@ -7052,12 +8421,12 @@
               <a:buChar char=""/>
             </a:pPr>
             <a:r>
-              <a:rPr b="0" lang="en-US" sz="2000" spc="-1" strike="noStrike">
+              <a:rPr b="0" lang="en-US" sz="1800" spc="-1" strike="noStrike">
                 <a:latin typeface="Arial"/>
               </a:rPr>
               <a:t>Sixth Outline Level</a:t>
             </a:r>
-            <a:endParaRPr b="0" lang="en-US" sz="2000" spc="-1" strike="noStrike">
+            <a:endParaRPr b="0" lang="en-US" sz="1800" spc="-1" strike="noStrike">
               <a:latin typeface="Arial"/>
             </a:endParaRPr>
           </a:p>
@@ -7074,12 +8443,12 @@
               <a:buChar char=""/>
             </a:pPr>
             <a:r>
-              <a:rPr b="0" lang="en-US" sz="2000" spc="-1" strike="noStrike">
+              <a:rPr b="0" lang="en-US" sz="1800" spc="-1" strike="noStrike">
                 <a:latin typeface="Arial"/>
               </a:rPr>
               <a:t>Seventh Outline Level</a:t>
             </a:r>
-            <a:endParaRPr b="0" lang="en-US" sz="2000" spc="-1" strike="noStrike">
+            <a:endParaRPr b="0" lang="en-US" sz="1800" spc="-1" strike="noStrike">
               <a:latin typeface="Arial"/>
             </a:endParaRPr>
           </a:p>
@@ -7139,7 +8508,7 @@
         <p:spPr>
           <a:xfrm flipV="1">
             <a:off x="0" y="-720"/>
-            <a:ext cx="10079640" cy="1079640"/>
+            <a:ext cx="10079280" cy="1079280"/>
           </a:xfrm>
           <a:prstGeom prst="rect">
             <a:avLst/>
@@ -7181,22 +8550,34 @@
         <p:spPr>
           <a:xfrm>
             <a:off x="540000" y="90000"/>
-            <a:ext cx="8999640" cy="989640"/>
-          </a:xfrm>
-          <a:prstGeom prst="rect">
-            <a:avLst/>
-          </a:prstGeom>
-        </p:spPr>
-        <p:txBody>
-          <a:bodyPr lIns="0" rIns="0" tIns="0" bIns="0" anchor="b">
-            <a:normAutofit/>
+            <a:ext cx="8999280" cy="989280"/>
+          </a:xfrm>
+          <a:prstGeom prst="rect">
+            <a:avLst/>
+          </a:prstGeom>
+        </p:spPr>
+        <p:txBody>
+          <a:bodyPr lIns="0" rIns="0" tIns="0" bIns="0" anchor="ctr">
+            <a:noAutofit/>
           </a:bodyPr>
           <a:p>
             <a:r>
               <a:rPr b="0" lang="en-US" sz="1800" spc="-1" strike="noStrike">
                 <a:latin typeface="Arial"/>
               </a:rPr>
-              <a:t>Click to edit the title text format</a:t>
+              <a:t>Click to edit </a:t>
+            </a:r>
+            <a:r>
+              <a:rPr b="0" lang="en-US" sz="1800" spc="-1" strike="noStrike">
+                <a:latin typeface="Arial"/>
+              </a:rPr>
+              <a:t>the title text </a:t>
+            </a:r>
+            <a:r>
+              <a:rPr b="0" lang="en-US" sz="1800" spc="-1" strike="noStrike">
+                <a:latin typeface="Arial"/>
+              </a:rPr>
+              <a:t>format</a:t>
             </a:r>
             <a:endParaRPr b="0" lang="en-US" sz="1800" spc="-1" strike="noStrike">
               <a:latin typeface="Arial"/>
@@ -7217,7 +8598,7 @@
         <p:spPr>
           <a:xfrm>
             <a:off x="540000" y="1440000"/>
-            <a:ext cx="8999640" cy="1673640"/>
+            <a:ext cx="8999280" cy="1673640"/>
           </a:xfrm>
           <a:prstGeom prst="rect">
             <a:avLst/>
@@ -7396,7 +8777,7 @@
         <p:spPr>
           <a:xfrm>
             <a:off x="540000" y="3273480"/>
-            <a:ext cx="8999640" cy="1673640"/>
+            <a:ext cx="8999280" cy="1673640"/>
           </a:xfrm>
           <a:prstGeom prst="rect">
             <a:avLst/>
@@ -7608,7 +8989,7 @@
         <p:spPr>
           <a:xfrm flipV="1">
             <a:off x="0" y="-720"/>
-            <a:ext cx="10079640" cy="179640"/>
+            <a:ext cx="10079280" cy="179280"/>
           </a:xfrm>
           <a:prstGeom prst="rect">
             <a:avLst/>
@@ -7646,7 +9027,7 @@
         <p:spPr>
           <a:xfrm>
             <a:off x="0" y="5580000"/>
-            <a:ext cx="10079640" cy="89640"/>
+            <a:ext cx="10079280" cy="89280"/>
           </a:xfrm>
           <a:prstGeom prst="rect">
             <a:avLst/>
@@ -7704,7 +9085,43 @@
               <a:rPr b="0" lang="en-US" sz="4400" spc="-1" strike="noStrike">
                 <a:latin typeface="Arial"/>
               </a:rPr>
-              <a:t>Click to edit the title text format</a:t>
+              <a:t>Click </a:t>
+            </a:r>
+            <a:r>
+              <a:rPr b="0" lang="en-US" sz="4400" spc="-1" strike="noStrike">
+                <a:latin typeface="Arial"/>
+              </a:rPr>
+              <a:t>to edit </a:t>
+            </a:r>
+            <a:r>
+              <a:rPr b="0" lang="en-US" sz="4400" spc="-1" strike="noStrike">
+                <a:latin typeface="Arial"/>
+              </a:rPr>
+              <a:t>the </a:t>
+            </a:r>
+            <a:r>
+              <a:rPr b="0" lang="en-US" sz="4400" spc="-1" strike="noStrike">
+                <a:latin typeface="Arial"/>
+              </a:rPr>
+              <a:t>title </a:t>
+            </a:r>
+            <a:r>
+              <a:rPr b="0" lang="en-US" sz="4400" spc="-1" strike="noStrike">
+                <a:latin typeface="Arial"/>
+              </a:rPr>
+              <a:t>text </a:t>
+            </a:r>
+            <a:r>
+              <a:rPr b="0" lang="en-US" sz="4400" spc="-1" strike="noStrike">
+                <a:latin typeface="Arial"/>
+              </a:rPr>
+              <a:t>forma</a:t>
+            </a:r>
+            <a:r>
+              <a:rPr b="0" lang="en-US" sz="4400" spc="-1" strike="noStrike">
+                <a:latin typeface="Arial"/>
+              </a:rPr>
+              <a:t>t</a:t>
             </a:r>
             <a:endParaRPr b="0" lang="en-US" sz="4400" spc="-1" strike="noStrike">
               <a:latin typeface="Arial"/>
@@ -7945,7 +9362,7 @@
         <p:spPr>
           <a:xfrm flipV="1">
             <a:off x="0" y="-720"/>
-            <a:ext cx="10079640" cy="1079640"/>
+            <a:ext cx="10079280" cy="1079280"/>
           </a:xfrm>
           <a:prstGeom prst="rect">
             <a:avLst/>
@@ -7986,25 +9403,62 @@
         </p:nvSpPr>
         <p:spPr>
           <a:xfrm>
-            <a:off x="540000" y="90000"/>
-            <a:ext cx="8999640" cy="989640"/>
-          </a:xfrm>
-          <a:prstGeom prst="rect">
-            <a:avLst/>
-          </a:prstGeom>
-        </p:spPr>
-        <p:txBody>
-          <a:bodyPr lIns="0" rIns="0" tIns="0" bIns="0" anchor="b">
-            <a:normAutofit/>
-          </a:bodyPr>
-          <a:p>
+            <a:off x="504000" y="226080"/>
+            <a:ext cx="9072000" cy="946440"/>
+          </a:xfrm>
+          <a:prstGeom prst="rect">
+            <a:avLst/>
+          </a:prstGeom>
+        </p:spPr>
+        <p:txBody>
+          <a:bodyPr lIns="0" rIns="0" tIns="0" bIns="0" anchor="ctr">
+            <a:noAutofit/>
+          </a:bodyPr>
+          <a:p>
+            <a:pPr algn="ctr"/>
             <a:r>
-              <a:rPr b="0" lang="en-US" sz="1800" spc="-1" strike="noStrike">
+              <a:rPr b="0" lang="en-US" sz="4400" spc="-1" strike="noStrike">
                 <a:latin typeface="Arial"/>
               </a:rPr>
-              <a:t>Click to edit the title text format</a:t>
+              <a:t>Click </a:t>
             </a:r>
-            <a:endParaRPr b="0" lang="en-US" sz="1800" spc="-1" strike="noStrike">
+            <a:r>
+              <a:rPr b="0" lang="en-US" sz="4400" spc="-1" strike="noStrike">
+                <a:latin typeface="Arial"/>
+              </a:rPr>
+              <a:t>to edit </a:t>
+            </a:r>
+            <a:r>
+              <a:rPr b="0" lang="en-US" sz="4400" spc="-1" strike="noStrike">
+                <a:latin typeface="Arial"/>
+              </a:rPr>
+              <a:t>the </a:t>
+            </a:r>
+            <a:r>
+              <a:rPr b="0" lang="en-US" sz="4400" spc="-1" strike="noStrike">
+                <a:latin typeface="Arial"/>
+              </a:rPr>
+              <a:t>title </a:t>
+            </a:r>
+            <a:r>
+              <a:rPr b="0" lang="en-US" sz="4400" spc="-1" strike="noStrike">
+                <a:latin typeface="Arial"/>
+              </a:rPr>
+              <a:t>text </a:t>
+            </a:r>
+            <a:r>
+              <a:rPr b="0" lang="en-US" sz="4400" spc="-1" strike="noStrike">
+                <a:latin typeface="Arial"/>
+              </a:rPr>
+              <a:t>forma</a:t>
+            </a:r>
+            <a:r>
+              <a:rPr b="0" lang="en-US" sz="4400" spc="-1" strike="noStrike">
+                <a:latin typeface="Arial"/>
+              </a:rPr>
+              <a:t>t</a:t>
+            </a:r>
+            <a:endParaRPr b="0" lang="en-US" sz="4400" spc="-1" strike="noStrike">
               <a:latin typeface="Arial"/>
             </a:endParaRPr>
           </a:p>
@@ -8022,8 +9476,8 @@
         </p:nvSpPr>
         <p:spPr>
           <a:xfrm>
-            <a:off x="540000" y="1440000"/>
-            <a:ext cx="8999640" cy="3509640"/>
+            <a:off x="504000" y="1326600"/>
+            <a:ext cx="9072000" cy="3288600"/>
           </a:xfrm>
           <a:prstGeom prst="rect">
             <a:avLst/>
@@ -8046,12 +9500,12 @@
               <a:buChar char=""/>
             </a:pPr>
             <a:r>
-              <a:rPr b="0" lang="en-US" sz="1800" spc="-1" strike="noStrike">
+              <a:rPr b="0" lang="en-US" sz="3200" spc="-1" strike="noStrike">
                 <a:latin typeface="Arial"/>
               </a:rPr>
               <a:t>Click to edit the outline text format</a:t>
             </a:r>
-            <a:endParaRPr b="0" lang="en-US" sz="1800" spc="-1" strike="noStrike">
+            <a:endParaRPr b="0" lang="en-US" sz="3200" spc="-1" strike="noStrike">
               <a:latin typeface="Arial"/>
             </a:endParaRPr>
           </a:p>
@@ -8068,12 +9522,12 @@
               <a:buChar char=""/>
             </a:pPr>
             <a:r>
-              <a:rPr b="0" lang="en-US" sz="1800" spc="-1" strike="noStrike">
+              <a:rPr b="0" lang="en-US" sz="2800" spc="-1" strike="noStrike">
                 <a:latin typeface="Arial"/>
               </a:rPr>
               <a:t>Second Outline Level</a:t>
             </a:r>
-            <a:endParaRPr b="0" lang="en-US" sz="1800" spc="-1" strike="noStrike">
+            <a:endParaRPr b="0" lang="en-US" sz="2800" spc="-1" strike="noStrike">
               <a:latin typeface="Arial"/>
             </a:endParaRPr>
           </a:p>
@@ -8090,12 +9544,12 @@
               <a:buChar char=""/>
             </a:pPr>
             <a:r>
-              <a:rPr b="0" lang="en-US" sz="1800" spc="-1" strike="noStrike">
+              <a:rPr b="0" lang="en-US" sz="2400" spc="-1" strike="noStrike">
                 <a:latin typeface="Arial"/>
               </a:rPr>
               <a:t>Third Outline Level</a:t>
             </a:r>
-            <a:endParaRPr b="0" lang="en-US" sz="1800" spc="-1" strike="noStrike">
+            <a:endParaRPr b="0" lang="en-US" sz="2400" spc="-1" strike="noStrike">
               <a:latin typeface="Arial"/>
             </a:endParaRPr>
           </a:p>
@@ -8112,12 +9566,12 @@
               <a:buChar char=""/>
             </a:pPr>
             <a:r>
-              <a:rPr b="0" lang="en-US" sz="1800" spc="-1" strike="noStrike">
+              <a:rPr b="0" lang="en-US" sz="2000" spc="-1" strike="noStrike">
                 <a:latin typeface="Arial"/>
               </a:rPr>
               <a:t>Fourth Outline Level</a:t>
             </a:r>
-            <a:endParaRPr b="0" lang="en-US" sz="1800" spc="-1" strike="noStrike">
+            <a:endParaRPr b="0" lang="en-US" sz="2000" spc="-1" strike="noStrike">
               <a:latin typeface="Arial"/>
             </a:endParaRPr>
           </a:p>
@@ -8134,12 +9588,12 @@
               <a:buChar char=""/>
             </a:pPr>
             <a:r>
-              <a:rPr b="0" lang="en-US" sz="1800" spc="-1" strike="noStrike">
+              <a:rPr b="0" lang="en-US" sz="2000" spc="-1" strike="noStrike">
                 <a:latin typeface="Arial"/>
               </a:rPr>
               <a:t>Fifth Outline Level</a:t>
             </a:r>
-            <a:endParaRPr b="0" lang="en-US" sz="1800" spc="-1" strike="noStrike">
+            <a:endParaRPr b="0" lang="en-US" sz="2000" spc="-1" strike="noStrike">
               <a:latin typeface="Arial"/>
             </a:endParaRPr>
           </a:p>
@@ -8156,12 +9610,12 @@
               <a:buChar char=""/>
             </a:pPr>
             <a:r>
-              <a:rPr b="0" lang="en-US" sz="1800" spc="-1" strike="noStrike">
+              <a:rPr b="0" lang="en-US" sz="2000" spc="-1" strike="noStrike">
                 <a:latin typeface="Arial"/>
               </a:rPr>
               <a:t>Sixth Outline Level</a:t>
             </a:r>
-            <a:endParaRPr b="0" lang="en-US" sz="1800" spc="-1" strike="noStrike">
+            <a:endParaRPr b="0" lang="en-US" sz="2000" spc="-1" strike="noStrike">
               <a:latin typeface="Arial"/>
             </a:endParaRPr>
           </a:p>
@@ -8178,12 +9632,12 @@
               <a:buChar char=""/>
             </a:pPr>
             <a:r>
-              <a:rPr b="0" lang="en-US" sz="1800" spc="-1" strike="noStrike">
+              <a:rPr b="0" lang="en-US" sz="2000" spc="-1" strike="noStrike">
                 <a:latin typeface="Arial"/>
               </a:rPr>
               <a:t>Seventh Outline Level</a:t>
             </a:r>
-            <a:endParaRPr b="0" lang="en-US" sz="1800" spc="-1" strike="noStrike">
+            <a:endParaRPr b="0" lang="en-US" sz="2000" spc="-1" strike="noStrike">
               <a:latin typeface="Arial"/>
             </a:endParaRPr>
           </a:p>
@@ -8235,7 +9689,7 @@
         <p:spPr>
           <a:xfrm flipV="1">
             <a:off x="0" y="-720"/>
-            <a:ext cx="10079640" cy="179640"/>
+            <a:ext cx="10079280" cy="179280"/>
           </a:xfrm>
           <a:prstGeom prst="rect">
             <a:avLst/>
@@ -8273,7 +9727,7 @@
         <p:spPr>
           <a:xfrm>
             <a:off x="0" y="5580000"/>
-            <a:ext cx="10079640" cy="89640"/>
+            <a:ext cx="10079280" cy="89280"/>
           </a:xfrm>
           <a:prstGeom prst="rect">
             <a:avLst/>
@@ -8331,7 +9785,43 @@
               <a:rPr b="0" lang="en-US" sz="4400" spc="-1" strike="noStrike">
                 <a:latin typeface="Arial"/>
               </a:rPr>
-              <a:t>Click to edit the title text format</a:t>
+              <a:t>Click </a:t>
+            </a:r>
+            <a:r>
+              <a:rPr b="0" lang="en-US" sz="4400" spc="-1" strike="noStrike">
+                <a:latin typeface="Arial"/>
+              </a:rPr>
+              <a:t>to edit </a:t>
+            </a:r>
+            <a:r>
+              <a:rPr b="0" lang="en-US" sz="4400" spc="-1" strike="noStrike">
+                <a:latin typeface="Arial"/>
+              </a:rPr>
+              <a:t>the </a:t>
+            </a:r>
+            <a:r>
+              <a:rPr b="0" lang="en-US" sz="4400" spc="-1" strike="noStrike">
+                <a:latin typeface="Arial"/>
+              </a:rPr>
+              <a:t>title </a:t>
+            </a:r>
+            <a:r>
+              <a:rPr b="0" lang="en-US" sz="4400" spc="-1" strike="noStrike">
+                <a:latin typeface="Arial"/>
+              </a:rPr>
+              <a:t>text </a:t>
+            </a:r>
+            <a:r>
+              <a:rPr b="0" lang="en-US" sz="4400" spc="-1" strike="noStrike">
+                <a:latin typeface="Arial"/>
+              </a:rPr>
+              <a:t>forma</a:t>
+            </a:r>
+            <a:r>
+              <a:rPr b="0" lang="en-US" sz="4400" spc="-1" strike="noStrike">
+                <a:latin typeface="Arial"/>
+              </a:rPr>
+              <a:t>t</a:t>
             </a:r>
             <a:endParaRPr b="0" lang="en-US" sz="4400" spc="-1" strike="noStrike">
               <a:latin typeface="Arial"/>
@@ -8534,6 +10024,316 @@
     <p:sldLayoutId id="2147483710" r:id="rId11"/>
     <p:sldLayoutId id="2147483711" r:id="rId12"/>
     <p:sldLayoutId id="2147483712" r:id="rId13"/>
+  </p:sldLayoutIdLst>
+</p:sldMaster>
+</file>
+
+<file path=ppt/slideMasters/slideMaster6.xml><?xml version="1.0" encoding="utf-8"?>
+<p:sldMaster xmlns:a="http://schemas.openxmlformats.org/drawingml/2006/main" xmlns:p="http://schemas.openxmlformats.org/presentationml/2006/main" xmlns:r="http://schemas.openxmlformats.org/officeDocument/2006/relationships" xmlns:p14="http://schemas.microsoft.com/office/powerpoint/2010/main" xmlns:p15="http://schemas.microsoft.com/office/powerpoint/2012/main" xmlns:mc="http://schemas.openxmlformats.org/markup-compatibility/2006">
+  <p:cSld>
+    <p:bg>
+      <p:bgPr>
+        <a:blipFill rotWithShape="0">
+          <a:blip r:embed="rId2"/>
+          <a:stretch/>
+        </a:blipFill>
+      </p:bgPr>
+    </p:bg>
+    <p:spTree>
+      <p:nvGrpSpPr>
+        <p:cNvPr id="1" name=""/>
+        <p:cNvGrpSpPr/>
+        <p:nvPr/>
+      </p:nvGrpSpPr>
+      <p:grpSpPr>
+        <a:xfrm>
+          <a:off x="0" y="0"/>
+          <a:ext cx="0" cy="0"/>
+          <a:chOff x="0" y="0"/>
+          <a:chExt cx="0" cy="0"/>
+        </a:xfrm>
+      </p:grpSpPr>
+      <p:sp>
+        <p:nvSpPr>
+          <p:cNvPr id="198" name="CustomShape 1"/>
+          <p:cNvSpPr/>
+          <p:nvPr/>
+        </p:nvSpPr>
+        <p:spPr>
+          <a:xfrm flipV="1">
+            <a:off x="0" y="-720"/>
+            <a:ext cx="10079280" cy="1079280"/>
+          </a:xfrm>
+          <a:prstGeom prst="rect">
+            <a:avLst/>
+          </a:prstGeom>
+          <a:pattFill prst="lgGrid">
+            <a:fgClr>
+              <a:srgbClr val="3465a4"/>
+            </a:fgClr>
+            <a:bgClr>
+              <a:srgbClr val="009eda"/>
+            </a:bgClr>
+          </a:pattFill>
+          <a:ln w="18000">
+            <a:noFill/>
+          </a:ln>
+          <a:effectLst>
+            <a:outerShdw dir="5400000" dist="10800">
+              <a:srgbClr val="f49100"/>
+            </a:outerShdw>
+          </a:effectLst>
+        </p:spPr>
+        <p:style>
+          <a:lnRef idx="0"/>
+          <a:fillRef idx="0"/>
+          <a:effectRef idx="0"/>
+          <a:fontRef idx="minor"/>
+        </p:style>
+      </p:sp>
+      <p:sp>
+        <p:nvSpPr>
+          <p:cNvPr id="199" name="PlaceHolder 2"/>
+          <p:cNvSpPr>
+            <a:spLocks noGrp="1"/>
+          </p:cNvSpPr>
+          <p:nvPr>
+            <p:ph type="title"/>
+          </p:nvPr>
+        </p:nvSpPr>
+        <p:spPr>
+          <a:xfrm>
+            <a:off x="540000" y="90000"/>
+            <a:ext cx="8999280" cy="989280"/>
+          </a:xfrm>
+          <a:prstGeom prst="rect">
+            <a:avLst/>
+          </a:prstGeom>
+        </p:spPr>
+        <p:txBody>
+          <a:bodyPr lIns="0" rIns="0" tIns="0" bIns="0" anchor="ctr">
+            <a:noAutofit/>
+          </a:bodyPr>
+          <a:p>
+            <a:r>
+              <a:rPr b="0" lang="en-US" sz="1800" spc="-1" strike="noStrike">
+                <a:latin typeface="Arial"/>
+              </a:rPr>
+              <a:t>Click to edit </a:t>
+            </a:r>
+            <a:r>
+              <a:rPr b="0" lang="en-US" sz="1800" spc="-1" strike="noStrike">
+                <a:latin typeface="Arial"/>
+              </a:rPr>
+              <a:t>the title text </a:t>
+            </a:r>
+            <a:r>
+              <a:rPr b="0" lang="en-US" sz="1800" spc="-1" strike="noStrike">
+                <a:latin typeface="Arial"/>
+              </a:rPr>
+              <a:t>format</a:t>
+            </a:r>
+            <a:endParaRPr b="0" lang="en-US" sz="1800" spc="-1" strike="noStrike">
+              <a:latin typeface="Arial"/>
+            </a:endParaRPr>
+          </a:p>
+        </p:txBody>
+      </p:sp>
+      <p:sp>
+        <p:nvSpPr>
+          <p:cNvPr id="200" name="PlaceHolder 3"/>
+          <p:cNvSpPr>
+            <a:spLocks noGrp="1"/>
+          </p:cNvSpPr>
+          <p:nvPr>
+            <p:ph type="body"/>
+          </p:nvPr>
+        </p:nvSpPr>
+        <p:spPr>
+          <a:xfrm>
+            <a:off x="540000" y="1440000"/>
+            <a:ext cx="8999280" cy="3509280"/>
+          </a:xfrm>
+          <a:prstGeom prst="rect">
+            <a:avLst/>
+          </a:prstGeom>
+        </p:spPr>
+        <p:txBody>
+          <a:bodyPr lIns="0" rIns="0" tIns="0" bIns="0">
+            <a:normAutofit/>
+          </a:bodyPr>
+          <a:p>
+            <a:pPr marL="432000" indent="-324000">
+              <a:spcBef>
+                <a:spcPts val="1417"/>
+              </a:spcBef>
+              <a:buClr>
+                <a:srgbClr val="000000"/>
+              </a:buClr>
+              <a:buSzPct val="45000"/>
+              <a:buFont typeface="Wingdings" charset="2"/>
+              <a:buChar char=""/>
+            </a:pPr>
+            <a:r>
+              <a:rPr b="0" lang="en-US" sz="1800" spc="-1" strike="noStrike">
+                <a:latin typeface="Arial"/>
+              </a:rPr>
+              <a:t>Click to edit the outline text format</a:t>
+            </a:r>
+            <a:endParaRPr b="0" lang="en-US" sz="1800" spc="-1" strike="noStrike">
+              <a:latin typeface="Arial"/>
+            </a:endParaRPr>
+          </a:p>
+          <a:p>
+            <a:pPr lvl="1" marL="864000" indent="-324000">
+              <a:spcBef>
+                <a:spcPts val="1134"/>
+              </a:spcBef>
+              <a:buClr>
+                <a:srgbClr val="000000"/>
+              </a:buClr>
+              <a:buSzPct val="75000"/>
+              <a:buFont typeface="Symbol" charset="2"/>
+              <a:buChar char=""/>
+            </a:pPr>
+            <a:r>
+              <a:rPr b="0" lang="en-US" sz="1800" spc="-1" strike="noStrike">
+                <a:latin typeface="Arial"/>
+              </a:rPr>
+              <a:t>Second Outline Level</a:t>
+            </a:r>
+            <a:endParaRPr b="0" lang="en-US" sz="1800" spc="-1" strike="noStrike">
+              <a:latin typeface="Arial"/>
+            </a:endParaRPr>
+          </a:p>
+          <a:p>
+            <a:pPr lvl="2" marL="1296000" indent="-288000">
+              <a:spcBef>
+                <a:spcPts val="850"/>
+              </a:spcBef>
+              <a:buClr>
+                <a:srgbClr val="000000"/>
+              </a:buClr>
+              <a:buSzPct val="45000"/>
+              <a:buFont typeface="Wingdings" charset="2"/>
+              <a:buChar char=""/>
+            </a:pPr>
+            <a:r>
+              <a:rPr b="0" lang="en-US" sz="1800" spc="-1" strike="noStrike">
+                <a:latin typeface="Arial"/>
+              </a:rPr>
+              <a:t>Third Outline Level</a:t>
+            </a:r>
+            <a:endParaRPr b="0" lang="en-US" sz="1800" spc="-1" strike="noStrike">
+              <a:latin typeface="Arial"/>
+            </a:endParaRPr>
+          </a:p>
+          <a:p>
+            <a:pPr lvl="3" marL="1728000" indent="-216000">
+              <a:spcBef>
+                <a:spcPts val="567"/>
+              </a:spcBef>
+              <a:buClr>
+                <a:srgbClr val="000000"/>
+              </a:buClr>
+              <a:buSzPct val="75000"/>
+              <a:buFont typeface="Symbol" charset="2"/>
+              <a:buChar char=""/>
+            </a:pPr>
+            <a:r>
+              <a:rPr b="0" lang="en-US" sz="1800" spc="-1" strike="noStrike">
+                <a:latin typeface="Arial"/>
+              </a:rPr>
+              <a:t>Fourth Outline Level</a:t>
+            </a:r>
+            <a:endParaRPr b="0" lang="en-US" sz="1800" spc="-1" strike="noStrike">
+              <a:latin typeface="Arial"/>
+            </a:endParaRPr>
+          </a:p>
+          <a:p>
+            <a:pPr lvl="4" marL="2160000" indent="-216000">
+              <a:spcBef>
+                <a:spcPts val="283"/>
+              </a:spcBef>
+              <a:buClr>
+                <a:srgbClr val="000000"/>
+              </a:buClr>
+              <a:buSzPct val="45000"/>
+              <a:buFont typeface="Wingdings" charset="2"/>
+              <a:buChar char=""/>
+            </a:pPr>
+            <a:r>
+              <a:rPr b="0" lang="en-US" sz="1800" spc="-1" strike="noStrike">
+                <a:latin typeface="Arial"/>
+              </a:rPr>
+              <a:t>Fifth Outline Level</a:t>
+            </a:r>
+            <a:endParaRPr b="0" lang="en-US" sz="1800" spc="-1" strike="noStrike">
+              <a:latin typeface="Arial"/>
+            </a:endParaRPr>
+          </a:p>
+          <a:p>
+            <a:pPr lvl="5" marL="2592000" indent="-216000">
+              <a:spcBef>
+                <a:spcPts val="283"/>
+              </a:spcBef>
+              <a:buClr>
+                <a:srgbClr val="000000"/>
+              </a:buClr>
+              <a:buSzPct val="45000"/>
+              <a:buFont typeface="Wingdings" charset="2"/>
+              <a:buChar char=""/>
+            </a:pPr>
+            <a:r>
+              <a:rPr b="0" lang="en-US" sz="1800" spc="-1" strike="noStrike">
+                <a:latin typeface="Arial"/>
+              </a:rPr>
+              <a:t>Sixth Outline Level</a:t>
+            </a:r>
+            <a:endParaRPr b="0" lang="en-US" sz="1800" spc="-1" strike="noStrike">
+              <a:latin typeface="Arial"/>
+            </a:endParaRPr>
+          </a:p>
+          <a:p>
+            <a:pPr lvl="6" marL="3024000" indent="-216000">
+              <a:spcBef>
+                <a:spcPts val="283"/>
+              </a:spcBef>
+              <a:buClr>
+                <a:srgbClr val="000000"/>
+              </a:buClr>
+              <a:buSzPct val="45000"/>
+              <a:buFont typeface="Wingdings" charset="2"/>
+              <a:buChar char=""/>
+            </a:pPr>
+            <a:r>
+              <a:rPr b="0" lang="en-US" sz="1800" spc="-1" strike="noStrike">
+                <a:latin typeface="Arial"/>
+              </a:rPr>
+              <a:t>Seventh Outline Level</a:t>
+            </a:r>
+            <a:endParaRPr b="0" lang="en-US" sz="1800" spc="-1" strike="noStrike">
+              <a:latin typeface="Arial"/>
+            </a:endParaRPr>
+          </a:p>
+        </p:txBody>
+      </p:sp>
+    </p:spTree>
+  </p:cSld>
+  <p:clrMap bg1="lt1" bg2="lt2" tx1="dk1" tx2="dk2" accent1="accent1" accent2="accent2" accent3="accent3" accent4="accent4" accent5="accent5" accent6="accent6" hlink="hlink" folHlink="folHlink"/>
+  <p:sldLayoutIdLst>
+    <p:sldLayoutId id="2147483714" r:id="rId3"/>
+    <p:sldLayoutId id="2147483715" r:id="rId4"/>
+    <p:sldLayoutId id="2147483716" r:id="rId5"/>
+    <p:sldLayoutId id="2147483717" r:id="rId6"/>
+    <p:sldLayoutId id="2147483718" r:id="rId7"/>
+    <p:sldLayoutId id="2147483719" r:id="rId8"/>
+    <p:sldLayoutId id="2147483720" r:id="rId9"/>
+    <p:sldLayoutId id="2147483721" r:id="rId10"/>
+    <p:sldLayoutId id="2147483722" r:id="rId11"/>
+    <p:sldLayoutId id="2147483723" r:id="rId12"/>
+    <p:sldLayoutId id="2147483724" r:id="rId13"/>
+    <p:sldLayoutId id="2147483725" r:id="rId14"/>
   </p:sldLayoutIdLst>
 </p:sldMaster>
 </file>
@@ -8565,14 +10365,14 @@
       </p:grpSpPr>
       <p:sp>
         <p:nvSpPr>
-          <p:cNvPr id="198" name="CustomShape 1"/>
+          <p:cNvPr id="237" name="CustomShape 1"/>
           <p:cNvSpPr/>
           <p:nvPr/>
         </p:nvSpPr>
         <p:spPr>
           <a:xfrm>
             <a:off x="450000" y="270000"/>
-            <a:ext cx="8999640" cy="3239640"/>
+            <a:ext cx="8999280" cy="3239280"/>
           </a:xfrm>
           <a:prstGeom prst="rect">
             <a:avLst/>
@@ -8604,6 +10404,7 @@
                   <a:srgbClr val="04617b"/>
                 </a:solidFill>
                 <a:latin typeface="Source Sans Pro Light"/>
+                <a:ea typeface="DejaVu Sans"/>
               </a:rPr>
               <a:t>Анализ</a:t>
             </a:r>
@@ -8614,6 +10415,7 @@
                   <a:srgbClr val="04617b"/>
                 </a:solidFill>
                 <a:latin typeface="Source Sans Pro Light"/>
+                <a:ea typeface="DejaVu Sans"/>
               </a:rPr>
               <a:t>прибыльности</a:t>
             </a:r>
@@ -8624,6 +10426,7 @@
                   <a:srgbClr val="04617b"/>
                 </a:solidFill>
                 <a:latin typeface="Source Sans Pro Light"/>
+                <a:ea typeface="DejaVu Sans"/>
               </a:rPr>
               <a:t>авиарейсов</a:t>
             </a:r>
@@ -8634,6 +10437,7 @@
                   <a:srgbClr val="04617b"/>
                 </a:solidFill>
                 <a:latin typeface="Source Sans Pro Light"/>
+                <a:ea typeface="DejaVu Sans"/>
               </a:rPr>
               <a:t>(г. Анапа, зима 2016-2017-го годов)</a:t>
             </a:r>
@@ -8645,14 +10449,14 @@
       </p:sp>
       <p:sp>
         <p:nvSpPr>
-          <p:cNvPr id="199" name="CustomShape 2"/>
+          <p:cNvPr id="238" name="CustomShape 2"/>
           <p:cNvSpPr/>
           <p:nvPr/>
         </p:nvSpPr>
         <p:spPr>
           <a:xfrm>
             <a:off x="450000" y="3870000"/>
-            <a:ext cx="8999640" cy="1169640"/>
+            <a:ext cx="8999280" cy="1169280"/>
           </a:xfrm>
           <a:prstGeom prst="rect">
             <a:avLst/>
@@ -8684,6 +10488,7 @@
                   <a:srgbClr val="dbf5f9"/>
                 </a:solidFill>
                 <a:latin typeface="Source Sans Pro"/>
+                <a:ea typeface="DejaVu Sans"/>
               </a:rPr>
               <a:t>Власов Д. В. (группа dst-26)</a:t>
             </a:r>
@@ -8725,13 +10530,13 @@
       </p:grpSpPr>
       <p:graphicFrame>
         <p:nvGraphicFramePr>
-          <p:cNvPr id="216" name="Table 1"/>
+          <p:cNvPr id="255" name="Table 1"/>
           <p:cNvGraphicFramePr/>
           <p:nvPr/>
         </p:nvGraphicFramePr>
         <p:xfrm>
           <a:off x="210960" y="252360"/>
-          <a:ext cx="9644400" cy="4359240"/>
+          <a:ext cx="9644400" cy="4233960"/>
         </p:xfrm>
         <a:graphic>
           <a:graphicData uri="http://schemas.openxmlformats.org/drawingml/2006/table">
@@ -8744,7 +10549,7 @@
               <a:tr h="262440">
                 <a:tc>
                   <a:txBody>
-                    <a:bodyPr lIns="90000" rIns="90000" tIns="46800" bIns="46800">
+                    <a:bodyPr lIns="90000" rIns="90000">
                       <a:noAutofit/>
                     </a:bodyPr>
                     <a:p>
@@ -8795,7 +10600,7 @@
                 </a:tc>
                 <a:tc>
                   <a:txBody>
-                    <a:bodyPr lIns="90000" rIns="90000" tIns="46800" bIns="46800">
+                    <a:bodyPr lIns="90000" rIns="90000">
                       <a:noAutofit/>
                     </a:bodyPr>
                     <a:p>
@@ -8848,7 +10653,7 @@
               <a:tr h="233640">
                 <a:tc>
                   <a:txBody>
-                    <a:bodyPr lIns="90000" rIns="90000" tIns="46800" bIns="46800">
+                    <a:bodyPr lIns="90000" rIns="90000">
                       <a:noAutofit/>
                     </a:bodyPr>
                     <a:p>
@@ -8896,7 +10701,7 @@
                 </a:tc>
                 <a:tc>
                   <a:txBody>
-                    <a:bodyPr lIns="90000" rIns="90000" tIns="46800" bIns="46800">
+                    <a:bodyPr lIns="90000" rIns="90000">
                       <a:noAutofit/>
                     </a:bodyPr>
                     <a:p>
@@ -8909,25 +10714,7 @@
                         <a:rPr b="0" lang="de-AT" sz="1000" spc="-1" strike="noStrike">
                           <a:latin typeface="Arial"/>
                         </a:rPr>
-                        <a:t>Уникальный </a:t>
-                      </a:r>
-                      <a:r>
-                        <a:rPr b="0" lang="de-AT" sz="1000" spc="-1" strike="noStrike">
-                          <a:latin typeface="Arial"/>
-                        </a:rPr>
-                        <a:t>идентификатор рейса, </a:t>
-                      </a:r>
-                      <a:r>
-                        <a:rPr b="0" lang="de-AT" sz="1000" spc="-1" strike="noStrike">
-                          <a:latin typeface="Arial"/>
-                        </a:rPr>
-                        <a:t>прибыльность которого </a:t>
-                      </a:r>
-                      <a:r>
-                        <a:rPr b="0" lang="de-AT" sz="1000" spc="-1" strike="noStrike">
-                          <a:latin typeface="Arial"/>
-                        </a:rPr>
-                        <a:t>надо оценить.</a:t>
+                        <a:t>Уникальный идентификатор рейса, прибыльность которого надо оценить.</a:t>
                       </a:r>
                       <a:endParaRPr b="0" lang="en-US" sz="1000" spc="-1" strike="noStrike">
                         <a:latin typeface="Arial"/>
@@ -8964,7 +10751,7 @@
               <a:tr h="233640">
                 <a:tc>
                   <a:txBody>
-                    <a:bodyPr lIns="90000" rIns="90000" tIns="46800" bIns="46800">
+                    <a:bodyPr lIns="90000" rIns="90000">
                       <a:noAutofit/>
                     </a:bodyPr>
                     <a:p>
@@ -9012,7 +10799,7 @@
                 </a:tc>
                 <a:tc>
                   <a:txBody>
-                    <a:bodyPr lIns="90000" rIns="90000" tIns="46800" bIns="46800">
+                    <a:bodyPr lIns="90000" rIns="90000">
                       <a:noAutofit/>
                     </a:bodyPr>
                     <a:p>
@@ -9025,13 +10812,7 @@
                         <a:rPr b="0" lang="de-AT" sz="1000" spc="-1" strike="noStrike">
                           <a:latin typeface="Arial"/>
                         </a:rPr>
-                        <a:t>Аэропорт вылета (код </a:t>
-                      </a:r>
-                      <a:r>
-                        <a:rPr b="0" lang="de-AT" sz="1000" spc="-1" strike="noStrike">
-                          <a:latin typeface="Arial"/>
-                        </a:rPr>
-                        <a:t>AAQ – Анапа).</a:t>
+                        <a:t>Аэропорт вылета (код AAQ – Анапа).</a:t>
                       </a:r>
                       <a:endParaRPr b="0" lang="en-US" sz="1000" spc="-1" strike="noStrike">
                         <a:latin typeface="Arial"/>
@@ -9068,7 +10849,7 @@
               <a:tr h="233640">
                 <a:tc>
                   <a:txBody>
-                    <a:bodyPr lIns="90000" rIns="90000" tIns="46800" bIns="46800">
+                    <a:bodyPr lIns="90000" rIns="90000">
                       <a:noAutofit/>
                     </a:bodyPr>
                     <a:p>
@@ -9116,7 +10897,7 @@
                 </a:tc>
                 <a:tc>
                   <a:txBody>
-                    <a:bodyPr lIns="90000" rIns="90000" tIns="46800" bIns="46800">
+                    <a:bodyPr lIns="90000" rIns="90000">
                       <a:noAutofit/>
                     </a:bodyPr>
                     <a:p>
@@ -9166,10 +10947,15 @@
               <a:tr h="233640">
                 <a:tc>
                   <a:txBody>
-                    <a:bodyPr lIns="90000" rIns="90000" tIns="46800" bIns="46800">
+                    <a:bodyPr lIns="90000" rIns="90000">
                       <a:noAutofit/>
                     </a:bodyPr>
                     <a:p>
+                      <a:pPr>
+                        <a:lnSpc>
+                          <a:spcPct val="100000"/>
+                        </a:lnSpc>
+                      </a:pPr>
                       <a:r>
                         <a:rPr b="0" lang="en-US" sz="1000" spc="-1" strike="noStrike">
                           <a:latin typeface="Arial"/>
@@ -9209,45 +10995,20 @@
                 </a:tc>
                 <a:tc>
                   <a:txBody>
-                    <a:bodyPr lIns="90000" rIns="90000" tIns="46800" bIns="46800">
+                    <a:bodyPr lIns="90000" rIns="90000">
                       <a:noAutofit/>
                     </a:bodyPr>
                     <a:p>
+                      <a:pPr>
+                        <a:lnSpc>
+                          <a:spcPct val="100000"/>
+                        </a:lnSpc>
+                      </a:pPr>
                       <a:r>
                         <a:rPr b="0" lang="en-US" sz="1000" spc="-1" strike="noStrike">
                           <a:latin typeface="Arial"/>
                         </a:rPr>
-                        <a:t>Порядковый номер дня </a:t>
-                      </a:r>
-                      <a:r>
-                        <a:rPr b="0" lang="en-US" sz="1000" spc="-1" strike="noStrike">
-                          <a:latin typeface="Arial"/>
-                        </a:rPr>
-                        <a:t>зимнего месяца. </a:t>
-                      </a:r>
-                      <a:r>
-                        <a:rPr b="0" lang="en-US" sz="1000" spc="-1" strike="noStrike">
-                          <a:latin typeface="Arial"/>
-                        </a:rPr>
-                        <a:t>Позволяет выстроить </a:t>
-                      </a:r>
-                      <a:r>
-                        <a:rPr b="0" lang="en-US" sz="1000" spc="-1" strike="noStrike">
-                          <a:latin typeface="Arial"/>
-                        </a:rPr>
-                        <a:t>линейную шкалувремени </a:t>
-                      </a:r>
-                      <a:r>
-                        <a:rPr b="0" lang="en-US" sz="1000" spc="-1" strike="noStrike">
-                          <a:latin typeface="Arial"/>
-                        </a:rPr>
-                        <a:t>по всем дням зимы 2016-</a:t>
-                      </a:r>
-                      <a:r>
-                        <a:rPr b="0" lang="en-US" sz="1000" spc="-1" strike="noStrike">
-                          <a:latin typeface="Arial"/>
-                        </a:rPr>
-                        <a:t>2017 годов</a:t>
+                        <a:t>Порядковый номер дня зимнего месяца. Позволяет выстроить линейную шкалувремени по всем дням зимы 2016-2017 годов</a:t>
                       </a:r>
                       <a:endParaRPr b="0" lang="en-US" sz="1000" spc="-1" strike="noStrike">
                         <a:latin typeface="Arial"/>
@@ -9284,10 +11045,15 @@
               <a:tr h="233640">
                 <a:tc>
                   <a:txBody>
-                    <a:bodyPr lIns="90000" rIns="90000" tIns="46800" bIns="46800">
+                    <a:bodyPr lIns="90000" rIns="90000">
                       <a:noAutofit/>
                     </a:bodyPr>
                     <a:p>
+                      <a:pPr>
+                        <a:lnSpc>
+                          <a:spcPct val="100000"/>
+                        </a:lnSpc>
+                      </a:pPr>
                       <a:r>
                         <a:rPr b="0" lang="en-US" sz="1000" spc="-1" strike="noStrike">
                           <a:latin typeface="Arial"/>
@@ -9327,27 +11093,20 @@
                 </a:tc>
                 <a:tc>
                   <a:txBody>
-                    <a:bodyPr lIns="90000" rIns="90000" tIns="46800" bIns="46800">
+                    <a:bodyPr lIns="90000" rIns="90000">
                       <a:noAutofit/>
                     </a:bodyPr>
                     <a:p>
+                      <a:pPr>
+                        <a:lnSpc>
+                          <a:spcPct val="100000"/>
+                        </a:lnSpc>
+                      </a:pPr>
                       <a:r>
                         <a:rPr b="0" lang="en-US" sz="1000" spc="-1" strike="noStrike">
                           <a:latin typeface="Arial"/>
                         </a:rPr>
-                        <a:t>Порядковый номер </a:t>
-                      </a:r>
-                      <a:r>
-                        <a:rPr b="0" lang="en-US" sz="1000" spc="-1" strike="noStrike">
-                          <a:latin typeface="Arial"/>
-                        </a:rPr>
-                        <a:t>зимнего месяца: “01-Dec”, </a:t>
-                      </a:r>
-                      <a:r>
-                        <a:rPr b="0" lang="en-US" sz="1000" spc="-1" strike="noStrike">
-                          <a:latin typeface="Arial"/>
-                        </a:rPr>
-                        <a:t>“02-Jab”, “03-Feb”.</a:t>
+                        <a:t>Порядковый номер зимнего месяца: “01-Dec”, “02-Jab”, “03-Feb”.</a:t>
                       </a:r>
                       <a:endParaRPr b="0" lang="en-US" sz="1000" spc="-1" strike="noStrike">
                         <a:latin typeface="Arial"/>
@@ -9384,7 +11143,7 @@
               <a:tr h="233640">
                 <a:tc>
                   <a:txBody>
-                    <a:bodyPr lIns="90000" rIns="90000" tIns="46800" bIns="46800">
+                    <a:bodyPr lIns="90000" rIns="90000">
                       <a:noAutofit/>
                     </a:bodyPr>
                     <a:p>
@@ -9432,7 +11191,7 @@
                 </a:tc>
                 <a:tc>
                   <a:txBody>
-                    <a:bodyPr lIns="90000" rIns="90000" tIns="46800" bIns="46800">
+                    <a:bodyPr lIns="90000" rIns="90000">
                       <a:noAutofit/>
                     </a:bodyPr>
                     <a:p>
@@ -9445,25 +11204,7 @@
                         <a:rPr b="0" lang="de-AT" sz="1000" spc="-1" strike="noStrike">
                           <a:latin typeface="Arial"/>
                         </a:rPr>
-                        <a:t>Фактическое время </a:t>
-                      </a:r>
-                      <a:r>
-                        <a:rPr b="0" lang="de-AT" sz="1000" spc="-1" strike="noStrike">
-                          <a:latin typeface="Arial"/>
-                        </a:rPr>
-                        <a:t>вылета для оценки </a:t>
-                      </a:r>
-                      <a:r>
-                        <a:rPr b="0" lang="de-AT" sz="1000" spc="-1" strike="noStrike">
-                          <a:latin typeface="Arial"/>
-                        </a:rPr>
-                        <a:t>продолжительности </a:t>
-                      </a:r>
-                      <a:r>
-                        <a:rPr b="0" lang="de-AT" sz="1000" spc="-1" strike="noStrike">
-                          <a:latin typeface="Arial"/>
-                        </a:rPr>
-                        <a:t>полёта.</a:t>
+                        <a:t>Фактическое время вылета для оценки продолжительности полёта.</a:t>
                       </a:r>
                       <a:endParaRPr b="0" lang="en-US" sz="1000" spc="-1" strike="noStrike">
                         <a:latin typeface="Arial"/>
@@ -9500,7 +11241,7 @@
               <a:tr h="233640">
                 <a:tc>
                   <a:txBody>
-                    <a:bodyPr lIns="90000" rIns="90000" tIns="46800" bIns="46800">
+                    <a:bodyPr lIns="90000" rIns="90000">
                       <a:noAutofit/>
                     </a:bodyPr>
                     <a:p>
@@ -9548,7 +11289,7 @@
                 </a:tc>
                 <a:tc>
                   <a:txBody>
-                    <a:bodyPr lIns="90000" rIns="90000" tIns="46800" bIns="46800">
+                    <a:bodyPr lIns="90000" rIns="90000">
                       <a:noAutofit/>
                     </a:bodyPr>
                     <a:p>
@@ -9561,25 +11302,7 @@
                         <a:rPr b="0" lang="de-AT" sz="1000" spc="-1" strike="noStrike">
                           <a:latin typeface="Arial"/>
                         </a:rPr>
-                        <a:t>Фактическое время </a:t>
-                      </a:r>
-                      <a:r>
-                        <a:rPr b="0" lang="de-AT" sz="1000" spc="-1" strike="noStrike">
-                          <a:latin typeface="Arial"/>
-                        </a:rPr>
-                        <a:t>прибытия для оценки </a:t>
-                      </a:r>
-                      <a:r>
-                        <a:rPr b="0" lang="de-AT" sz="1000" spc="-1" strike="noStrike">
-                          <a:latin typeface="Arial"/>
-                        </a:rPr>
-                        <a:t>продолжительности </a:t>
-                      </a:r>
-                      <a:r>
-                        <a:rPr b="0" lang="de-AT" sz="1000" spc="-1" strike="noStrike">
-                          <a:latin typeface="Arial"/>
-                        </a:rPr>
-                        <a:t>полёта.</a:t>
+                        <a:t>Фактическое время прибытия для оценки продолжительности полёта.</a:t>
                       </a:r>
                       <a:endParaRPr b="0" lang="en-US" sz="1000" spc="-1" strike="noStrike">
                         <a:latin typeface="Arial"/>
@@ -9616,7 +11339,7 @@
               <a:tr h="233640">
                 <a:tc>
                   <a:txBody>
-                    <a:bodyPr lIns="90000" rIns="90000" tIns="46800" bIns="46800">
+                    <a:bodyPr lIns="90000" rIns="90000">
                       <a:noAutofit/>
                     </a:bodyPr>
                     <a:p>
@@ -9664,7 +11387,7 @@
                 </a:tc>
                 <a:tc>
                   <a:txBody>
-                    <a:bodyPr lIns="90000" rIns="90000" tIns="46800" bIns="46800">
+                    <a:bodyPr lIns="90000" rIns="90000">
                       <a:noAutofit/>
                     </a:bodyPr>
                     <a:p>
@@ -9677,31 +11400,7 @@
                         <a:rPr b="0" lang="de-AT" sz="1000" spc="-1" strike="noStrike">
                           <a:latin typeface="Arial"/>
                         </a:rPr>
-                        <a:t>Задержка отправления в </a:t>
-                      </a:r>
-                      <a:r>
-                        <a:rPr b="0" lang="de-AT" sz="1000" spc="-1" strike="noStrike">
-                          <a:latin typeface="Arial"/>
-                        </a:rPr>
-                        <a:t>минутах для возможной </a:t>
-                      </a:r>
-                      <a:r>
-                        <a:rPr b="0" lang="de-AT" sz="1000" spc="-1" strike="noStrike">
-                          <a:latin typeface="Arial"/>
-                        </a:rPr>
-                        <a:t>оценки дополнительных </a:t>
-                      </a:r>
-                      <a:r>
-                        <a:rPr b="0" lang="de-AT" sz="1000" spc="-1" strike="noStrike">
-                          <a:latin typeface="Arial"/>
-                        </a:rPr>
-                        <a:t>издержек в аэропорту </a:t>
-                      </a:r>
-                      <a:r>
-                        <a:rPr b="0" lang="de-AT" sz="1000" spc="-1" strike="noStrike">
-                          <a:latin typeface="Arial"/>
-                        </a:rPr>
-                        <a:t>Анапы.</a:t>
+                        <a:t>Задержка отправления в минутах для возможной оценки дополнительных издержек в аэропорту Анапы.</a:t>
                       </a:r>
                       <a:endParaRPr b="0" lang="en-US" sz="1000" spc="-1" strike="noStrike">
                         <a:latin typeface="Arial"/>
@@ -9738,7 +11437,7 @@
               <a:tr h="233640">
                 <a:tc>
                   <a:txBody>
-                    <a:bodyPr lIns="90000" rIns="90000" tIns="46800" bIns="46800">
+                    <a:bodyPr lIns="90000" rIns="90000">
                       <a:noAutofit/>
                     </a:bodyPr>
                     <a:p>
@@ -9786,7 +11485,7 @@
                 </a:tc>
                 <a:tc>
                   <a:txBody>
-                    <a:bodyPr lIns="90000" rIns="90000" tIns="46800" bIns="46800">
+                    <a:bodyPr lIns="90000" rIns="90000">
                       <a:noAutofit/>
                     </a:bodyPr>
                     <a:p>
@@ -9799,31 +11498,7 @@
                         <a:rPr b="0" lang="de-AT" sz="1000" spc="-1" strike="noStrike">
                           <a:latin typeface="Arial"/>
                         </a:rPr>
-                        <a:t>Задержка прибытия в </a:t>
-                      </a:r>
-                      <a:r>
-                        <a:rPr b="0" lang="de-AT" sz="1000" spc="-1" strike="noStrike">
-                          <a:latin typeface="Arial"/>
-                        </a:rPr>
-                        <a:t>минутах для возможной </a:t>
-                      </a:r>
-                      <a:r>
-                        <a:rPr b="0" lang="de-AT" sz="1000" spc="-1" strike="noStrike">
-                          <a:latin typeface="Arial"/>
-                        </a:rPr>
-                        <a:t>оценки дополнительных </a:t>
-                      </a:r>
-                      <a:r>
-                        <a:rPr b="0" lang="de-AT" sz="1000" spc="-1" strike="noStrike">
-                          <a:latin typeface="Arial"/>
-                        </a:rPr>
-                        <a:t>издержек для </a:t>
-                      </a:r>
-                      <a:r>
-                        <a:rPr b="0" lang="de-AT" sz="1000" spc="-1" strike="noStrike">
-                          <a:latin typeface="Arial"/>
-                        </a:rPr>
-                        <a:t>принимающего аэропорта.</a:t>
+                        <a:t>Задержка прибытия в минутах для возможной оценки дополнительных издержек для принимающего аэропорта.</a:t>
                       </a:r>
                       <a:endParaRPr b="0" lang="en-US" sz="1000" spc="-1" strike="noStrike">
                         <a:latin typeface="Arial"/>
@@ -9860,7 +11535,7 @@
               <a:tr h="233640">
                 <a:tc>
                   <a:txBody>
-                    <a:bodyPr lIns="90000" rIns="90000" tIns="46800" bIns="46800">
+                    <a:bodyPr lIns="90000" rIns="90000">
                       <a:noAutofit/>
                     </a:bodyPr>
                     <a:p>
@@ -9908,7 +11583,7 @@
                 </a:tc>
                 <a:tc>
                   <a:txBody>
-                    <a:bodyPr lIns="90000" rIns="90000" tIns="46800" bIns="46800">
+                    <a:bodyPr lIns="90000" rIns="90000">
                       <a:noAutofit/>
                     </a:bodyPr>
                     <a:p>
@@ -9921,19 +11596,7 @@
                         <a:rPr b="0" lang="de-AT" sz="1000" spc="-1" strike="noStrike">
                           <a:latin typeface="Arial"/>
                         </a:rPr>
-                        <a:t>Общее число купленных </a:t>
-                      </a:r>
-                      <a:r>
-                        <a:rPr b="0" lang="de-AT" sz="1000" spc="-1" strike="noStrike">
-                          <a:latin typeface="Arial"/>
-                        </a:rPr>
-                        <a:t>билетов на данный </a:t>
-                      </a:r>
-                      <a:r>
-                        <a:rPr b="0" lang="de-AT" sz="1000" spc="-1" strike="noStrike">
-                          <a:latin typeface="Arial"/>
-                        </a:rPr>
-                        <a:t>перелёт.</a:t>
+                        <a:t>Общее число купленных билетов на данный перелёт.</a:t>
                       </a:r>
                       <a:endParaRPr b="0" lang="en-US" sz="1000" spc="-1" strike="noStrike">
                         <a:latin typeface="Arial"/>
@@ -9970,7 +11633,7 @@
               <a:tr h="233640">
                 <a:tc>
                   <a:txBody>
-                    <a:bodyPr lIns="90000" rIns="90000" tIns="46800" bIns="46800">
+                    <a:bodyPr lIns="90000" rIns="90000">
                       <a:noAutofit/>
                     </a:bodyPr>
                     <a:p>
@@ -10018,7 +11681,7 @@
                 </a:tc>
                 <a:tc>
                   <a:txBody>
-                    <a:bodyPr lIns="90000" rIns="90000" tIns="46800" bIns="46800">
+                    <a:bodyPr lIns="90000" rIns="90000">
                       <a:noAutofit/>
                     </a:bodyPr>
                     <a:p>
@@ -10031,31 +11694,7 @@
                         <a:rPr b="0" lang="de-AT" sz="1000" spc="-1" strike="noStrike">
                           <a:latin typeface="Arial"/>
                         </a:rPr>
-                        <a:t>Общая относительная </a:t>
-                      </a:r>
-                      <a:r>
-                        <a:rPr b="0" lang="de-AT" sz="1000" spc="-1" strike="noStrike">
-                          <a:latin typeface="Arial"/>
-                        </a:rPr>
-                        <a:t>загруженность самолёта </a:t>
-                      </a:r>
-                      <a:r>
-                        <a:rPr b="0" lang="de-AT" sz="1000" spc="-1" strike="noStrike">
-                          <a:latin typeface="Arial"/>
-                        </a:rPr>
-                        <a:t>в данном перелёте по </a:t>
-                      </a:r>
-                      <a:r>
-                        <a:rPr b="0" lang="de-AT" sz="1000" spc="-1" strike="noStrike">
-                          <a:latin typeface="Arial"/>
-                        </a:rPr>
-                        <a:t>фактически проданным </a:t>
-                      </a:r>
-                      <a:r>
-                        <a:rPr b="0" lang="de-AT" sz="1000" spc="-1" strike="noStrike">
-                          <a:latin typeface="Arial"/>
-                        </a:rPr>
-                        <a:t>билетам.</a:t>
+                        <a:t>Общая относительная загруженность самолёта в данном перелёте по фактически проданным билетам.</a:t>
                       </a:r>
                       <a:endParaRPr b="0" lang="en-US" sz="1000" spc="-1" strike="noStrike">
                         <a:latin typeface="Arial"/>
@@ -10092,7 +11731,7 @@
               <a:tr h="233640">
                 <a:tc>
                   <a:txBody>
-                    <a:bodyPr lIns="90000" rIns="90000" tIns="46800" bIns="46800">
+                    <a:bodyPr lIns="90000" rIns="90000">
                       <a:noAutofit/>
                     </a:bodyPr>
                     <a:p>
@@ -10140,7 +11779,7 @@
                 </a:tc>
                 <a:tc>
                   <a:txBody>
-                    <a:bodyPr lIns="90000" rIns="90000" tIns="46800" bIns="46800">
+                    <a:bodyPr lIns="90000" rIns="90000">
                       <a:noAutofit/>
                     </a:bodyPr>
                     <a:p>
@@ -10153,19 +11792,7 @@
                         <a:rPr b="0" lang="en-US" sz="1000" spc="-1" strike="noStrike">
                           <a:latin typeface="Arial"/>
                         </a:rPr>
-                        <a:t>Стоимость </a:t>
-                      </a:r>
-                      <a:r>
-                        <a:rPr b="0" lang="en-US" sz="1000" spc="-1" strike="noStrike">
-                          <a:latin typeface="Arial"/>
-                        </a:rPr>
-                        <a:t>израсходованного </a:t>
-                      </a:r>
-                      <a:r>
-                        <a:rPr b="0" lang="en-US" sz="1000" spc="-1" strike="noStrike">
-                          <a:latin typeface="Arial"/>
-                        </a:rPr>
-                        <a:t>топлива.</a:t>
+                        <a:t>Стоимость израсходованного топлива.</a:t>
                       </a:r>
                       <a:endParaRPr b="0" lang="en-US" sz="1000" spc="-1" strike="noStrike">
                         <a:latin typeface="Arial"/>
@@ -10202,7 +11829,7 @@
               <a:tr h="233640">
                 <a:tc>
                   <a:txBody>
-                    <a:bodyPr lIns="90000" rIns="90000" tIns="46800" bIns="46800">
+                    <a:bodyPr lIns="90000" rIns="90000">
                       <a:noAutofit/>
                     </a:bodyPr>
                     <a:p>
@@ -10250,7 +11877,7 @@
                 </a:tc>
                 <a:tc>
                   <a:txBody>
-                    <a:bodyPr lIns="90000" rIns="90000" tIns="46800" bIns="46800">
+                    <a:bodyPr lIns="90000" rIns="90000">
                       <a:noAutofit/>
                     </a:bodyPr>
                     <a:p>
@@ -10263,19 +11890,7 @@
                         <a:rPr b="0" lang="en-US" sz="1000" spc="-1" strike="noStrike">
                           <a:latin typeface="Arial"/>
                         </a:rPr>
-                        <a:t>Стоимость задержки </a:t>
-                      </a:r>
-                      <a:r>
-                        <a:rPr b="0" lang="en-US" sz="1000" spc="-1" strike="noStrike">
-                          <a:latin typeface="Arial"/>
-                        </a:rPr>
-                        <a:t>рейса за все минуты </a:t>
-                      </a:r>
-                      <a:r>
-                        <a:rPr b="0" lang="en-US" sz="1000" spc="-1" strike="noStrike">
-                          <a:latin typeface="Arial"/>
-                        </a:rPr>
-                        <a:t>суммарно.</a:t>
+                        <a:t>Стоимость задержки рейса за все минуты суммарно.</a:t>
                       </a:r>
                       <a:endParaRPr b="0" lang="en-US" sz="1000" spc="-1" strike="noStrike">
                         <a:latin typeface="Arial"/>
@@ -10312,7 +11927,7 @@
               <a:tr h="233640">
                 <a:tc>
                   <a:txBody>
-                    <a:bodyPr lIns="90000" rIns="90000" tIns="46800" bIns="46800">
+                    <a:bodyPr lIns="90000" rIns="90000">
                       <a:noAutofit/>
                     </a:bodyPr>
                     <a:p>
@@ -10360,7 +11975,7 @@
                 </a:tc>
                 <a:tc>
                   <a:txBody>
-                    <a:bodyPr lIns="90000" rIns="90000" tIns="46800" bIns="46800">
+                    <a:bodyPr lIns="90000" rIns="90000">
                       <a:noAutofit/>
                     </a:bodyPr>
                     <a:p>
@@ -10373,13 +11988,7 @@
                         <a:rPr b="0" lang="en-US" sz="1000" spc="-1" strike="noStrike">
                           <a:latin typeface="Arial"/>
                         </a:rPr>
-                        <a:t>Суммарные затраты за </a:t>
-                      </a:r>
-                      <a:r>
-                        <a:rPr b="0" lang="en-US" sz="1000" spc="-1" strike="noStrike">
-                          <a:latin typeface="Arial"/>
-                        </a:rPr>
-                        <a:t>полёт.</a:t>
+                        <a:t>Суммарные затраты за полёт.</a:t>
                       </a:r>
                       <a:endParaRPr b="0" lang="en-US" sz="1000" spc="-1" strike="noStrike">
                         <a:latin typeface="Arial"/>
@@ -10416,7 +12025,7 @@
               <a:tr h="233640">
                 <a:tc>
                   <a:txBody>
-                    <a:bodyPr lIns="90000" rIns="90000" tIns="46800" bIns="46800">
+                    <a:bodyPr lIns="90000" rIns="90000">
                       <a:noAutofit/>
                     </a:bodyPr>
                     <a:p>
@@ -10464,7 +12073,7 @@
                 </a:tc>
                 <a:tc>
                   <a:txBody>
-                    <a:bodyPr lIns="90000" rIns="90000" tIns="46800" bIns="46800">
+                    <a:bodyPr lIns="90000" rIns="90000">
                       <a:noAutofit/>
                     </a:bodyPr>
                     <a:p>
@@ -10477,13 +12086,7 @@
                         <a:rPr b="0" lang="en-US" sz="1000" spc="-1" strike="noStrike">
                           <a:latin typeface="Arial"/>
                         </a:rPr>
-                        <a:t>Суммарная прибыль за </a:t>
-                      </a:r>
-                      <a:r>
-                        <a:rPr b="0" lang="en-US" sz="1000" spc="-1" strike="noStrike">
-                          <a:latin typeface="Arial"/>
-                        </a:rPr>
-                        <a:t>полёт.</a:t>
+                        <a:t>Суммарная прибыль за полёт.</a:t>
                       </a:r>
                       <a:endParaRPr b="0" lang="en-US" sz="1000" spc="-1" strike="noStrike">
                         <a:latin typeface="Arial"/>
@@ -10520,7 +12123,7 @@
               <a:tr h="233640">
                 <a:tc>
                   <a:txBody>
-                    <a:bodyPr lIns="90000" rIns="90000" tIns="46800" bIns="46800">
+                    <a:bodyPr lIns="90000" rIns="90000">
                       <a:noAutofit/>
                     </a:bodyPr>
                     <a:p>
@@ -10568,7 +12171,7 @@
                 </a:tc>
                 <a:tc>
                   <a:txBody>
-                    <a:bodyPr lIns="90000" rIns="90000" tIns="46800" bIns="46800">
+                    <a:bodyPr lIns="90000" rIns="90000">
                       <a:noAutofit/>
                     </a:bodyPr>
                     <a:p>
@@ -10618,7 +12221,7 @@
               <a:tr h="233640">
                 <a:tc>
                   <a:txBody>
-                    <a:bodyPr lIns="90000" rIns="90000" tIns="46800" bIns="46800">
+                    <a:bodyPr lIns="90000" rIns="90000">
                       <a:noAutofit/>
                     </a:bodyPr>
                     <a:p>
@@ -10666,7 +12269,7 @@
                 </a:tc>
                 <a:tc>
                   <a:txBody>
-                    <a:bodyPr lIns="90000" rIns="90000" tIns="46800" bIns="46800">
+                    <a:bodyPr lIns="90000" rIns="90000">
                       <a:noAutofit/>
                     </a:bodyPr>
                     <a:p>
@@ -10679,13 +12282,7 @@
                         <a:rPr b="0" lang="en-US" sz="1000" spc="-1" strike="noStrike">
                           <a:latin typeface="Arial"/>
                         </a:rPr>
-                        <a:t>Название модели </a:t>
-                      </a:r>
-                      <a:r>
-                        <a:rPr b="0" lang="en-US" sz="1000" spc="-1" strike="noStrike">
-                          <a:latin typeface="Arial"/>
-                        </a:rPr>
-                        <a:t>самолёта.</a:t>
+                        <a:t>Название модели самолёта.</a:t>
                       </a:r>
                       <a:endParaRPr b="0" lang="en-US" sz="1000" spc="-1" strike="noStrike">
                         <a:latin typeface="Arial"/>
@@ -10755,14 +12352,14 @@
       </p:grpSpPr>
       <p:sp>
         <p:nvSpPr>
-          <p:cNvPr id="217" name="TextShape 1"/>
-          <p:cNvSpPr txBox="1"/>
+          <p:cNvPr id="256" name="CustomShape 1"/>
+          <p:cNvSpPr/>
           <p:nvPr/>
         </p:nvSpPr>
         <p:spPr>
           <a:xfrm>
             <a:off x="540000" y="-40320"/>
-            <a:ext cx="8999640" cy="1250280"/>
+            <a:ext cx="8999280" cy="1249920"/>
           </a:xfrm>
           <a:prstGeom prst="rect">
             <a:avLst/>
@@ -10772,12 +12369,22 @@
             <a:noFill/>
           </a:ln>
         </p:spPr>
+        <p:style>
+          <a:lnRef idx="0"/>
+          <a:fillRef idx="0"/>
+          <a:effectRef idx="0"/>
+          <a:fontRef idx="minor"/>
+        </p:style>
         <p:txBody>
           <a:bodyPr lIns="0" rIns="0" tIns="0" bIns="0" anchor="ctr">
             <a:noAutofit/>
           </a:bodyPr>
           <a:p>
-            <a:pPr algn="ctr"/>
+            <a:pPr algn="ctr">
+              <a:lnSpc>
+                <a:spcPct val="100000"/>
+              </a:lnSpc>
+            </a:pPr>
             <a:r>
               <a:rPr b="0" lang="en-US" sz="4400" spc="-1" strike="noStrike">
                 <a:latin typeface="Arial"/>
@@ -10792,14 +12399,14 @@
       </p:sp>
       <p:sp>
         <p:nvSpPr>
-          <p:cNvPr id="218" name="TextShape 2"/>
-          <p:cNvSpPr txBox="1"/>
+          <p:cNvPr id="257" name="CustomShape 2"/>
+          <p:cNvSpPr/>
           <p:nvPr/>
         </p:nvSpPr>
         <p:spPr>
           <a:xfrm>
             <a:off x="540000" y="2971800"/>
-            <a:ext cx="8999640" cy="1977840"/>
+            <a:ext cx="8999280" cy="1977480"/>
           </a:xfrm>
           <a:prstGeom prst="rect">
             <a:avLst/>
@@ -10809,11 +12416,22 @@
             <a:noFill/>
           </a:ln>
         </p:spPr>
+        <p:style>
+          <a:lnRef idx="0"/>
+          <a:fillRef idx="0"/>
+          <a:effectRef idx="0"/>
+          <a:fontRef idx="minor"/>
+        </p:style>
         <p:txBody>
           <a:bodyPr lIns="0" rIns="0" tIns="0" bIns="0">
             <a:normAutofit fontScale="80000"/>
           </a:bodyPr>
           <a:p>
+            <a:pPr>
+              <a:lnSpc>
+                <a:spcPct val="100000"/>
+              </a:lnSpc>
+            </a:pPr>
             <a:r>
               <a:rPr b="0" lang="en-US" sz="3200" spc="-1" strike="noStrike">
                 <a:latin typeface="Arial"/>
@@ -10828,7 +12446,7 @@
       </p:sp>
       <p:pic>
         <p:nvPicPr>
-          <p:cNvPr id="219" name="" descr=""/>
+          <p:cNvPr id="258" name="" descr=""/>
           <p:cNvPicPr/>
           <p:nvPr/>
         </p:nvPicPr>
@@ -10839,7 +12457,7 @@
         <p:spPr>
           <a:xfrm>
             <a:off x="1371600" y="1371600"/>
-            <a:ext cx="6904080" cy="1247040"/>
+            <a:ext cx="6903720" cy="1246680"/>
           </a:xfrm>
           <a:prstGeom prst="rect">
             <a:avLst/>
@@ -10881,14 +12499,14 @@
       </p:grpSpPr>
       <p:sp>
         <p:nvSpPr>
-          <p:cNvPr id="220" name="TextShape 1"/>
-          <p:cNvSpPr txBox="1"/>
+          <p:cNvPr id="259" name="CustomShape 1"/>
+          <p:cNvSpPr/>
           <p:nvPr/>
         </p:nvSpPr>
         <p:spPr>
           <a:xfrm>
             <a:off x="540000" y="90000"/>
-            <a:ext cx="8999640" cy="989640"/>
+            <a:ext cx="8999280" cy="989280"/>
           </a:xfrm>
           <a:prstGeom prst="rect">
             <a:avLst/>
@@ -10898,12 +12516,22 @@
             <a:noFill/>
           </a:ln>
         </p:spPr>
+        <p:style>
+          <a:lnRef idx="0"/>
+          <a:fillRef idx="0"/>
+          <a:effectRef idx="0"/>
+          <a:fontRef idx="minor"/>
+        </p:style>
         <p:txBody>
           <a:bodyPr lIns="0" rIns="0" tIns="0" bIns="0" anchor="ctr">
             <a:noAutofit/>
           </a:bodyPr>
           <a:p>
-            <a:pPr algn="ctr"/>
+            <a:pPr algn="ctr">
+              <a:lnSpc>
+                <a:spcPct val="100000"/>
+              </a:lnSpc>
+            </a:pPr>
             <a:r>
               <a:rPr b="0" lang="en-US" sz="4400" spc="-1" strike="noStrike">
                 <a:latin typeface="Arial"/>
@@ -10918,14 +12546,14 @@
       </p:sp>
       <p:sp>
         <p:nvSpPr>
-          <p:cNvPr id="221" name="TextShape 2"/>
-          <p:cNvSpPr txBox="1"/>
+          <p:cNvPr id="260" name="CustomShape 2"/>
+          <p:cNvSpPr/>
           <p:nvPr/>
         </p:nvSpPr>
         <p:spPr>
           <a:xfrm>
             <a:off x="540000" y="4343400"/>
-            <a:ext cx="8999640" cy="1143000"/>
+            <a:ext cx="8999280" cy="1142640"/>
           </a:xfrm>
           <a:prstGeom prst="rect">
             <a:avLst/>
@@ -10935,11 +12563,22 @@
             <a:noFill/>
           </a:ln>
         </p:spPr>
+        <p:style>
+          <a:lnRef idx="0"/>
+          <a:fillRef idx="0"/>
+          <a:effectRef idx="0"/>
+          <a:fontRef idx="minor"/>
+        </p:style>
         <p:txBody>
           <a:bodyPr lIns="0" rIns="0" tIns="0" bIns="0">
             <a:normAutofit/>
           </a:bodyPr>
           <a:p>
+            <a:pPr>
+              <a:lnSpc>
+                <a:spcPct val="100000"/>
+              </a:lnSpc>
+            </a:pPr>
             <a:r>
               <a:rPr b="0" lang="en-US" sz="3200" spc="-1" strike="noStrike">
                 <a:latin typeface="Arial"/>
@@ -10954,7 +12593,7 @@
       </p:sp>
       <p:pic>
         <p:nvPicPr>
-          <p:cNvPr id="222" name="" descr=""/>
+          <p:cNvPr id="261" name="" descr=""/>
           <p:cNvPicPr/>
           <p:nvPr/>
         </p:nvPicPr>
@@ -10965,7 +12604,7 @@
         <p:spPr>
           <a:xfrm>
             <a:off x="725400" y="1079640"/>
-            <a:ext cx="8190000" cy="2890800"/>
+            <a:ext cx="8189640" cy="2890440"/>
           </a:xfrm>
           <a:prstGeom prst="rect">
             <a:avLst/>
@@ -11007,14 +12646,14 @@
       </p:grpSpPr>
       <p:sp>
         <p:nvSpPr>
-          <p:cNvPr id="223" name="TextShape 1"/>
-          <p:cNvSpPr txBox="1"/>
+          <p:cNvPr id="262" name="CustomShape 1"/>
+          <p:cNvSpPr/>
           <p:nvPr/>
         </p:nvSpPr>
         <p:spPr>
           <a:xfrm>
             <a:off x="540000" y="-40320"/>
-            <a:ext cx="8999640" cy="1250280"/>
+            <a:ext cx="8999280" cy="1249920"/>
           </a:xfrm>
           <a:prstGeom prst="rect">
             <a:avLst/>
@@ -11024,12 +12663,22 @@
             <a:noFill/>
           </a:ln>
         </p:spPr>
+        <p:style>
+          <a:lnRef idx="0"/>
+          <a:fillRef idx="0"/>
+          <a:effectRef idx="0"/>
+          <a:fontRef idx="minor"/>
+        </p:style>
         <p:txBody>
           <a:bodyPr lIns="0" rIns="0" tIns="0" bIns="0" anchor="ctr">
             <a:noAutofit/>
           </a:bodyPr>
           <a:p>
-            <a:pPr algn="ctr"/>
+            <a:pPr algn="ctr">
+              <a:lnSpc>
+                <a:spcPct val="100000"/>
+              </a:lnSpc>
+            </a:pPr>
             <a:r>
               <a:rPr b="0" lang="en-US" sz="4400" spc="-1" strike="noStrike">
                 <a:latin typeface="Arial"/>
@@ -11044,14 +12693,14 @@
       </p:sp>
       <p:sp>
         <p:nvSpPr>
-          <p:cNvPr id="224" name="TextShape 2"/>
-          <p:cNvSpPr txBox="1"/>
+          <p:cNvPr id="263" name="CustomShape 2"/>
+          <p:cNvSpPr/>
           <p:nvPr/>
         </p:nvSpPr>
         <p:spPr>
           <a:xfrm>
             <a:off x="457200" y="4800600"/>
-            <a:ext cx="8999640" cy="685800"/>
+            <a:ext cx="8999280" cy="685440"/>
           </a:xfrm>
           <a:prstGeom prst="rect">
             <a:avLst/>
@@ -11061,52 +12710,27 @@
             <a:noFill/>
           </a:ln>
         </p:spPr>
+        <p:style>
+          <a:lnRef idx="0"/>
+          <a:fillRef idx="0"/>
+          <a:effectRef idx="0"/>
+          <a:fontRef idx="minor"/>
+        </p:style>
         <p:txBody>
           <a:bodyPr lIns="0" rIns="0" tIns="0" bIns="0">
             <a:normAutofit fontScale="9000"/>
           </a:bodyPr>
           <a:p>
+            <a:pPr>
+              <a:lnSpc>
+                <a:spcPct val="100000"/>
+              </a:lnSpc>
+            </a:pPr>
             <a:r>
               <a:rPr b="0" lang="en-US" sz="3200" spc="-1" strike="noStrike">
                 <a:latin typeface="Arial"/>
               </a:rPr>
-              <a:t>Медианное значение относительной </a:t>
-            </a:r>
-            <a:r>
-              <a:rPr b="0" lang="en-US" sz="3200" spc="-1" strike="noStrike">
-                <a:latin typeface="Arial"/>
-              </a:rPr>
-              <a:t>загруженности рейса также ниже всего в </a:t>
-            </a:r>
-            <a:r>
-              <a:rPr b="0" lang="en-US" sz="3200" spc="-1" strike="noStrike">
-                <a:latin typeface="Arial"/>
-              </a:rPr>
-              <a:t>феврале. При этом по первой диаграмме по </a:t>
-            </a:r>
-            <a:r>
-              <a:rPr b="0" lang="en-US" sz="3200" spc="-1" strike="noStrike">
-                <a:latin typeface="Arial"/>
-              </a:rPr>
-              <a:t>отдельным моделям самолётов видно, что </a:t>
-            </a:r>
-            <a:r>
-              <a:rPr b="0" lang="en-US" sz="3200" spc="-1" strike="noStrike">
-                <a:latin typeface="Arial"/>
-              </a:rPr>
-              <a:t>снижение загруженности рейса по месяцам </a:t>
-            </a:r>
-            <a:r>
-              <a:rPr b="0" lang="en-US" sz="3200" spc="-1" strike="noStrike">
-                <a:latin typeface="Arial"/>
-              </a:rPr>
-              <a:t>спадает для самолёта Boeing 737-300, а для </a:t>
-            </a:r>
-            <a:r>
-              <a:rPr b="0" lang="en-US" sz="3200" spc="-1" strike="noStrike">
-                <a:latin typeface="Arial"/>
-              </a:rPr>
-              <a:t>SSJ-100 меняется мало.</a:t>
+              <a:t>Медианное значение относительной загруженности рейса также ниже всего в феврале. При этом по первой диаграмме по отдельным моделям самолётов видно, что снижение загруженности рейса по месяцам спадает для самолёта Boeing 737-300, а для SSJ-100 меняется мало.</a:t>
             </a:r>
             <a:endParaRPr b="0" lang="en-US" sz="3200" spc="-1" strike="noStrike">
               <a:latin typeface="Arial"/>
@@ -11116,7 +12740,7 @@
       </p:sp>
       <p:pic>
         <p:nvPicPr>
-          <p:cNvPr id="225" name="" descr=""/>
+          <p:cNvPr id="264" name="" descr=""/>
           <p:cNvPicPr/>
           <p:nvPr/>
         </p:nvPicPr>
@@ -11127,7 +12751,7 @@
         <p:spPr>
           <a:xfrm>
             <a:off x="725400" y="1400040"/>
-            <a:ext cx="8418600" cy="2959200"/>
+            <a:ext cx="8418240" cy="2958840"/>
           </a:xfrm>
           <a:prstGeom prst="rect">
             <a:avLst/>
@@ -11169,14 +12793,14 @@
       </p:grpSpPr>
       <p:sp>
         <p:nvSpPr>
-          <p:cNvPr id="226" name="TextShape 1"/>
-          <p:cNvSpPr txBox="1"/>
+          <p:cNvPr id="265" name="CustomShape 1"/>
+          <p:cNvSpPr/>
           <p:nvPr/>
         </p:nvSpPr>
         <p:spPr>
           <a:xfrm>
             <a:off x="540000" y="-40320"/>
-            <a:ext cx="8999640" cy="1250280"/>
+            <a:ext cx="8999280" cy="1249920"/>
           </a:xfrm>
           <a:prstGeom prst="rect">
             <a:avLst/>
@@ -11186,12 +12810,22 @@
             <a:noFill/>
           </a:ln>
         </p:spPr>
+        <p:style>
+          <a:lnRef idx="0"/>
+          <a:fillRef idx="0"/>
+          <a:effectRef idx="0"/>
+          <a:fontRef idx="minor"/>
+        </p:style>
         <p:txBody>
           <a:bodyPr lIns="0" rIns="0" tIns="0" bIns="0" anchor="ctr">
             <a:noAutofit/>
           </a:bodyPr>
           <a:p>
-            <a:pPr algn="ctr"/>
+            <a:pPr algn="ctr">
+              <a:lnSpc>
+                <a:spcPct val="100000"/>
+              </a:lnSpc>
+            </a:pPr>
             <a:r>
               <a:rPr b="0" lang="en-US" sz="4400" spc="-1" strike="noStrike">
                 <a:latin typeface="Arial"/>
@@ -11213,7 +12847,7 @@
       </p:sp>
       <p:pic>
         <p:nvPicPr>
-          <p:cNvPr id="227" name="" descr=""/>
+          <p:cNvPr id="266" name="" descr=""/>
           <p:cNvPicPr/>
           <p:nvPr/>
         </p:nvPicPr>
@@ -11224,7 +12858,7 @@
         <p:spPr>
           <a:xfrm>
             <a:off x="496800" y="1600200"/>
-            <a:ext cx="8875800" cy="3104640"/>
+            <a:ext cx="8875440" cy="3104280"/>
           </a:xfrm>
           <a:prstGeom prst="rect">
             <a:avLst/>
@@ -11266,14 +12900,14 @@
       </p:grpSpPr>
       <p:sp>
         <p:nvSpPr>
-          <p:cNvPr id="228" name="TextShape 1"/>
-          <p:cNvSpPr txBox="1"/>
+          <p:cNvPr id="267" name="CustomShape 1"/>
+          <p:cNvSpPr/>
           <p:nvPr/>
         </p:nvSpPr>
         <p:spPr>
           <a:xfrm>
             <a:off x="540000" y="-40320"/>
-            <a:ext cx="8999640" cy="1250280"/>
+            <a:ext cx="8999280" cy="1249920"/>
           </a:xfrm>
           <a:prstGeom prst="rect">
             <a:avLst/>
@@ -11283,12 +12917,22 @@
             <a:noFill/>
           </a:ln>
         </p:spPr>
+        <p:style>
+          <a:lnRef idx="0"/>
+          <a:fillRef idx="0"/>
+          <a:effectRef idx="0"/>
+          <a:fontRef idx="minor"/>
+        </p:style>
         <p:txBody>
           <a:bodyPr lIns="0" rIns="0" tIns="0" bIns="0" anchor="ctr">
             <a:noAutofit/>
           </a:bodyPr>
           <a:p>
-            <a:pPr algn="ctr"/>
+            <a:pPr algn="ctr">
+              <a:lnSpc>
+                <a:spcPct val="100000"/>
+              </a:lnSpc>
+            </a:pPr>
             <a:r>
               <a:rPr b="0" lang="en-US" sz="4400" spc="-1" strike="noStrike">
                 <a:latin typeface="Arial"/>
@@ -11310,7 +12954,7 @@
       </p:sp>
       <p:pic>
         <p:nvPicPr>
-          <p:cNvPr id="229" name="" descr=""/>
+          <p:cNvPr id="268" name="" descr=""/>
           <p:cNvPicPr/>
           <p:nvPr/>
         </p:nvPicPr>
@@ -11321,7 +12965,7 @@
         <p:spPr>
           <a:xfrm>
             <a:off x="685800" y="1599120"/>
-            <a:ext cx="8647200" cy="2972880"/>
+            <a:ext cx="8646840" cy="2972520"/>
           </a:xfrm>
           <a:prstGeom prst="rect">
             <a:avLst/>
@@ -11363,14 +13007,14 @@
       </p:grpSpPr>
       <p:sp>
         <p:nvSpPr>
-          <p:cNvPr id="230" name="TextShape 1"/>
-          <p:cNvSpPr txBox="1"/>
+          <p:cNvPr id="269" name="CustomShape 1"/>
+          <p:cNvSpPr/>
           <p:nvPr/>
         </p:nvSpPr>
         <p:spPr>
           <a:xfrm>
             <a:off x="540000" y="-40320"/>
-            <a:ext cx="8999640" cy="1250280"/>
+            <a:ext cx="8999280" cy="1249920"/>
           </a:xfrm>
           <a:prstGeom prst="rect">
             <a:avLst/>
@@ -11380,12 +13024,22 @@
             <a:noFill/>
           </a:ln>
         </p:spPr>
+        <p:style>
+          <a:lnRef idx="0"/>
+          <a:fillRef idx="0"/>
+          <a:effectRef idx="0"/>
+          <a:fontRef idx="minor"/>
+        </p:style>
         <p:txBody>
           <a:bodyPr lIns="0" rIns="0" tIns="0" bIns="0" anchor="ctr">
             <a:noAutofit/>
           </a:bodyPr>
           <a:p>
-            <a:pPr algn="ctr"/>
+            <a:pPr algn="ctr">
+              <a:lnSpc>
+                <a:spcPct val="100000"/>
+              </a:lnSpc>
+            </a:pPr>
             <a:r>
               <a:rPr b="0" lang="en-US" sz="4400" spc="-1" strike="noStrike">
                 <a:latin typeface="Arial"/>
@@ -11407,14 +13061,14 @@
       </p:sp>
       <p:sp>
         <p:nvSpPr>
-          <p:cNvPr id="231" name="TextShape 2"/>
-          <p:cNvSpPr txBox="1"/>
+          <p:cNvPr id="270" name="CustomShape 2"/>
+          <p:cNvSpPr/>
           <p:nvPr/>
         </p:nvSpPr>
         <p:spPr>
           <a:xfrm>
             <a:off x="540000" y="4955400"/>
-            <a:ext cx="8999640" cy="606240"/>
+            <a:ext cx="8999280" cy="605880"/>
           </a:xfrm>
           <a:prstGeom prst="rect">
             <a:avLst/>
@@ -11424,11 +13078,22 @@
             <a:noFill/>
           </a:ln>
         </p:spPr>
+        <p:style>
+          <a:lnRef idx="0"/>
+          <a:fillRef idx="0"/>
+          <a:effectRef idx="0"/>
+          <a:fontRef idx="minor"/>
+        </p:style>
         <p:txBody>
           <a:bodyPr lIns="0" rIns="0" tIns="0" bIns="0">
             <a:normAutofit fontScale="28000"/>
           </a:bodyPr>
           <a:p>
+            <a:pPr>
+              <a:lnSpc>
+                <a:spcPct val="100000"/>
+              </a:lnSpc>
+            </a:pPr>
             <a:r>
               <a:rPr b="0" lang="en-US" sz="3200" spc="-1" strike="noStrike">
                 <a:latin typeface="Arial"/>
@@ -11443,7 +13108,7 @@
       </p:sp>
       <p:pic>
         <p:nvPicPr>
-          <p:cNvPr id="232" name="" descr=""/>
+          <p:cNvPr id="271" name="" descr=""/>
           <p:cNvPicPr/>
           <p:nvPr/>
         </p:nvPicPr>
@@ -11454,7 +13119,7 @@
         <p:spPr>
           <a:xfrm>
             <a:off x="685800" y="1758600"/>
-            <a:ext cx="8418600" cy="2813400"/>
+            <a:ext cx="8418240" cy="2813040"/>
           </a:xfrm>
           <a:prstGeom prst="rect">
             <a:avLst/>
@@ -11496,14 +13161,14 @@
       </p:grpSpPr>
       <p:sp>
         <p:nvSpPr>
-          <p:cNvPr id="233" name="TextShape 1"/>
-          <p:cNvSpPr txBox="1"/>
+          <p:cNvPr id="272" name="CustomShape 1"/>
+          <p:cNvSpPr/>
           <p:nvPr/>
         </p:nvSpPr>
         <p:spPr>
           <a:xfrm>
             <a:off x="540000" y="-40320"/>
-            <a:ext cx="8999640" cy="1250280"/>
+            <a:ext cx="8999280" cy="1249920"/>
           </a:xfrm>
           <a:prstGeom prst="rect">
             <a:avLst/>
@@ -11513,12 +13178,22 @@
             <a:noFill/>
           </a:ln>
         </p:spPr>
+        <p:style>
+          <a:lnRef idx="0"/>
+          <a:fillRef idx="0"/>
+          <a:effectRef idx="0"/>
+          <a:fontRef idx="minor"/>
+        </p:style>
         <p:txBody>
           <a:bodyPr lIns="0" rIns="0" tIns="0" bIns="0" anchor="ctr">
             <a:noAutofit/>
           </a:bodyPr>
           <a:p>
-            <a:pPr algn="ctr"/>
+            <a:pPr algn="ctr">
+              <a:lnSpc>
+                <a:spcPct val="100000"/>
+              </a:lnSpc>
+            </a:pPr>
             <a:r>
               <a:rPr b="0" lang="en-US" sz="4400" spc="-1" strike="noStrike">
                 <a:latin typeface="Arial"/>
@@ -11540,14 +13215,14 @@
       </p:sp>
       <p:sp>
         <p:nvSpPr>
-          <p:cNvPr id="234" name="TextShape 2"/>
-          <p:cNvSpPr txBox="1"/>
+          <p:cNvPr id="273" name="CustomShape 2"/>
+          <p:cNvSpPr/>
           <p:nvPr/>
         </p:nvSpPr>
         <p:spPr>
           <a:xfrm>
             <a:off x="540000" y="4955400"/>
-            <a:ext cx="8999640" cy="606240"/>
+            <a:ext cx="8999280" cy="605880"/>
           </a:xfrm>
           <a:prstGeom prst="rect">
             <a:avLst/>
@@ -11557,11 +13232,22 @@
             <a:noFill/>
           </a:ln>
         </p:spPr>
+        <p:style>
+          <a:lnRef idx="0"/>
+          <a:fillRef idx="0"/>
+          <a:effectRef idx="0"/>
+          <a:fontRef idx="minor"/>
+        </p:style>
         <p:txBody>
           <a:bodyPr lIns="0" rIns="0" tIns="0" bIns="0">
             <a:normAutofit fontScale="28000"/>
           </a:bodyPr>
           <a:p>
+            <a:pPr>
+              <a:lnSpc>
+                <a:spcPct val="100000"/>
+              </a:lnSpc>
+            </a:pPr>
             <a:r>
               <a:rPr b="0" lang="en-US" sz="3200" spc="-1" strike="noStrike">
                 <a:latin typeface="Arial"/>
@@ -11576,7 +13262,7 @@
       </p:sp>
       <p:pic>
         <p:nvPicPr>
-          <p:cNvPr id="235" name="" descr=""/>
+          <p:cNvPr id="274" name="" descr=""/>
           <p:cNvPicPr/>
           <p:nvPr/>
         </p:nvPicPr>
@@ -11587,7 +13273,7 @@
         <p:spPr>
           <a:xfrm>
             <a:off x="685800" y="1758600"/>
-            <a:ext cx="8418600" cy="2813400"/>
+            <a:ext cx="8418240" cy="2813040"/>
           </a:xfrm>
           <a:prstGeom prst="rect">
             <a:avLst/>
@@ -11629,14 +13315,14 @@
       </p:grpSpPr>
       <p:sp>
         <p:nvSpPr>
-          <p:cNvPr id="236" name="TextShape 1"/>
-          <p:cNvSpPr txBox="1"/>
+          <p:cNvPr id="275" name="CustomShape 1"/>
+          <p:cNvSpPr/>
           <p:nvPr/>
         </p:nvSpPr>
         <p:spPr>
           <a:xfrm>
             <a:off x="540000" y="-40320"/>
-            <a:ext cx="8999640" cy="1250280"/>
+            <a:ext cx="8999280" cy="1249920"/>
           </a:xfrm>
           <a:prstGeom prst="rect">
             <a:avLst/>
@@ -11646,12 +13332,22 @@
             <a:noFill/>
           </a:ln>
         </p:spPr>
+        <p:style>
+          <a:lnRef idx="0"/>
+          <a:fillRef idx="0"/>
+          <a:effectRef idx="0"/>
+          <a:fontRef idx="minor"/>
+        </p:style>
         <p:txBody>
           <a:bodyPr lIns="0" rIns="0" tIns="0" bIns="0" anchor="ctr">
             <a:noAutofit/>
           </a:bodyPr>
           <a:p>
-            <a:pPr algn="ctr"/>
+            <a:pPr algn="ctr">
+              <a:lnSpc>
+                <a:spcPct val="100000"/>
+              </a:lnSpc>
+            </a:pPr>
             <a:r>
               <a:rPr b="0" lang="en-US" sz="4400" spc="-1" strike="noStrike">
                 <a:latin typeface="Arial"/>
@@ -11673,14 +13369,14 @@
       </p:sp>
       <p:sp>
         <p:nvSpPr>
-          <p:cNvPr id="237" name="TextShape 2"/>
-          <p:cNvSpPr txBox="1"/>
+          <p:cNvPr id="276" name="CustomShape 2"/>
+          <p:cNvSpPr/>
           <p:nvPr/>
         </p:nvSpPr>
         <p:spPr>
           <a:xfrm>
             <a:off x="540000" y="4654800"/>
-            <a:ext cx="8999640" cy="834840"/>
+            <a:ext cx="8999280" cy="834480"/>
           </a:xfrm>
           <a:prstGeom prst="rect">
             <a:avLst/>
@@ -11690,52 +13386,27 @@
             <a:noFill/>
           </a:ln>
         </p:spPr>
+        <p:style>
+          <a:lnRef idx="0"/>
+          <a:fillRef idx="0"/>
+          <a:effectRef idx="0"/>
+          <a:fontRef idx="minor"/>
+        </p:style>
         <p:txBody>
           <a:bodyPr lIns="0" rIns="0" tIns="0" bIns="0">
             <a:normAutofit fontScale="13000"/>
           </a:bodyPr>
           <a:p>
+            <a:pPr>
+              <a:lnSpc>
+                <a:spcPct val="100000"/>
+              </a:lnSpc>
+            </a:pPr>
             <a:r>
               <a:rPr b="0" lang="en-US" sz="3200" spc="-1" strike="noStrike">
                 <a:latin typeface="Arial"/>
               </a:rPr>
-              <a:t>Но при этом по диаграмме загруженности </a:t>
-            </a:r>
-            <a:r>
-              <a:rPr b="0" lang="en-US" sz="3200" spc="-1" strike="noStrike">
-                <a:latin typeface="Arial"/>
-              </a:rPr>
-              <a:t>видно, что Boeing 737-300 в среднем загружен </a:t>
-            </a:r>
-            <a:r>
-              <a:rPr b="0" lang="en-US" sz="3200" spc="-1" strike="noStrike">
-                <a:latin typeface="Arial"/>
-              </a:rPr>
-              <a:t>меньше, чем SSJ-100. то есть самолёты типа </a:t>
-            </a:r>
-            <a:r>
-              <a:rPr b="0" lang="en-US" sz="3200" spc="-1" strike="noStrike">
-                <a:latin typeface="Arial"/>
-              </a:rPr>
-              <a:t>Boeing 737-300 можно было бы использовать </a:t>
-            </a:r>
-            <a:r>
-              <a:rPr b="0" lang="en-US" sz="3200" spc="-1" strike="noStrike">
-                <a:latin typeface="Arial"/>
-              </a:rPr>
-              <a:t>более эффективно, если перенести на 737-</a:t>
-            </a:r>
-            <a:r>
-              <a:rPr b="0" lang="en-US" sz="3200" spc="-1" strike="noStrike">
-                <a:latin typeface="Arial"/>
-              </a:rPr>
-              <a:t>300 пассажиров с рейсов, где сейчас летает </a:t>
-            </a:r>
-            <a:r>
-              <a:rPr b="0" lang="en-US" sz="3200" spc="-1" strike="noStrike">
-                <a:latin typeface="Arial"/>
-              </a:rPr>
-              <a:t>SSJ-100.</a:t>
+              <a:t>Но при этом по диаграмме загруженности видно, что Boeing 737-300 в среднем загружен меньше, чем SSJ-100. то есть самолёты типа Boeing 737-300 можно было бы использовать более эффективно, если перенести на 737-300 пассажиров с рейсов, где сейчас летает SSJ-100.</a:t>
             </a:r>
             <a:endParaRPr b="0" lang="en-US" sz="3200" spc="-1" strike="noStrike">
               <a:latin typeface="Arial"/>
@@ -11745,7 +13416,7 @@
       </p:sp>
       <p:pic>
         <p:nvPicPr>
-          <p:cNvPr id="238" name="" descr=""/>
+          <p:cNvPr id="277" name="" descr=""/>
           <p:cNvPicPr/>
           <p:nvPr/>
         </p:nvPicPr>
@@ -11756,7 +13427,7 @@
         <p:spPr>
           <a:xfrm>
             <a:off x="685800" y="1498680"/>
-            <a:ext cx="8458200" cy="2844720"/>
+            <a:ext cx="8457840" cy="2844360"/>
           </a:xfrm>
           <a:prstGeom prst="rect">
             <a:avLst/>
@@ -11798,14 +13469,14 @@
       </p:grpSpPr>
       <p:sp>
         <p:nvSpPr>
-          <p:cNvPr id="239" name="TextShape 1"/>
-          <p:cNvSpPr txBox="1"/>
+          <p:cNvPr id="278" name="CustomShape 1"/>
+          <p:cNvSpPr/>
           <p:nvPr/>
         </p:nvSpPr>
         <p:spPr>
           <a:xfrm>
             <a:off x="540000" y="90000"/>
-            <a:ext cx="8999640" cy="989640"/>
+            <a:ext cx="8999280" cy="989280"/>
           </a:xfrm>
           <a:prstGeom prst="rect">
             <a:avLst/>
@@ -11815,12 +13486,22 @@
             <a:noFill/>
           </a:ln>
         </p:spPr>
+        <p:style>
+          <a:lnRef idx="0"/>
+          <a:fillRef idx="0"/>
+          <a:effectRef idx="0"/>
+          <a:fontRef idx="minor"/>
+        </p:style>
         <p:txBody>
           <a:bodyPr lIns="0" rIns="0" tIns="0" bIns="0" anchor="ctr">
             <a:noAutofit/>
           </a:bodyPr>
           <a:p>
-            <a:pPr algn="ctr"/>
+            <a:pPr algn="ctr">
+              <a:lnSpc>
+                <a:spcPct val="100000"/>
+              </a:lnSpc>
+            </a:pPr>
             <a:r>
               <a:rPr b="0" lang="en-US" sz="4400" spc="-1" strike="noStrike">
                 <a:latin typeface="Arial"/>
@@ -11835,14 +13516,14 @@
       </p:sp>
       <p:sp>
         <p:nvSpPr>
-          <p:cNvPr id="240" name="TextShape 2"/>
-          <p:cNvSpPr txBox="1"/>
+          <p:cNvPr id="279" name="CustomShape 2"/>
+          <p:cNvSpPr/>
           <p:nvPr/>
         </p:nvSpPr>
         <p:spPr>
           <a:xfrm>
             <a:off x="540000" y="1440000"/>
-            <a:ext cx="8999640" cy="3817800"/>
+            <a:ext cx="8999280" cy="3817440"/>
           </a:xfrm>
           <a:prstGeom prst="rect">
             <a:avLst/>
@@ -11852,12 +13533,21 @@
             <a:noFill/>
           </a:ln>
         </p:spPr>
+        <p:style>
+          <a:lnRef idx="0"/>
+          <a:fillRef idx="0"/>
+          <a:effectRef idx="0"/>
+          <a:fontRef idx="minor"/>
+        </p:style>
         <p:txBody>
           <a:bodyPr lIns="0" rIns="0" tIns="0" bIns="0">
-            <a:normAutofit fontScale="12000"/>
-          </a:bodyPr>
-          <a:p>
-            <a:pPr marL="432000" indent="-324000">
+            <a:normAutofit fontScale="11000"/>
+          </a:bodyPr>
+          <a:p>
+            <a:pPr marL="432000" indent="-323640">
+              <a:lnSpc>
+                <a:spcPct val="100000"/>
+              </a:lnSpc>
               <a:spcBef>
                 <a:spcPts val="1417"/>
               </a:spcBef>
@@ -11879,7 +13569,10 @@
             </a:endParaRPr>
           </a:p>
           <a:p>
-            <a:pPr marL="432000" indent="-324000">
+            <a:pPr marL="432000" indent="-323640">
+              <a:lnSpc>
+                <a:spcPct val="100000"/>
+              </a:lnSpc>
               <a:spcBef>
                 <a:spcPts val="1417"/>
               </a:spcBef>
@@ -11901,7 +13594,10 @@
             </a:endParaRPr>
           </a:p>
           <a:p>
-            <a:pPr marL="432000" indent="-324000">
+            <a:pPr marL="432000" indent="-323640">
+              <a:lnSpc>
+                <a:spcPct val="100000"/>
+              </a:lnSpc>
               <a:spcBef>
                 <a:spcPts val="1417"/>
               </a:spcBef>
@@ -11923,7 +13619,10 @@
             </a:endParaRPr>
           </a:p>
           <a:p>
-            <a:pPr marL="432000" indent="-324000">
+            <a:pPr marL="432000" indent="-323640">
+              <a:lnSpc>
+                <a:spcPct val="100000"/>
+              </a:lnSpc>
               <a:spcBef>
                 <a:spcPts val="1417"/>
               </a:spcBef>
@@ -11945,7 +13644,10 @@
             </a:endParaRPr>
           </a:p>
           <a:p>
-            <a:pPr marL="432000" indent="-324000">
+            <a:pPr marL="432000" indent="-323640">
+              <a:lnSpc>
+                <a:spcPct val="100000"/>
+              </a:lnSpc>
               <a:spcBef>
                 <a:spcPts val="1417"/>
               </a:spcBef>
@@ -12000,14 +13702,14 @@
       </p:grpSpPr>
       <p:sp>
         <p:nvSpPr>
-          <p:cNvPr id="200" name="CustomShape 1"/>
+          <p:cNvPr id="239" name="CustomShape 1"/>
           <p:cNvSpPr/>
           <p:nvPr/>
         </p:nvSpPr>
         <p:spPr>
           <a:xfrm>
             <a:off x="540000" y="90000"/>
-            <a:ext cx="8999640" cy="989640"/>
+            <a:ext cx="8999280" cy="989280"/>
           </a:xfrm>
           <a:prstGeom prst="rect">
             <a:avLst/>
@@ -12039,6 +13741,7 @@
                   <a:srgbClr val="ffffff"/>
                 </a:solidFill>
                 <a:latin typeface="Source Sans Pro Light"/>
+                <a:ea typeface="DejaVu Sans"/>
               </a:rPr>
               <a:t>Структура начального</a:t>
             </a:r>
@@ -12049,6 +13752,7 @@
                   <a:srgbClr val="ffffff"/>
                 </a:solidFill>
                 <a:latin typeface="Source Sans Pro Light"/>
+                <a:ea typeface="DejaVu Sans"/>
               </a:rPr>
               <a:t>набора данных</a:t>
             </a:r>
@@ -12060,14 +13764,14 @@
       </p:sp>
       <p:sp>
         <p:nvSpPr>
-          <p:cNvPr id="201" name="CustomShape 2"/>
+          <p:cNvPr id="240" name="CustomShape 2"/>
           <p:cNvSpPr/>
           <p:nvPr/>
         </p:nvSpPr>
         <p:spPr>
           <a:xfrm>
             <a:off x="372600" y="1143000"/>
-            <a:ext cx="8999640" cy="845640"/>
+            <a:ext cx="8999280" cy="845280"/>
           </a:xfrm>
           <a:prstGeom prst="rect">
             <a:avLst/>
@@ -12095,7 +13799,11 @@
             </a:pPr>
             <a:r>
               <a:rPr b="0" lang="de-AT" sz="2000" spc="-1" strike="noStrike">
+                <a:solidFill>
+                  <a:srgbClr val="000000"/>
+                </a:solidFill>
                 <a:latin typeface="Source Sans Pro Light"/>
+                <a:ea typeface="DejaVu Sans"/>
               </a:rPr>
               <a:t>Для оценки прибыльности авиарейсов была создана начальная выборка по имеющимся в базе данных компании авиарейсам. Выбранные признаки включают информацию о</a:t>
             </a:r>
@@ -12107,14 +13815,14 @@
       </p:sp>
       <p:sp>
         <p:nvSpPr>
-          <p:cNvPr id="202" name="CustomShape 3"/>
+          <p:cNvPr id="241" name="CustomShape 3"/>
           <p:cNvSpPr/>
           <p:nvPr/>
         </p:nvSpPr>
         <p:spPr>
           <a:xfrm>
             <a:off x="228600" y="2049480"/>
-            <a:ext cx="8999640" cy="3428640"/>
+            <a:ext cx="8999280" cy="3428280"/>
           </a:xfrm>
           <a:prstGeom prst="rect">
             <a:avLst/>
@@ -12135,7 +13843,7 @@
             <a:normAutofit fontScale="97000"/>
           </a:bodyPr>
           <a:p>
-            <a:pPr marL="432000" indent="-323640">
+            <a:pPr marL="432000" indent="-323280">
               <a:lnSpc>
                 <a:spcPct val="100000"/>
               </a:lnSpc>
@@ -12151,7 +13859,11 @@
             </a:pPr>
             <a:r>
               <a:rPr b="0" lang="de-AT" sz="1870" spc="-1" strike="noStrike">
+                <a:solidFill>
+                  <a:srgbClr val="000000"/>
+                </a:solidFill>
                 <a:latin typeface="Source Sans Pro"/>
+                <a:ea typeface="DejaVu Sans"/>
               </a:rPr>
               <a:t>аэропортах отправления и прибытия;</a:t>
             </a:r>
@@ -12160,7 +13872,7 @@
             </a:endParaRPr>
           </a:p>
           <a:p>
-            <a:pPr marL="432000" indent="-323640">
+            <a:pPr marL="432000" indent="-323280">
               <a:lnSpc>
                 <a:spcPct val="100000"/>
               </a:lnSpc>
@@ -12176,7 +13888,11 @@
             </a:pPr>
             <a:r>
               <a:rPr b="0" lang="de-AT" sz="1870" spc="-1" strike="noStrike">
+                <a:solidFill>
+                  <a:srgbClr val="000000"/>
+                </a:solidFill>
                 <a:latin typeface="Source Sans Pro"/>
+                <a:ea typeface="DejaVu Sans"/>
               </a:rPr>
               <a:t>времени прибытия, отправления и длительности задержек;</a:t>
             </a:r>
@@ -12185,7 +13901,7 @@
             </a:endParaRPr>
           </a:p>
           <a:p>
-            <a:pPr marL="432000" indent="-323640">
+            <a:pPr marL="432000" indent="-323280">
               <a:lnSpc>
                 <a:spcPct val="100000"/>
               </a:lnSpc>
@@ -12201,7 +13917,11 @@
             </a:pPr>
             <a:r>
               <a:rPr b="0" lang="de-AT" sz="1870" spc="-1" strike="noStrike">
+                <a:solidFill>
+                  <a:srgbClr val="000000"/>
+                </a:solidFill>
                 <a:latin typeface="Source Sans Pro"/>
+                <a:ea typeface="DejaVu Sans"/>
               </a:rPr>
               <a:t>проданных местах и общем числе мест в самолёте в зависимости от класса билета и суммарно;</a:t>
             </a:r>
@@ -12210,7 +13930,7 @@
             </a:endParaRPr>
           </a:p>
           <a:p>
-            <a:pPr marL="432000" indent="-323640">
+            <a:pPr marL="432000" indent="-323280">
               <a:lnSpc>
                 <a:spcPct val="100000"/>
               </a:lnSpc>
@@ -12226,7 +13946,11 @@
             </a:pPr>
             <a:r>
               <a:rPr b="0" lang="de-AT" sz="1870" spc="-1" strike="noStrike">
+                <a:solidFill>
+                  <a:srgbClr val="000000"/>
+                </a:solidFill>
                 <a:latin typeface="Source Sans Pro"/>
+                <a:ea typeface="DejaVu Sans"/>
               </a:rPr>
               <a:t>относительной загрузке мест в долях по классам и в целом;</a:t>
             </a:r>
@@ -12235,7 +13959,7 @@
             </a:endParaRPr>
           </a:p>
           <a:p>
-            <a:pPr marL="432000" indent="-323640">
+            <a:pPr marL="432000" indent="-323280">
               <a:lnSpc>
                 <a:spcPct val="100000"/>
               </a:lnSpc>
@@ -12251,7 +13975,11 @@
             </a:pPr>
             <a:r>
               <a:rPr b="0" lang="de-AT" sz="1870" spc="-1" strike="noStrike">
+                <a:solidFill>
+                  <a:srgbClr val="000000"/>
+                </a:solidFill>
                 <a:latin typeface="Source Sans Pro"/>
+                <a:ea typeface="DejaVu Sans"/>
               </a:rPr>
               <a:t>стоимость проданных на рейс билетов по классам и суммарно;</a:t>
             </a:r>
@@ -12260,7 +13988,7 @@
             </a:endParaRPr>
           </a:p>
           <a:p>
-            <a:pPr marL="432000" indent="-323640">
+            <a:pPr marL="432000" indent="-323280">
               <a:lnSpc>
                 <a:spcPct val="100000"/>
               </a:lnSpc>
@@ -12276,7 +14004,11 @@
             </a:pPr>
             <a:r>
               <a:rPr b="0" lang="de-AT" sz="1870" spc="-1" strike="noStrike">
+                <a:solidFill>
+                  <a:srgbClr val="000000"/>
+                </a:solidFill>
                 <a:latin typeface="Source Sans Pro"/>
+                <a:ea typeface="DejaVu Sans"/>
               </a:rPr>
               <a:t>код модели самолёта;</a:t>
             </a:r>
@@ -12285,7 +14017,7 @@
             </a:endParaRPr>
           </a:p>
           <a:p>
-            <a:pPr marL="432000" indent="-323640">
+            <a:pPr marL="432000" indent="-323280">
               <a:lnSpc>
                 <a:spcPct val="100000"/>
               </a:lnSpc>
@@ -12301,7 +14033,11 @@
             </a:pPr>
             <a:r>
               <a:rPr b="0" lang="de-AT" sz="1870" spc="-1" strike="noStrike">
+                <a:solidFill>
+                  <a:srgbClr val="000000"/>
+                </a:solidFill>
                 <a:latin typeface="Source Sans Pro"/>
+                <a:ea typeface="DejaVu Sans"/>
               </a:rPr>
               <a:t>максимальная дальность самолёта;</a:t>
             </a:r>
@@ -12310,7 +14046,7 @@
             </a:endParaRPr>
           </a:p>
           <a:p>
-            <a:pPr marL="432000" indent="-323640">
+            <a:pPr marL="432000" indent="-323280">
               <a:lnSpc>
                 <a:spcPct val="100000"/>
               </a:lnSpc>
@@ -12326,7 +14062,11 @@
             </a:pPr>
             <a:r>
               <a:rPr b="0" lang="de-AT" sz="1870" spc="-1" strike="noStrike">
+                <a:solidFill>
+                  <a:srgbClr val="000000"/>
+                </a:solidFill>
                 <a:latin typeface="Source Sans Pro"/>
+                <a:ea typeface="DejaVu Sans"/>
               </a:rPr>
               <a:t>координаты аэропортов вылета и назначения.</a:t>
             </a:r>
@@ -12368,14 +14108,14 @@
       </p:grpSpPr>
       <p:sp>
         <p:nvSpPr>
-          <p:cNvPr id="241" name="TextShape 1"/>
-          <p:cNvSpPr txBox="1"/>
+          <p:cNvPr id="280" name="CustomShape 1"/>
+          <p:cNvSpPr/>
           <p:nvPr/>
         </p:nvSpPr>
         <p:spPr>
           <a:xfrm>
             <a:off x="540000" y="90000"/>
-            <a:ext cx="8999640" cy="989640"/>
+            <a:ext cx="8999280" cy="989280"/>
           </a:xfrm>
           <a:prstGeom prst="rect">
             <a:avLst/>
@@ -12385,12 +14125,22 @@
             <a:noFill/>
           </a:ln>
         </p:spPr>
+        <p:style>
+          <a:lnRef idx="0"/>
+          <a:fillRef idx="0"/>
+          <a:effectRef idx="0"/>
+          <a:fontRef idx="minor"/>
+        </p:style>
         <p:txBody>
           <a:bodyPr lIns="0" rIns="0" tIns="0" bIns="0" anchor="ctr">
             <a:noAutofit/>
           </a:bodyPr>
           <a:p>
-            <a:pPr algn="ctr"/>
+            <a:pPr algn="ctr">
+              <a:lnSpc>
+                <a:spcPct val="100000"/>
+              </a:lnSpc>
+            </a:pPr>
             <a:r>
               <a:rPr b="0" lang="en-US" sz="4400" spc="-1" strike="noStrike">
                 <a:latin typeface="Arial"/>
@@ -12405,14 +14155,14 @@
       </p:sp>
       <p:sp>
         <p:nvSpPr>
-          <p:cNvPr id="242" name="TextShape 2"/>
-          <p:cNvSpPr txBox="1"/>
+          <p:cNvPr id="281" name="CustomShape 2"/>
+          <p:cNvSpPr/>
           <p:nvPr/>
         </p:nvSpPr>
         <p:spPr>
           <a:xfrm>
             <a:off x="540000" y="1440000"/>
-            <a:ext cx="8999640" cy="3817800"/>
+            <a:ext cx="8999280" cy="3817440"/>
           </a:xfrm>
           <a:prstGeom prst="rect">
             <a:avLst/>
@@ -12422,64 +14172,27 @@
             <a:noFill/>
           </a:ln>
         </p:spPr>
+        <p:style>
+          <a:lnRef idx="0"/>
+          <a:fillRef idx="0"/>
+          <a:effectRef idx="0"/>
+          <a:fontRef idx="minor"/>
+        </p:style>
         <p:txBody>
           <a:bodyPr lIns="0" rIns="0" tIns="0" bIns="0">
-            <a:normAutofit fontScale="89000"/>
-          </a:bodyPr>
-          <a:p>
+            <a:normAutofit fontScale="88000"/>
+          </a:bodyPr>
+          <a:p>
+            <a:pPr>
+              <a:lnSpc>
+                <a:spcPct val="100000"/>
+              </a:lnSpc>
+            </a:pPr>
             <a:r>
               <a:rPr b="0" lang="en-US" sz="3200" spc="-1" strike="noStrike">
                 <a:latin typeface="Arial"/>
               </a:rPr>
-              <a:t>Перенести пассажирские авиаперевозки с </a:t>
-            </a:r>
-            <a:r>
-              <a:rPr b="0" lang="en-US" sz="3200" spc="-1" strike="noStrike">
-                <a:latin typeface="Arial"/>
-              </a:rPr>
-              <a:t>самолётов типа SSJ-100 на самолёты типа </a:t>
-            </a:r>
-            <a:r>
-              <a:rPr b="0" lang="en-US" sz="3200" spc="-1" strike="noStrike">
-                <a:latin typeface="Arial"/>
-              </a:rPr>
-              <a:t>Boeing 737-300, чтобы более эффективно </a:t>
-            </a:r>
-            <a:r>
-              <a:rPr b="0" lang="en-US" sz="3200" spc="-1" strike="noStrike">
-                <a:latin typeface="Arial"/>
-              </a:rPr>
-              <a:t>использовать более прибыльный самолёт; </a:t>
-            </a:r>
-            <a:r>
-              <a:rPr b="0" lang="en-US" sz="3200" spc="-1" strike="noStrike">
-                <a:latin typeface="Arial"/>
-              </a:rPr>
-              <a:t>оптимизировать (уменьшить) колическтво </a:t>
-            </a:r>
-            <a:r>
-              <a:rPr b="0" lang="en-US" sz="3200" spc="-1" strike="noStrike">
-                <a:latin typeface="Arial"/>
-              </a:rPr>
-              <a:t>рейсов в феврале месяце так, чтобы </a:t>
-            </a:r>
-            <a:r>
-              <a:rPr b="0" lang="en-US" sz="3200" spc="-1" strike="noStrike">
-                <a:latin typeface="Arial"/>
-              </a:rPr>
-              <a:t>повысить загруженность самолётов и </a:t>
-            </a:r>
-            <a:r>
-              <a:rPr b="0" lang="en-US" sz="3200" spc="-1" strike="noStrike">
-                <a:latin typeface="Arial"/>
-              </a:rPr>
-              <a:t>эффективно уменьшить расходы на задержки </a:t>
-            </a:r>
-            <a:r>
-              <a:rPr b="0" lang="en-US" sz="3200" spc="-1" strike="noStrike">
-                <a:latin typeface="Arial"/>
-              </a:rPr>
-              <a:t>рейсов в аэропортах к концу зимнего периода.</a:t>
+              <a:t>Перенести пассажирские авиаперевозки с самолётов типа SSJ-100 на самолёты типа Boeing 737-300, чтобы более эффективно использовать более прибыльный самолёт; оптимизировать (уменьшить) колическтво рейсов в феврале месяце так, чтобы повысить загруженность самолётов и эффективно уменьшить расходы на задержки рейсов в аэропортах к концу зимнего периода.</a:t>
             </a:r>
             <a:endParaRPr b="0" lang="en-US" sz="3200" spc="-1" strike="noStrike">
               <a:latin typeface="Arial"/>
@@ -12519,13 +14232,13 @@
       </p:grpSpPr>
       <p:graphicFrame>
         <p:nvGraphicFramePr>
-          <p:cNvPr id="203" name="Table 1"/>
+          <p:cNvPr id="242" name="Table 1"/>
           <p:cNvGraphicFramePr/>
           <p:nvPr/>
         </p:nvGraphicFramePr>
         <p:xfrm>
           <a:off x="210960" y="252360"/>
-          <a:ext cx="9644400" cy="4359240"/>
+          <a:ext cx="9644400" cy="5168520"/>
         </p:xfrm>
         <a:graphic>
           <a:graphicData uri="http://schemas.openxmlformats.org/drawingml/2006/table">
@@ -14703,14 +16416,14 @@
       </p:graphicFrame>
       <p:sp>
         <p:nvSpPr>
-          <p:cNvPr id="204" name="CustomShape 2"/>
+          <p:cNvPr id="243" name="CustomShape 2"/>
           <p:cNvSpPr/>
           <p:nvPr/>
         </p:nvSpPr>
         <p:spPr>
           <a:xfrm>
             <a:off x="4697280" y="5051160"/>
-            <a:ext cx="685440" cy="663480"/>
+            <a:ext cx="685080" cy="663120"/>
           </a:xfrm>
           <a:prstGeom prst="rect">
             <a:avLst/>
@@ -14738,7 +16451,11 @@
             </a:pPr>
             <a:r>
               <a:rPr b="0" lang="de-AT" sz="4000" spc="-1" strike="noStrike">
+                <a:solidFill>
+                  <a:srgbClr val="000000"/>
+                </a:solidFill>
                 <a:latin typeface="Source Sans Pro"/>
+                <a:ea typeface="DejaVu Sans"/>
               </a:rPr>
               <a:t>…</a:t>
             </a:r>
@@ -14780,13 +16497,13 @@
       </p:grpSpPr>
       <p:graphicFrame>
         <p:nvGraphicFramePr>
-          <p:cNvPr id="205" name="Table 1"/>
+          <p:cNvPr id="244" name="Table 1"/>
           <p:cNvGraphicFramePr/>
           <p:nvPr/>
         </p:nvGraphicFramePr>
         <p:xfrm>
           <a:off x="208440" y="340920"/>
-          <a:ext cx="9644400" cy="815760"/>
+          <a:ext cx="9644400" cy="1196640"/>
         </p:xfrm>
         <a:graphic>
           <a:graphicData uri="http://schemas.openxmlformats.org/drawingml/2006/table">
@@ -15292,14 +17009,14 @@
       </p:graphicFrame>
       <p:sp>
         <p:nvSpPr>
-          <p:cNvPr id="206" name="CustomShape 2"/>
+          <p:cNvPr id="245" name="CustomShape 2"/>
           <p:cNvSpPr/>
           <p:nvPr/>
         </p:nvSpPr>
         <p:spPr>
           <a:xfrm>
             <a:off x="4697280" y="-240840"/>
-            <a:ext cx="685440" cy="663480"/>
+            <a:ext cx="685080" cy="663120"/>
           </a:xfrm>
           <a:prstGeom prst="rect">
             <a:avLst/>
@@ -15327,7 +17044,11 @@
             </a:pPr>
             <a:r>
               <a:rPr b="0" lang="de-AT" sz="4000" spc="-1" strike="noStrike">
+                <a:solidFill>
+                  <a:srgbClr val="000000"/>
+                </a:solidFill>
                 <a:latin typeface="Source Sans Pro"/>
+                <a:ea typeface="DejaVu Sans"/>
               </a:rPr>
               <a:t>…</a:t>
             </a:r>
@@ -15369,14 +17090,14 @@
       </p:grpSpPr>
       <p:sp>
         <p:nvSpPr>
-          <p:cNvPr id="207" name="CustomShape 1"/>
+          <p:cNvPr id="246" name="CustomShape 1"/>
           <p:cNvSpPr/>
           <p:nvPr/>
         </p:nvSpPr>
         <p:spPr>
           <a:xfrm>
             <a:off x="540000" y="90000"/>
-            <a:ext cx="8999640" cy="989640"/>
+            <a:ext cx="8999280" cy="989280"/>
           </a:xfrm>
           <a:prstGeom prst="rect">
             <a:avLst/>
@@ -15408,6 +17129,7 @@
                   <a:srgbClr val="ffffff"/>
                 </a:solidFill>
                 <a:latin typeface="Source Sans Pro Light"/>
+                <a:ea typeface="DejaVu Sans"/>
               </a:rPr>
               <a:t>Избыточность данных</a:t>
             </a:r>
@@ -15418,6 +17140,7 @@
                   <a:srgbClr val="ffffff"/>
                 </a:solidFill>
                 <a:latin typeface="Source Sans Pro Light"/>
+                <a:ea typeface="DejaVu Sans"/>
               </a:rPr>
               <a:t>Привлечение внешних данных</a:t>
             </a:r>
@@ -15429,14 +17152,14 @@
       </p:sp>
       <p:sp>
         <p:nvSpPr>
-          <p:cNvPr id="208" name="CustomShape 2"/>
+          <p:cNvPr id="247" name="CustomShape 2"/>
           <p:cNvSpPr/>
           <p:nvPr/>
         </p:nvSpPr>
         <p:spPr>
           <a:xfrm>
             <a:off x="540000" y="1440000"/>
-            <a:ext cx="8999640" cy="4046040"/>
+            <a:ext cx="8999280" cy="4045680"/>
           </a:xfrm>
           <a:prstGeom prst="rect">
             <a:avLst/>
@@ -15457,7 +17180,7 @@
             <a:normAutofit fontScale="85000"/>
           </a:bodyPr>
           <a:p>
-            <a:pPr marL="432000" indent="-323640">
+            <a:pPr marL="432000" indent="-323280">
               <a:lnSpc>
                 <a:spcPct val="100000"/>
               </a:lnSpc>
@@ -15470,7 +17193,11 @@
             </a:pPr>
             <a:r>
               <a:rPr b="0" lang="de-AT" sz="2000" spc="-1" strike="noStrike">
+                <a:solidFill>
+                  <a:srgbClr val="000000"/>
+                </a:solidFill>
                 <a:latin typeface="Source Sans Pro Light"/>
+                <a:ea typeface="DejaVu Sans"/>
               </a:rPr>
               <a:t>В приведённом наборе признаков из первоначальной выборки из базы данных присутствуют коррелирующие признаки и признаки, которые могут слабо влиять на прибыльность рейсов. Например, доля загруженности мест и количество купленных билетов, а также длительности задержек рейса в минутах.</a:t>
             </a:r>
@@ -15479,7 +17206,7 @@
             </a:endParaRPr>
           </a:p>
           <a:p>
-            <a:pPr marL="432000" indent="-323640">
+            <a:pPr marL="432000" indent="-323280">
               <a:lnSpc>
                 <a:spcPct val="100000"/>
               </a:lnSpc>
@@ -15492,7 +17219,11 @@
             </a:pPr>
             <a:r>
               <a:rPr b="0" lang="de-AT" sz="2000" spc="-1" strike="noStrike">
+                <a:solidFill>
+                  <a:srgbClr val="000000"/>
+                </a:solidFill>
                 <a:latin typeface="Source Sans Pro Light"/>
+                <a:ea typeface="DejaVu Sans"/>
               </a:rPr>
               <a:t>Деление билетов по  классам возможно окажется избыточным.</a:t>
             </a:r>
@@ -15501,7 +17232,7 @@
             </a:endParaRPr>
           </a:p>
           <a:p>
-            <a:pPr marL="432000" indent="-323640">
+            <a:pPr marL="432000" indent="-323280">
               <a:lnSpc>
                 <a:spcPct val="100000"/>
               </a:lnSpc>
@@ -15514,7 +17245,11 @@
             </a:pPr>
             <a:r>
               <a:rPr b="0" lang="de-AT" sz="2000" spc="-1" strike="noStrike">
+                <a:solidFill>
+                  <a:srgbClr val="000000"/>
+                </a:solidFill>
                 <a:latin typeface="Source Sans Pro Light"/>
+                <a:ea typeface="DejaVu Sans"/>
               </a:rPr>
               <a:t>Наиболее важной информацией, которая отсутствует в исходной базе данных, является расход топлива за час полёта и на пассажир-километр для каждой модели самолёта. Это позволило бы оценить общую стоимость расходов на каждый рейс и оценить его прибыльность относительно проданных авиабилетов. Поэтому возникает необходимость привлечь эти дополнительные данные для анализа извне.</a:t>
             </a:r>
@@ -15556,14 +17291,14 @@
       </p:grpSpPr>
       <p:sp>
         <p:nvSpPr>
-          <p:cNvPr id="209" name="CustomShape 1"/>
+          <p:cNvPr id="248" name="CustomShape 1"/>
           <p:cNvSpPr/>
           <p:nvPr/>
         </p:nvSpPr>
         <p:spPr>
           <a:xfrm>
             <a:off x="540000" y="90000"/>
-            <a:ext cx="8999640" cy="989640"/>
+            <a:ext cx="8999280" cy="989280"/>
           </a:xfrm>
           <a:prstGeom prst="rect">
             <a:avLst/>
@@ -15595,6 +17330,7 @@
                   <a:srgbClr val="ffffff"/>
                 </a:solidFill>
                 <a:latin typeface="Source Sans Pro Light"/>
+                <a:ea typeface="DejaVu Sans"/>
               </a:rPr>
               <a:t>Предварительная косвенная оценка прибыльности авиарейсов</a:t>
             </a:r>
@@ -15606,14 +17342,14 @@
       </p:sp>
       <p:sp>
         <p:nvSpPr>
-          <p:cNvPr id="210" name="CustomShape 2"/>
+          <p:cNvPr id="249" name="CustomShape 2"/>
           <p:cNvSpPr/>
           <p:nvPr/>
         </p:nvSpPr>
         <p:spPr>
           <a:xfrm>
             <a:off x="540000" y="1440000"/>
-            <a:ext cx="8999640" cy="3509640"/>
+            <a:ext cx="8999280" cy="3509280"/>
           </a:xfrm>
           <a:prstGeom prst="rect">
             <a:avLst/>
@@ -15634,7 +17370,7 @@
             <a:normAutofit fontScale="87000"/>
           </a:bodyPr>
           <a:p>
-            <a:pPr marL="432000" indent="-323640">
+            <a:pPr marL="432000" indent="-323280">
               <a:lnSpc>
                 <a:spcPct val="100000"/>
               </a:lnSpc>
@@ -15650,7 +17386,11 @@
             </a:pPr>
             <a:r>
               <a:rPr b="0" lang="de-AT" sz="2400" spc="-1" strike="noStrike">
+                <a:solidFill>
+                  <a:srgbClr val="000000"/>
+                </a:solidFill>
                 <a:latin typeface="Source Sans Pro"/>
+                <a:ea typeface="DejaVu Sans"/>
               </a:rPr>
               <a:t>По полученному набору данных можно сделать вывод о прибыльности авиарейсов на основании доли загруженности мест в самолёте каждом рейсе.</a:t>
             </a:r>
@@ -15659,7 +17399,7 @@
             </a:endParaRPr>
           </a:p>
           <a:p>
-            <a:pPr marL="432000" indent="-323640">
+            <a:pPr marL="432000" indent="-323280">
               <a:lnSpc>
                 <a:spcPct val="100000"/>
               </a:lnSpc>
@@ -15675,19 +17415,31 @@
             </a:pPr>
             <a:r>
               <a:rPr b="0" lang="de-AT" sz="2400" spc="-1" strike="noStrike">
+                <a:solidFill>
+                  <a:srgbClr val="000000"/>
+                </a:solidFill>
                 <a:latin typeface="Source Sans Pro"/>
+                <a:ea typeface="DejaVu Sans"/>
               </a:rPr>
               <a:t>За критерий хорошей доли загруженности авиарейса на данном этапе анализа было принято значение </a:t>
             </a:r>
             <a:r>
               <a:rPr b="0" i="1" lang="de-AT" sz="2400" spc="-1" strike="noStrike">
+                <a:solidFill>
+                  <a:srgbClr val="000000"/>
+                </a:solidFill>
                 <a:latin typeface="Source Sans Pro"/>
+                <a:ea typeface="DejaVu Sans"/>
               </a:rPr>
               <a:t>большее</a:t>
             </a:r>
             <a:r>
               <a:rPr b="0" lang="de-AT" sz="2400" spc="-1" strike="noStrike">
+                <a:solidFill>
+                  <a:srgbClr val="000000"/>
+                </a:solidFill>
                 <a:latin typeface="Source Sans Pro"/>
+                <a:ea typeface="DejaVu Sans"/>
               </a:rPr>
               <a:t> чем 0.8 (80%).</a:t>
             </a:r>
@@ -15696,7 +17448,7 @@
             </a:endParaRPr>
           </a:p>
           <a:p>
-            <a:pPr marL="432000" indent="-323640">
+            <a:pPr marL="432000" indent="-323280">
               <a:lnSpc>
                 <a:spcPct val="100000"/>
               </a:lnSpc>
@@ -15712,7 +17464,11 @@
             </a:pPr>
             <a:r>
               <a:rPr b="0" lang="de-AT" sz="2400" spc="-1" strike="noStrike">
+                <a:solidFill>
+                  <a:srgbClr val="000000"/>
+                </a:solidFill>
                 <a:latin typeface="Source Sans Pro"/>
+                <a:ea typeface="DejaVu Sans"/>
               </a:rPr>
               <a:t>Было найдено 12 авиарейсов из 127 в зимний период 2017-го года, которые не удовлетворяют этому критерию.</a:t>
             </a:r>
@@ -15754,7 +17510,7 @@
       </p:grpSpPr>
       <p:graphicFrame>
         <p:nvGraphicFramePr>
-          <p:cNvPr id="211" name="Table 1"/>
+          <p:cNvPr id="250" name="Table 1"/>
           <p:cNvGraphicFramePr/>
           <p:nvPr/>
         </p:nvGraphicFramePr>
@@ -22263,14 +24019,14 @@
       </p:grpSpPr>
       <p:sp>
         <p:nvSpPr>
-          <p:cNvPr id="212" name="CustomShape 1"/>
+          <p:cNvPr id="251" name="CustomShape 1"/>
           <p:cNvSpPr/>
           <p:nvPr/>
         </p:nvSpPr>
         <p:spPr>
           <a:xfrm>
             <a:off x="540000" y="90000"/>
-            <a:ext cx="8999640" cy="989640"/>
+            <a:ext cx="8999280" cy="989280"/>
           </a:xfrm>
           <a:prstGeom prst="rect">
             <a:avLst/>
@@ -22302,6 +24058,7 @@
                   <a:srgbClr val="ffffff"/>
                 </a:solidFill>
                 <a:latin typeface="Source Sans Pro Light"/>
+                <a:ea typeface="DejaVu Sans"/>
               </a:rPr>
               <a:t>Предварительные выводы и</a:t>
             </a:r>
@@ -22312,6 +24069,7 @@
                   <a:srgbClr val="ffffff"/>
                 </a:solidFill>
                 <a:latin typeface="Source Sans Pro Light"/>
+                <a:ea typeface="DejaVu Sans"/>
               </a:rPr>
               <a:t>дальнейший анализ</a:t>
             </a:r>
@@ -22323,14 +24081,14 @@
       </p:sp>
       <p:sp>
         <p:nvSpPr>
-          <p:cNvPr id="213" name="CustomShape 2"/>
+          <p:cNvPr id="252" name="CustomShape 2"/>
           <p:cNvSpPr/>
           <p:nvPr/>
         </p:nvSpPr>
         <p:spPr>
           <a:xfrm>
             <a:off x="228600" y="1440000"/>
-            <a:ext cx="9372240" cy="4046040"/>
+            <a:ext cx="9371880" cy="4045680"/>
           </a:xfrm>
           <a:prstGeom prst="rect">
             <a:avLst/>
@@ -22351,7 +24109,7 @@
             <a:normAutofit fontScale="70000"/>
           </a:bodyPr>
           <a:p>
-            <a:pPr marL="432000" indent="-323640">
+            <a:pPr marL="432000" indent="-323280">
               <a:lnSpc>
                 <a:spcPct val="100000"/>
               </a:lnSpc>
@@ -22367,7 +24125,11 @@
             </a:pPr>
             <a:r>
               <a:rPr b="0" lang="de-AT" sz="2400" spc="-1" strike="noStrike">
+                <a:solidFill>
+                  <a:srgbClr val="000000"/>
+                </a:solidFill>
                 <a:latin typeface="Source Sans Pro"/>
+                <a:ea typeface="DejaVu Sans"/>
               </a:rPr>
               <a:t>Найдено 12 малозагруженных рейсов в зимний период 2017-го года из Анапы. Это может быть поводом для принятия решений по оптимизации числа авиарейсов в соответствующие и близкие календарные даты.</a:t>
             </a:r>
@@ -22376,7 +24138,7 @@
             </a:endParaRPr>
           </a:p>
           <a:p>
-            <a:pPr marL="432000" indent="-323640">
+            <a:pPr marL="432000" indent="-323280">
               <a:lnSpc>
                 <a:spcPct val="100000"/>
               </a:lnSpc>
@@ -22392,7 +24154,11 @@
             </a:pPr>
             <a:r>
               <a:rPr b="0" lang="de-AT" sz="2400" spc="-1" strike="noStrike">
+                <a:solidFill>
+                  <a:srgbClr val="000000"/>
+                </a:solidFill>
                 <a:latin typeface="Source Sans Pro"/>
+                <a:ea typeface="DejaVu Sans"/>
               </a:rPr>
               <a:t>В предварительных данных отсутствуют сведения, позволяющие оценить расходы на каждый авиарейс.</a:t>
             </a:r>
@@ -22401,7 +24167,7 @@
             </a:endParaRPr>
           </a:p>
           <a:p>
-            <a:pPr marL="432000" indent="-323640">
+            <a:pPr marL="432000" indent="-323280">
               <a:lnSpc>
                 <a:spcPct val="100000"/>
               </a:lnSpc>
@@ -22417,19 +24183,31 @@
             </a:pPr>
             <a:r>
               <a:rPr b="0" lang="de-AT" sz="2400" spc="-1" strike="noStrike">
+                <a:solidFill>
+                  <a:srgbClr val="000000"/>
+                </a:solidFill>
                 <a:latin typeface="Source Sans Pro"/>
+                <a:ea typeface="DejaVu Sans"/>
               </a:rPr>
               <a:t>Необходимо было привлечь дополнительные данные о расходе топлива самолётом за час и/или данные об удельном расходе топлива (</a:t>
             </a:r>
             <a:r>
               <a:rPr b="0" lang="de-AT" sz="2400" spc="-1" strike="noStrike">
+                <a:solidFill>
+                  <a:srgbClr val="000000"/>
+                </a:solidFill>
                 <a:latin typeface="FreeMono"/>
+                <a:ea typeface="DejaVu Sans"/>
               </a:rPr>
               <a:t>грамм/(пассажир·км)</a:t>
             </a:r>
             <a:r>
               <a:rPr b="0" lang="de-AT" sz="2400" spc="-1" strike="noStrike">
+                <a:solidFill>
+                  <a:srgbClr val="000000"/>
+                </a:solidFill>
                 <a:latin typeface="Source Sans Pro"/>
+                <a:ea typeface="DejaVu Sans"/>
               </a:rPr>
               <a:t>).</a:t>
             </a:r>
@@ -22438,7 +24216,7 @@
             </a:endParaRPr>
           </a:p>
           <a:p>
-            <a:pPr marL="432000" indent="-323640">
+            <a:pPr marL="432000" indent="-323280">
               <a:lnSpc>
                 <a:spcPct val="100000"/>
               </a:lnSpc>
@@ -22454,7 +24232,11 @@
             </a:pPr>
             <a:r>
               <a:rPr b="0" lang="de-AT" sz="2400" spc="-1" strike="noStrike">
+                <a:solidFill>
+                  <a:srgbClr val="000000"/>
+                </a:solidFill>
                 <a:latin typeface="Source Sans Pro"/>
+                <a:ea typeface="DejaVu Sans"/>
               </a:rPr>
               <a:t>После получения дополнительных данных был проведён дальнейший анализ прибыльности авиарейсов.</a:t>
             </a:r>
@@ -22496,14 +24278,14 @@
       </p:grpSpPr>
       <p:sp>
         <p:nvSpPr>
-          <p:cNvPr id="214" name="TextShape 1"/>
-          <p:cNvSpPr txBox="1"/>
+          <p:cNvPr id="253" name="CustomShape 1"/>
+          <p:cNvSpPr/>
           <p:nvPr/>
         </p:nvSpPr>
         <p:spPr>
           <a:xfrm>
             <a:off x="540000" y="-40320"/>
-            <a:ext cx="8999640" cy="1250280"/>
+            <a:ext cx="8999280" cy="1249920"/>
           </a:xfrm>
           <a:prstGeom prst="rect">
             <a:avLst/>
@@ -22513,34 +24295,44 @@
             <a:noFill/>
           </a:ln>
         </p:spPr>
+        <p:style>
+          <a:lnRef idx="0"/>
+          <a:fillRef idx="0"/>
+          <a:effectRef idx="0"/>
+          <a:fontRef idx="minor"/>
+        </p:style>
         <p:txBody>
           <a:bodyPr lIns="0" rIns="0" tIns="0" bIns="0" anchor="ctr">
             <a:noAutofit/>
           </a:bodyPr>
           <a:p>
-            <a:pPr algn="ctr"/>
+            <a:pPr algn="ctr">
+              <a:lnSpc>
+                <a:spcPct val="100000"/>
+              </a:lnSpc>
+            </a:pPr>
             <a:r>
-              <a:rPr b="0" lang="en-US" sz="4400" spc="-1" strike="noStrike">
+              <a:rPr b="0" lang="en-US" sz="4200" spc="-1" strike="noStrike">
                 <a:latin typeface="Arial"/>
               </a:rPr>
               <a:t>Новый набор данных с усчётом затрат на топливо</a:t>
             </a:r>
-            <a:endParaRPr b="0" lang="en-US" sz="4400" spc="-1" strike="noStrike">
-              <a:latin typeface="Arial"/>
-            </a:endParaRPr>
-          </a:p>
-        </p:txBody>
-      </p:sp>
-      <p:sp>
-        <p:nvSpPr>
-          <p:cNvPr id="215" name="TextShape 2"/>
-          <p:cNvSpPr txBox="1"/>
+            <a:endParaRPr b="0" lang="en-US" sz="4200" spc="-1" strike="noStrike">
+              <a:latin typeface="Arial"/>
+            </a:endParaRPr>
+          </a:p>
+        </p:txBody>
+      </p:sp>
+      <p:sp>
+        <p:nvSpPr>
+          <p:cNvPr id="254" name="CustomShape 2"/>
+          <p:cNvSpPr/>
           <p:nvPr/>
         </p:nvSpPr>
         <p:spPr>
           <a:xfrm>
             <a:off x="540000" y="1440000"/>
-            <a:ext cx="8999640" cy="3509640"/>
+            <a:ext cx="8999280" cy="3509280"/>
           </a:xfrm>
           <a:prstGeom prst="rect">
             <a:avLst/>
@@ -22550,12 +24342,21 @@
             <a:noFill/>
           </a:ln>
         </p:spPr>
+        <p:style>
+          <a:lnRef idx="0"/>
+          <a:fillRef idx="0"/>
+          <a:effectRef idx="0"/>
+          <a:fontRef idx="minor"/>
+        </p:style>
         <p:txBody>
           <a:bodyPr lIns="0" rIns="0" tIns="0" bIns="0">
-            <a:normAutofit fontScale="27000"/>
-          </a:bodyPr>
-          <a:p>
-            <a:pPr marL="432000" indent="-324000">
+            <a:normAutofit fontScale="90000"/>
+          </a:bodyPr>
+          <a:p>
+            <a:pPr marL="432000" indent="-323640">
+              <a:lnSpc>
+                <a:spcPct val="100000"/>
+              </a:lnSpc>
               <a:spcBef>
                 <a:spcPts val="1417"/>
               </a:spcBef>
@@ -22567,29 +24368,20 @@
               <a:buChar char=""/>
             </a:pPr>
             <a:r>
-              <a:rPr b="0" lang="en-US" sz="3200" spc="-1" strike="noStrike">
+              <a:rPr b="0" lang="en-US" sz="2000" spc="-1" strike="noStrike">
                 <a:latin typeface="Arial"/>
               </a:rPr>
-              <a:t>В открытых официальных источниках были </a:t>
+              <a:t>В открытых официальных источниках были найдены данные о ценах на топливо в 2016-2017 годах в зимнее время.</a:t>
             </a:r>
-            <a:r>
-              <a:rPr b="0" lang="en-US" sz="3200" spc="-1" strike="noStrike">
-                <a:latin typeface="Arial"/>
-              </a:rPr>
-              <a:t>найдены данные о ценах на топливо в 2016-</a:t>
-            </a:r>
-            <a:r>
-              <a:rPr b="0" lang="en-US" sz="3200" spc="-1" strike="noStrike">
-                <a:latin typeface="Arial"/>
-              </a:rPr>
-              <a:t>2017 годах в зимнее время.</a:t>
-            </a:r>
-            <a:endParaRPr b="0" lang="en-US" sz="3200" spc="-1" strike="noStrike">
-              <a:latin typeface="Arial"/>
-            </a:endParaRPr>
-          </a:p>
-          <a:p>
-            <a:pPr marL="432000" indent="-324000">
+            <a:endParaRPr b="0" lang="en-US" sz="2000" spc="-1" strike="noStrike">
+              <a:latin typeface="Arial"/>
+            </a:endParaRPr>
+          </a:p>
+          <a:p>
+            <a:pPr marL="432000" indent="-323640">
+              <a:lnSpc>
+                <a:spcPct val="100000"/>
+              </a:lnSpc>
               <a:spcBef>
                 <a:spcPts val="1417"/>
               </a:spcBef>
@@ -22601,29 +24393,20 @@
               <a:buChar char=""/>
             </a:pPr>
             <a:r>
-              <a:rPr b="0" lang="en-US" sz="3200" spc="-1" strike="noStrike">
+              <a:rPr b="0" lang="en-US" sz="2000" spc="-1" strike="noStrike">
                 <a:latin typeface="Arial"/>
               </a:rPr>
-              <a:t>Была ориентировочно оценена стоимость </a:t>
+              <a:t>Была ориентировочно оценена стоимость задержки самолёта в минуту (в $38 по курсу 2017-го года).</a:t>
             </a:r>
-            <a:r>
-              <a:rPr b="0" lang="en-US" sz="3200" spc="-1" strike="noStrike">
-                <a:latin typeface="Arial"/>
-              </a:rPr>
-              <a:t>задержки самолёта в минуту (в $38 по курсу </a:t>
-            </a:r>
-            <a:r>
-              <a:rPr b="0" lang="en-US" sz="3200" spc="-1" strike="noStrike">
-                <a:latin typeface="Arial"/>
-              </a:rPr>
-              <a:t>2017-го года).</a:t>
-            </a:r>
-            <a:endParaRPr b="0" lang="en-US" sz="3200" spc="-1" strike="noStrike">
-              <a:latin typeface="Arial"/>
-            </a:endParaRPr>
-          </a:p>
-          <a:p>
-            <a:pPr marL="432000" indent="-324000">
+            <a:endParaRPr b="0" lang="en-US" sz="2000" spc="-1" strike="noStrike">
+              <a:latin typeface="Arial"/>
+            </a:endParaRPr>
+          </a:p>
+          <a:p>
+            <a:pPr marL="432000" indent="-323640">
+              <a:lnSpc>
+                <a:spcPct val="100000"/>
+              </a:lnSpc>
               <a:spcBef>
                 <a:spcPts val="1417"/>
               </a:spcBef>
@@ -22635,29 +24418,20 @@
               <a:buChar char=""/>
             </a:pPr>
             <a:r>
-              <a:rPr b="0" lang="en-US" sz="3200" spc="-1" strike="noStrike">
+              <a:rPr b="0" lang="en-US" sz="2000" spc="-1" strike="noStrike">
                 <a:latin typeface="Arial"/>
               </a:rPr>
-              <a:t>Были найдены данные об удельном </a:t>
+              <a:t>Были найдены данные об удельном расходе топлива в граммах на пассажир-километр.</a:t>
             </a:r>
-            <a:r>
-              <a:rPr b="0" lang="en-US" sz="3200" spc="-1" strike="noStrike">
-                <a:latin typeface="Arial"/>
-              </a:rPr>
-              <a:t>расходе топлива в граммах на пассажир-</a:t>
-            </a:r>
-            <a:r>
-              <a:rPr b="0" lang="en-US" sz="3200" spc="-1" strike="noStrike">
-                <a:latin typeface="Arial"/>
-              </a:rPr>
-              <a:t>километр.</a:t>
-            </a:r>
-            <a:endParaRPr b="0" lang="en-US" sz="3200" spc="-1" strike="noStrike">
-              <a:latin typeface="Arial"/>
-            </a:endParaRPr>
-          </a:p>
-          <a:p>
-            <a:pPr marL="432000" indent="-324000">
+            <a:endParaRPr b="0" lang="en-US" sz="2000" spc="-1" strike="noStrike">
+              <a:latin typeface="Arial"/>
+            </a:endParaRPr>
+          </a:p>
+          <a:p>
+            <a:pPr marL="432000" indent="-323640">
+              <a:lnSpc>
+                <a:spcPct val="100000"/>
+              </a:lnSpc>
               <a:spcBef>
                 <a:spcPts val="1417"/>
               </a:spcBef>
@@ -22669,35 +24443,20 @@
               <a:buChar char=""/>
             </a:pPr>
             <a:r>
-              <a:rPr b="0" lang="en-US" sz="3200" spc="-1" strike="noStrike">
+              <a:rPr b="0" lang="en-US" sz="2000" spc="-1" strike="noStrike">
                 <a:latin typeface="Arial"/>
               </a:rPr>
-              <a:t>Была подсчитана чистая прибыль каждого </a:t>
+              <a:t>Была подсчитана чистая прибыль каждого рейса исходя их стоимости проданных билетов и затрат на топливо в аэропорте вылета.</a:t>
             </a:r>
-            <a:r>
-              <a:rPr b="0" lang="en-US" sz="3200" spc="-1" strike="noStrike">
-                <a:latin typeface="Arial"/>
-              </a:rPr>
-              <a:t>рейса исходя их стоимости проданных </a:t>
-            </a:r>
-            <a:r>
-              <a:rPr b="0" lang="en-US" sz="3200" spc="-1" strike="noStrike">
-                <a:latin typeface="Arial"/>
-              </a:rPr>
-              <a:t>билетов и затрат на топливо в аэропорте </a:t>
-            </a:r>
-            <a:r>
-              <a:rPr b="0" lang="en-US" sz="3200" spc="-1" strike="noStrike">
-                <a:latin typeface="Arial"/>
-              </a:rPr>
-              <a:t>вылета.</a:t>
-            </a:r>
-            <a:endParaRPr b="0" lang="en-US" sz="3200" spc="-1" strike="noStrike">
-              <a:latin typeface="Arial"/>
-            </a:endParaRPr>
-          </a:p>
-          <a:p>
-            <a:pPr marL="432000" indent="-324000">
+            <a:endParaRPr b="0" lang="en-US" sz="2000" spc="-1" strike="noStrike">
+              <a:latin typeface="Arial"/>
+            </a:endParaRPr>
+          </a:p>
+          <a:p>
+            <a:pPr marL="432000" indent="-323640">
+              <a:lnSpc>
+                <a:spcPct val="100000"/>
+              </a:lnSpc>
               <a:spcBef>
                 <a:spcPts val="1417"/>
               </a:spcBef>
@@ -22709,23 +24468,20 @@
               <a:buChar char=""/>
             </a:pPr>
             <a:r>
-              <a:rPr b="0" lang="en-US" sz="3200" spc="-1" strike="noStrike">
+              <a:rPr b="0" lang="en-US" sz="2000" spc="-1" strike="noStrike">
                 <a:latin typeface="Arial"/>
               </a:rPr>
-              <a:t>Был сформирован новый набор признаков </a:t>
+              <a:t>Был сформирован новый набор признаков для итогового датасета.</a:t>
             </a:r>
-            <a:r>
-              <a:rPr b="0" lang="en-US" sz="3200" spc="-1" strike="noStrike">
-                <a:latin typeface="Arial"/>
-              </a:rPr>
-              <a:t>для итогового датасета.</a:t>
-            </a:r>
-            <a:endParaRPr b="0" lang="en-US" sz="3200" spc="-1" strike="noStrike">
-              <a:latin typeface="Arial"/>
-            </a:endParaRPr>
-          </a:p>
-          <a:p>
-            <a:pPr marL="432000" indent="-324000">
+            <a:endParaRPr b="0" lang="en-US" sz="2000" spc="-1" strike="noStrike">
+              <a:latin typeface="Arial"/>
+            </a:endParaRPr>
+          </a:p>
+          <a:p>
+            <a:pPr marL="432000" indent="-323640">
+              <a:lnSpc>
+                <a:spcPct val="100000"/>
+              </a:lnSpc>
               <a:spcBef>
                 <a:spcPts val="1417"/>
               </a:spcBef>
@@ -22737,18 +24493,12 @@
               <a:buChar char=""/>
             </a:pPr>
             <a:r>
-              <a:rPr b="0" lang="en-US" sz="3200" spc="-1" strike="noStrike">
+              <a:rPr b="0" lang="en-US" sz="2000" spc="-1" strike="noStrike">
                 <a:latin typeface="Arial"/>
               </a:rPr>
-              <a:t>Указанные работы были проведены </a:t>
+              <a:t>Указанные работы были проведены отдельно (Jupyter Notebook).</a:t>
             </a:r>
-            <a:r>
-              <a:rPr b="0" lang="en-US" sz="3200" spc="-1" strike="noStrike">
-                <a:latin typeface="Arial"/>
-              </a:rPr>
-              <a:t>отдельно (Jupyter Notebook).</a:t>
-            </a:r>
-            <a:endParaRPr b="0" lang="en-US" sz="3200" spc="-1" strike="noStrike">
+            <a:endParaRPr b="0" lang="en-US" sz="2000" spc="-1" strike="noStrike">
               <a:latin typeface="Arial"/>
             </a:endParaRPr>
           </a:p>
@@ -23895,4 +25645,230 @@
     </a:fmtScheme>
   </a:themeElements>
 </a:theme>
+</file>
+
+<file path=ppt/theme/theme6.xml><?xml version="1.0" encoding="utf-8"?>
+<a:theme xmlns:a="http://schemas.openxmlformats.org/drawingml/2006/main" name="Office Theme">
+  <a:themeElements>
+    <a:clrScheme name="Office">
+      <a:dk1>
+        <a:sysClr val="windowText" lastClr="000000"/>
+      </a:dk1>
+      <a:lt1>
+        <a:sysClr val="window" lastClr="FFFFFF"/>
+      </a:lt1>
+      <a:dk2>
+        <a:srgbClr val="1f497d"/>
+      </a:dk2>
+      <a:lt2>
+        <a:srgbClr val="eeece1"/>
+      </a:lt2>
+      <a:accent1>
+        <a:srgbClr val="4f81bd"/>
+      </a:accent1>
+      <a:accent2>
+        <a:srgbClr val="c0504d"/>
+      </a:accent2>
+      <a:accent3>
+        <a:srgbClr val="9bbb59"/>
+      </a:accent3>
+      <a:accent4>
+        <a:srgbClr val="8064a2"/>
+      </a:accent4>
+      <a:accent5>
+        <a:srgbClr val="4bacc6"/>
+      </a:accent5>
+      <a:accent6>
+        <a:srgbClr val="f79646"/>
+      </a:accent6>
+      <a:hlink>
+        <a:srgbClr val="0000ff"/>
+      </a:hlink>
+      <a:folHlink>
+        <a:srgbClr val="800080"/>
+      </a:folHlink>
+    </a:clrScheme>
+    <a:fontScheme name="Office">
+      <a:majorFont>
+        <a:latin typeface="Arial"/>
+        <a:ea typeface="DejaVu Sans"/>
+        <a:cs typeface="DejaVu Sans"/>
+      </a:majorFont>
+      <a:minorFont>
+        <a:latin typeface="Arial"/>
+        <a:ea typeface="DejaVu Sans"/>
+        <a:cs typeface="DejaVu Sans"/>
+      </a:minorFont>
+    </a:fontScheme>
+    <a:fmtScheme name="Office">
+      <a:fillStyleLst>
+        <a:solidFill>
+          <a:schemeClr val="phClr"/>
+        </a:solidFill>
+        <a:gradFill rotWithShape="1">
+          <a:gsLst>
+            <a:gs pos="0">
+              <a:schemeClr val="phClr">
+                <a:tint val="50000"/>
+                <a:satMod val="300000"/>
+              </a:schemeClr>
+            </a:gs>
+            <a:gs pos="35000">
+              <a:schemeClr val="phClr">
+                <a:tint val="37000"/>
+                <a:satMod val="300000"/>
+              </a:schemeClr>
+            </a:gs>
+            <a:gs pos="100000">
+              <a:schemeClr val="phClr">
+                <a:tint val="15000"/>
+                <a:satMod val="350000"/>
+              </a:schemeClr>
+            </a:gs>
+          </a:gsLst>
+          <a:lin ang="16200000" scaled="1"/>
+        </a:gradFill>
+        <a:gradFill rotWithShape="1">
+          <a:gsLst>
+            <a:gs pos="0">
+              <a:schemeClr val="phClr">
+                <a:shade val="51000"/>
+                <a:satMod val="130000"/>
+              </a:schemeClr>
+            </a:gs>
+            <a:gs pos="80000">
+              <a:schemeClr val="phClr">
+                <a:shade val="93000"/>
+                <a:satMod val="130000"/>
+              </a:schemeClr>
+            </a:gs>
+            <a:gs pos="100000">
+              <a:schemeClr val="phClr">
+                <a:shade val="94000"/>
+                <a:satMod val="135000"/>
+              </a:schemeClr>
+            </a:gs>
+          </a:gsLst>
+          <a:lin ang="16200000" scaled="0"/>
+        </a:gradFill>
+      </a:fillStyleLst>
+      <a:lnStyleLst>
+        <a:ln w="9525" cap="flat" cmpd="sng" algn="ctr">
+          <a:solidFill>
+            <a:schemeClr val="phClr">
+              <a:shade val="95000"/>
+              <a:satMod val="105000"/>
+            </a:schemeClr>
+          </a:solidFill>
+          <a:prstDash val="solid"/>
+          <a:miter/>
+        </a:ln>
+        <a:ln w="25400" cap="flat" cmpd="sng" algn="ctr">
+          <a:solidFill>
+            <a:schemeClr val="phClr"/>
+          </a:solidFill>
+          <a:prstDash val="solid"/>
+          <a:miter/>
+        </a:ln>
+        <a:ln w="38100" cap="flat" cmpd="sng" algn="ctr">
+          <a:solidFill>
+            <a:schemeClr val="phClr"/>
+          </a:solidFill>
+          <a:prstDash val="solid"/>
+          <a:miter/>
+        </a:ln>
+      </a:lnStyleLst>
+      <a:effectStyleLst>
+        <a:effectStyle>
+          <a:effectLst>
+            <a:outerShdw blurRad="40000" dist="20000" dir="5400000" rotWithShape="0">
+              <a:srgbClr val="000000">
+                <a:alpha val="38000"/>
+              </a:srgbClr>
+            </a:outerShdw>
+          </a:effectLst>
+        </a:effectStyle>
+        <a:effectStyle>
+          <a:effectLst>
+            <a:outerShdw blurRad="40000" dist="23000" dir="5400000" rotWithShape="0">
+              <a:srgbClr val="000000">
+                <a:alpha val="35000"/>
+              </a:srgbClr>
+            </a:outerShdw>
+          </a:effectLst>
+        </a:effectStyle>
+        <a:effectStyle>
+          <a:effectLst>
+            <a:outerShdw blurRad="40000" dist="23000" dir="5400000" rotWithShape="0">
+              <a:srgbClr val="000000">
+                <a:alpha val="35000"/>
+              </a:srgbClr>
+            </a:outerShdw>
+          </a:effectLst>
+          <a:scene3d>
+            <a:camera prst="orthographicFront">
+              <a:rot lat="0" lon="0" rev="0"/>
+            </a:camera>
+            <a:lightRig rig="threePt" dir="t">
+              <a:rot lat="0" lon="0" rev="1200000"/>
+            </a:lightRig>
+          </a:scene3d>
+          <a:sp3d>
+            <a:bevelT w="63500" h="25400"/>
+          </a:sp3d>
+        </a:effectStyle>
+      </a:effectStyleLst>
+      <a:bgFillStyleLst>
+        <a:solidFill>
+          <a:schemeClr val="phClr"/>
+        </a:solidFill>
+        <a:gradFill rotWithShape="1">
+          <a:gsLst>
+            <a:gs pos="0">
+              <a:schemeClr val="phClr">
+                <a:tint val="40000"/>
+                <a:satMod val="350000"/>
+              </a:schemeClr>
+            </a:gs>
+            <a:gs pos="40000">
+              <a:schemeClr val="phClr">
+                <a:tint val="45000"/>
+                <a:shade val="99000"/>
+                <a:satMod val="350000"/>
+              </a:schemeClr>
+            </a:gs>
+            <a:gs pos="100000">
+              <a:schemeClr val="phClr">
+                <a:shade val="20000"/>
+                <a:satMod val="255000"/>
+              </a:schemeClr>
+            </a:gs>
+          </a:gsLst>
+          <a:path path="circle">
+            <a:fillToRect l="50000" t="-80000" r="50000" b="180000"/>
+          </a:path>
+        </a:gradFill>
+        <a:gradFill rotWithShape="1">
+          <a:gsLst>
+            <a:gs pos="0">
+              <a:schemeClr val="phClr">
+                <a:tint val="80000"/>
+                <a:satMod val="300000"/>
+              </a:schemeClr>
+            </a:gs>
+            <a:gs pos="100000">
+              <a:schemeClr val="phClr">
+                <a:shade val="30000"/>
+                <a:satMod val="200000"/>
+              </a:schemeClr>
+            </a:gs>
+          </a:gsLst>
+          <a:path path="circle">
+            <a:fillToRect l="50000" t="50000" r="50000" b="50000"/>
+          </a:path>
+        </a:gradFill>
+      </a:bgFillStyleLst>
+    </a:fmtScheme>
+  </a:themeElements>
+</a:theme>
 </file>